--- a/04_ML_Concepts_I_Foundations/machine_learning_bootcamp.pptx
+++ b/04_ML_Concepts_I_Foundations/machine_learning_bootcamp.pptx
@@ -5,59 +5,60 @@
     <p:sldMasterId id="2147483648" r:id="rId1"/>
   </p:sldMasterIdLst>
   <p:notesMasterIdLst>
-    <p:notesMasterId r:id="rId49"/>
+    <p:notesMasterId r:id="rId50"/>
   </p:notesMasterIdLst>
   <p:handoutMasterIdLst>
-    <p:handoutMasterId r:id="rId50"/>
+    <p:handoutMasterId r:id="rId51"/>
   </p:handoutMasterIdLst>
   <p:sldIdLst>
     <p:sldId id="2391" r:id="rId2"/>
     <p:sldId id="2407" r:id="rId3"/>
     <p:sldId id="366" r:id="rId4"/>
     <p:sldId id="2437" r:id="rId5"/>
-    <p:sldId id="2425" r:id="rId6"/>
-    <p:sldId id="2372" r:id="rId7"/>
-    <p:sldId id="2362" r:id="rId8"/>
-    <p:sldId id="410" r:id="rId9"/>
-    <p:sldId id="2360" r:id="rId10"/>
-    <p:sldId id="2361" r:id="rId11"/>
-    <p:sldId id="2375" r:id="rId12"/>
-    <p:sldId id="2424" r:id="rId13"/>
-    <p:sldId id="334" r:id="rId14"/>
-    <p:sldId id="339" r:id="rId15"/>
-    <p:sldId id="337" r:id="rId16"/>
-    <p:sldId id="341" r:id="rId17"/>
-    <p:sldId id="342" r:id="rId18"/>
-    <p:sldId id="343" r:id="rId19"/>
-    <p:sldId id="2453" r:id="rId20"/>
-    <p:sldId id="2454" r:id="rId21"/>
-    <p:sldId id="2438" r:id="rId22"/>
-    <p:sldId id="2427" r:id="rId23"/>
-    <p:sldId id="2441" r:id="rId24"/>
-    <p:sldId id="2428" r:id="rId25"/>
-    <p:sldId id="2445" r:id="rId26"/>
-    <p:sldId id="2430" r:id="rId27"/>
-    <p:sldId id="2446" r:id="rId28"/>
-    <p:sldId id="2447" r:id="rId29"/>
-    <p:sldId id="2451" r:id="rId30"/>
-    <p:sldId id="2448" r:id="rId31"/>
-    <p:sldId id="2452" r:id="rId32"/>
-    <p:sldId id="2439" r:id="rId33"/>
-    <p:sldId id="2449" r:id="rId34"/>
-    <p:sldId id="2431" r:id="rId35"/>
-    <p:sldId id="2440" r:id="rId36"/>
-    <p:sldId id="2450" r:id="rId37"/>
-    <p:sldId id="2436" r:id="rId38"/>
-    <p:sldId id="2432" r:id="rId39"/>
-    <p:sldId id="2443" r:id="rId40"/>
-    <p:sldId id="626" r:id="rId41"/>
-    <p:sldId id="2442" r:id="rId42"/>
-    <p:sldId id="2422" r:id="rId43"/>
-    <p:sldId id="2377" r:id="rId44"/>
-    <p:sldId id="2395" r:id="rId45"/>
-    <p:sldId id="2400" r:id="rId46"/>
-    <p:sldId id="2401" r:id="rId47"/>
-    <p:sldId id="2373" r:id="rId48"/>
+    <p:sldId id="2455" r:id="rId6"/>
+    <p:sldId id="2425" r:id="rId7"/>
+    <p:sldId id="2372" r:id="rId8"/>
+    <p:sldId id="2362" r:id="rId9"/>
+    <p:sldId id="410" r:id="rId10"/>
+    <p:sldId id="2360" r:id="rId11"/>
+    <p:sldId id="2361" r:id="rId12"/>
+    <p:sldId id="2375" r:id="rId13"/>
+    <p:sldId id="2424" r:id="rId14"/>
+    <p:sldId id="334" r:id="rId15"/>
+    <p:sldId id="339" r:id="rId16"/>
+    <p:sldId id="337" r:id="rId17"/>
+    <p:sldId id="341" r:id="rId18"/>
+    <p:sldId id="342" r:id="rId19"/>
+    <p:sldId id="343" r:id="rId20"/>
+    <p:sldId id="2453" r:id="rId21"/>
+    <p:sldId id="2454" r:id="rId22"/>
+    <p:sldId id="2438" r:id="rId23"/>
+    <p:sldId id="2427" r:id="rId24"/>
+    <p:sldId id="2441" r:id="rId25"/>
+    <p:sldId id="2428" r:id="rId26"/>
+    <p:sldId id="2445" r:id="rId27"/>
+    <p:sldId id="2430" r:id="rId28"/>
+    <p:sldId id="2446" r:id="rId29"/>
+    <p:sldId id="2447" r:id="rId30"/>
+    <p:sldId id="2451" r:id="rId31"/>
+    <p:sldId id="2448" r:id="rId32"/>
+    <p:sldId id="2452" r:id="rId33"/>
+    <p:sldId id="2439" r:id="rId34"/>
+    <p:sldId id="2449" r:id="rId35"/>
+    <p:sldId id="2431" r:id="rId36"/>
+    <p:sldId id="2440" r:id="rId37"/>
+    <p:sldId id="2450" r:id="rId38"/>
+    <p:sldId id="2436" r:id="rId39"/>
+    <p:sldId id="2432" r:id="rId40"/>
+    <p:sldId id="2443" r:id="rId41"/>
+    <p:sldId id="626" r:id="rId42"/>
+    <p:sldId id="2442" r:id="rId43"/>
+    <p:sldId id="2422" r:id="rId44"/>
+    <p:sldId id="2377" r:id="rId45"/>
+    <p:sldId id="2395" r:id="rId46"/>
+    <p:sldId id="2400" r:id="rId47"/>
+    <p:sldId id="2401" r:id="rId48"/>
+    <p:sldId id="2373" r:id="rId49"/>
   </p:sldIdLst>
   <p:sldSz cx="12192000" cy="6858000"/>
   <p:notesSz cx="6858000" cy="9144000"/>
@@ -261,7 +262,7 @@
           <a:p>
             <a:fld id="{27160A0F-9B86-4581-85D6-AE4500F6A801}" type="datetimeFigureOut">
               <a:rPr lang="en-US" smtClean="0"/>
-              <a:t>2/4/2022</a:t>
+              <a:t>2/3/2025</a:t>
             </a:fld>
             <a:endParaRPr lang="en-US"/>
           </a:p>
@@ -487,7 +488,7 @@
           <a:p>
             <a:fld id="{27BE458A-CC06-48BE-991B-B3ACDD14B597}" type="datetimeFigureOut">
               <a:rPr lang="en-US" smtClean="0"/>
-              <a:t>2/4/2022</a:t>
+              <a:t>2/1/2025</a:t>
             </a:fld>
             <a:endParaRPr lang="en-US"/>
           </a:p>
@@ -935,7 +936,7 @@
           <a:p>
             <a:fld id="{72459E79-B3EA-453E-BDBA-60E25D7173B4}" type="slidenum">
               <a:rPr lang="en-US" smtClean="0"/>
-              <a:t>44</a:t>
+              <a:t>45</a:t>
             </a:fld>
             <a:endParaRPr lang="en-US"/>
           </a:p>
@@ -1027,7 +1028,7 @@
           <a:p>
             <a:fld id="{72459E79-B3EA-453E-BDBA-60E25D7173B4}" type="slidenum">
               <a:rPr lang="en-US" smtClean="0"/>
-              <a:t>45</a:t>
+              <a:t>46</a:t>
             </a:fld>
             <a:endParaRPr lang="en-US"/>
           </a:p>
@@ -1119,7 +1120,7 @@
           <a:p>
             <a:fld id="{72459E79-B3EA-453E-BDBA-60E25D7173B4}" type="slidenum">
               <a:rPr lang="en-US" smtClean="0"/>
-              <a:t>46</a:t>
+              <a:t>47</a:t>
             </a:fld>
             <a:endParaRPr lang="en-US"/>
           </a:p>
@@ -1203,7 +1204,7 @@
           <a:p>
             <a:fld id="{72459E79-B3EA-453E-BDBA-60E25D7173B4}" type="slidenum">
               <a:rPr lang="en-US" smtClean="0"/>
-              <a:t>47</a:t>
+              <a:t>48</a:t>
             </a:fld>
             <a:endParaRPr lang="en-US"/>
           </a:p>
@@ -1371,7 +1372,7 @@
           <a:p>
             <a:fld id="{72459E79-B3EA-453E-BDBA-60E25D7173B4}" type="slidenum">
               <a:rPr lang="en-US" smtClean="0"/>
-              <a:t>6</a:t>
+              <a:t>7</a:t>
             </a:fld>
             <a:endParaRPr lang="en-US"/>
           </a:p>
@@ -1456,7 +1457,7 @@
             <a:fld id="{4A39B329-E67A-6D49-B442-03542797CA5D}" type="slidenum">
               <a:rPr lang="en-US" smtClean="0"/>
               <a:pPr/>
-              <a:t>7</a:t>
+              <a:t>8</a:t>
             </a:fld>
             <a:endParaRPr lang="en-US" dirty="0"/>
           </a:p>
@@ -1567,7 +1568,7 @@
             <a:fld id="{4A39B329-E67A-6D49-B442-03542797CA5D}" type="slidenum">
               <a:rPr lang="en-US" smtClean="0"/>
               <a:pPr/>
-              <a:t>9</a:t>
+              <a:t>10</a:t>
             </a:fld>
             <a:endParaRPr lang="en-US" dirty="0"/>
           </a:p>
@@ -1678,7 +1679,7 @@
             <a:fld id="{4A39B329-E67A-6D49-B442-03542797CA5D}" type="slidenum">
               <a:rPr lang="en-US" smtClean="0"/>
               <a:pPr/>
-              <a:t>10</a:t>
+              <a:t>11</a:t>
             </a:fld>
             <a:endParaRPr lang="en-US" dirty="0"/>
           </a:p>
@@ -1770,7 +1771,7 @@
           <a:p>
             <a:fld id="{72459E79-B3EA-453E-BDBA-60E25D7173B4}" type="slidenum">
               <a:rPr lang="en-US" smtClean="0"/>
-              <a:t>16</a:t>
+              <a:t>17</a:t>
             </a:fld>
             <a:endParaRPr lang="en-US"/>
           </a:p>
@@ -1857,7 +1858,7 @@
           <a:p>
             <a:fld id="{72459E79-B3EA-453E-BDBA-60E25D7173B4}" type="slidenum">
               <a:rPr lang="en-US" smtClean="0"/>
-              <a:t>17</a:t>
+              <a:t>18</a:t>
             </a:fld>
             <a:endParaRPr lang="en-US"/>
           </a:p>
@@ -1944,7 +1945,7 @@
           <a:p>
             <a:fld id="{72459E79-B3EA-453E-BDBA-60E25D7173B4}" type="slidenum">
               <a:rPr lang="en-US" smtClean="0"/>
-              <a:t>18</a:t>
+              <a:t>19</a:t>
             </a:fld>
             <a:endParaRPr lang="en-US"/>
           </a:p>
@@ -2097,7 +2098,7 @@
           <a:p>
             <a:fld id="{04C01D68-98F0-4413-A543-950947CC53F4}" type="datetime1">
               <a:rPr lang="en-US" smtClean="0"/>
-              <a:t>2/4/2022</a:t>
+              <a:t>2/1/2025</a:t>
             </a:fld>
             <a:endParaRPr lang="en-US"/>
           </a:p>
@@ -2254,7 +2255,7 @@
           <a:p>
             <a:fld id="{F5166586-FB24-4278-9591-82C4BBCDCA89}" type="datetime1">
               <a:rPr lang="en-US" smtClean="0"/>
-              <a:t>2/4/2022</a:t>
+              <a:t>2/1/2025</a:t>
             </a:fld>
             <a:endParaRPr lang="en-US"/>
           </a:p>
@@ -2448,7 +2449,7 @@
           <a:p>
             <a:fld id="{D5A5CA0D-3537-42D6-B0CE-3FBC0D012150}" type="datetime1">
               <a:rPr lang="en-US" smtClean="0"/>
-              <a:t>2/4/2022</a:t>
+              <a:t>2/1/2025</a:t>
             </a:fld>
             <a:endParaRPr lang="en-US"/>
           </a:p>
@@ -3503,7 +3504,7 @@
           <a:p>
             <a:fld id="{FDB3EDF1-F613-4DA2-A80A-754A6940B2FC}" type="datetime1">
               <a:rPr lang="en-US" smtClean="0"/>
-              <a:t>2/4/2022</a:t>
+              <a:t>2/1/2025</a:t>
             </a:fld>
             <a:endParaRPr lang="en-US"/>
           </a:p>
@@ -3748,7 +3749,7 @@
           <a:p>
             <a:fld id="{FD3B0033-72B4-4535-88FF-3AD028C99723}" type="datetime1">
               <a:rPr lang="en-US" smtClean="0"/>
-              <a:t>2/4/2022</a:t>
+              <a:t>2/1/2025</a:t>
             </a:fld>
             <a:endParaRPr lang="en-US"/>
           </a:p>
@@ -4128,7 +4129,7 @@
           <a:p>
             <a:fld id="{96B2EC89-E834-484E-B15B-8A782CBE7E42}" type="datetime1">
               <a:rPr lang="en-US" smtClean="0"/>
-              <a:t>2/4/2022</a:t>
+              <a:t>2/1/2025</a:t>
             </a:fld>
             <a:endParaRPr lang="en-US"/>
           </a:p>
@@ -4261,7 +4262,7 @@
           <a:p>
             <a:fld id="{B0BFDB64-FBD6-4851-B5A5-2376FDD55407}" type="datetime1">
               <a:rPr lang="en-US" smtClean="0"/>
-              <a:t>2/4/2022</a:t>
+              <a:t>2/1/2025</a:t>
             </a:fld>
             <a:endParaRPr lang="en-US"/>
           </a:p>
@@ -4372,7 +4373,7 @@
           <a:p>
             <a:fld id="{A796691A-4010-4E41-AAA5-8BA8423BEAFA}" type="datetime1">
               <a:rPr lang="en-US" smtClean="0"/>
-              <a:t>2/4/2022</a:t>
+              <a:t>2/1/2025</a:t>
             </a:fld>
             <a:endParaRPr lang="en-US"/>
           </a:p>
@@ -4663,7 +4664,7 @@
           <a:p>
             <a:fld id="{19A26292-8CED-46F0-BBB1-1BA0D2A33D09}" type="datetime1">
               <a:rPr lang="en-US" smtClean="0"/>
-              <a:t>2/4/2022</a:t>
+              <a:t>2/1/2025</a:t>
             </a:fld>
             <a:endParaRPr lang="en-US"/>
           </a:p>
@@ -4931,7 +4932,7 @@
           <a:p>
             <a:fld id="{961AD9AB-7BFD-44AF-B1FE-05602162B8C3}" type="datetime1">
               <a:rPr lang="en-US" smtClean="0"/>
-              <a:t>2/4/2022</a:t>
+              <a:t>2/1/2025</a:t>
             </a:fld>
             <a:endParaRPr lang="en-US"/>
           </a:p>
@@ -5158,7 +5159,7 @@
           <a:p>
             <a:fld id="{475570EF-A0EC-4C7C-9082-FFE56C4913AF}" type="datetime1">
               <a:rPr lang="en-US" smtClean="0"/>
-              <a:t>2/4/2022</a:t>
+              <a:t>2/1/2025</a:t>
             </a:fld>
             <a:endParaRPr lang="en-US"/>
           </a:p>
@@ -6152,6 +6153,397 @@
             <p:ph type="body" sz="quarter" idx="15"/>
           </p:nvPr>
         </p:nvSpPr>
+        <p:spPr/>
+        <p:txBody>
+          <a:bodyPr/>
+          <a:lstStyle/>
+          <a:p>
+            <a:r>
+              <a:rPr lang="en-US" b="1" dirty="0">
+                <a:latin typeface="Lato Bold"/>
+                <a:cs typeface="Lato Bold"/>
+              </a:rPr>
+              <a:t>Pattern discovery when inputs (x) and outputs (y) are known</a:t>
+            </a:r>
+          </a:p>
+        </p:txBody>
+      </p:sp>
+      <p:sp>
+        <p:nvSpPr>
+          <p:cNvPr id="3" name="Title 2"/>
+          <p:cNvSpPr>
+            <a:spLocks noGrp="1"/>
+          </p:cNvSpPr>
+          <p:nvPr>
+            <p:ph type="title"/>
+          </p:nvPr>
+        </p:nvSpPr>
+        <p:spPr/>
+        <p:txBody>
+          <a:bodyPr/>
+          <a:lstStyle/>
+          <a:p>
+            <a:r>
+              <a:rPr lang="en-US" dirty="0"/>
+              <a:t>Supervised machine learning</a:t>
+            </a:r>
+          </a:p>
+        </p:txBody>
+      </p:sp>
+      <p:cxnSp>
+        <p:nvCxnSpPr>
+          <p:cNvPr id="7" name="Shape 67"/>
+          <p:cNvCxnSpPr/>
+          <p:nvPr/>
+        </p:nvCxnSpPr>
+        <p:spPr>
+          <a:xfrm>
+            <a:off x="4763852" y="3912367"/>
+            <a:ext cx="1396907" cy="0"/>
+          </a:xfrm>
+          <a:prstGeom prst="straightConnector1">
+            <a:avLst/>
+          </a:prstGeom>
+          <a:noFill/>
+          <a:ln w="127000" cap="flat">
+            <a:solidFill>
+              <a:srgbClr val="000000"/>
+            </a:solidFill>
+            <a:prstDash val="solid"/>
+            <a:round/>
+            <a:headEnd type="none" w="lg" len="lg"/>
+            <a:tailEnd type="stealth" w="lg" len="lg"/>
+          </a:ln>
+        </p:spPr>
+      </p:cxnSp>
+      <p:sp>
+        <p:nvSpPr>
+          <p:cNvPr id="23" name="Shape 63"/>
+          <p:cNvSpPr txBox="1"/>
+          <p:nvPr/>
+        </p:nvSpPr>
+        <p:spPr>
+          <a:xfrm>
+            <a:off x="165343" y="3222780"/>
+            <a:ext cx="1908212" cy="830983"/>
+          </a:xfrm>
+          <a:prstGeom prst="rect">
+            <a:avLst/>
+          </a:prstGeom>
+          <a:noFill/>
+          <a:ln>
+            <a:noFill/>
+          </a:ln>
+        </p:spPr>
+        <p:txBody>
+          <a:bodyPr wrap="square" lIns="45713" tIns="45713" rIns="45713" bIns="45713" anchor="ctr" anchorCtr="0">
+            <a:spAutoFit/>
+          </a:bodyPr>
+          <a:lstStyle/>
+          <a:p>
+            <a:pPr algn="ctr"/>
+            <a:r>
+              <a:rPr lang="en" sz="2400" u="sng" dirty="0">
+                <a:solidFill>
+                  <a:schemeClr val="dk1"/>
+                </a:solidFill>
+                <a:latin typeface="Lato Light" panose="020F0502020204030203" pitchFamily="34" charset="0"/>
+                <a:ea typeface="Lato Light" panose="020F0502020204030203" pitchFamily="34" charset="0"/>
+                <a:cs typeface="Lato Light" panose="020F0502020204030203" pitchFamily="34" charset="0"/>
+                <a:sym typeface="Roboto Condensed"/>
+              </a:rPr>
+              <a:t>Input </a:t>
+            </a:r>
+            <a:r>
+              <a:rPr lang="en" sz="2400" i="1" u="sng" dirty="0">
+                <a:solidFill>
+                  <a:schemeClr val="dk1"/>
+                </a:solidFill>
+                <a:latin typeface="Lato Light" panose="020F0502020204030203" pitchFamily="34" charset="0"/>
+                <a:ea typeface="Lato Light" panose="020F0502020204030203" pitchFamily="34" charset="0"/>
+                <a:cs typeface="Lato Light" panose="020F0502020204030203" pitchFamily="34" charset="0"/>
+                <a:sym typeface="Georgia"/>
+              </a:rPr>
+              <a:t>x:</a:t>
+            </a:r>
+          </a:p>
+          <a:p>
+            <a:pPr algn="ctr"/>
+            <a:r>
+              <a:rPr lang="en-US" sz="2400" dirty="0">
+                <a:solidFill>
+                  <a:schemeClr val="dk1"/>
+                </a:solidFill>
+                <a:latin typeface="Lato Light" panose="020F0502020204030203" pitchFamily="34" charset="0"/>
+                <a:ea typeface="Lato Light" panose="020F0502020204030203" pitchFamily="34" charset="0"/>
+                <a:cs typeface="Lato Light" panose="020F0502020204030203" pitchFamily="34" charset="0"/>
+                <a:sym typeface="Roboto Condensed"/>
+              </a:rPr>
+              <a:t>Voter</a:t>
+            </a:r>
+            <a:endParaRPr lang="en" sz="2400" dirty="0">
+              <a:solidFill>
+                <a:schemeClr val="dk1"/>
+              </a:solidFill>
+              <a:latin typeface="Lato Light" panose="020F0502020204030203" pitchFamily="34" charset="0"/>
+              <a:ea typeface="Lato Light" panose="020F0502020204030203" pitchFamily="34" charset="0"/>
+              <a:cs typeface="Lato Light" panose="020F0502020204030203" pitchFamily="34" charset="0"/>
+              <a:sym typeface="Roboto Condensed"/>
+            </a:endParaRPr>
+          </a:p>
+        </p:txBody>
+      </p:sp>
+      <p:sp>
+        <p:nvSpPr>
+          <p:cNvPr id="24" name="Shape 64"/>
+          <p:cNvSpPr txBox="1"/>
+          <p:nvPr/>
+        </p:nvSpPr>
+        <p:spPr>
+          <a:xfrm>
+            <a:off x="9624392" y="3038115"/>
+            <a:ext cx="2124236" cy="1200314"/>
+          </a:xfrm>
+          <a:prstGeom prst="rect">
+            <a:avLst/>
+          </a:prstGeom>
+          <a:noFill/>
+          <a:ln>
+            <a:noFill/>
+          </a:ln>
+        </p:spPr>
+        <p:txBody>
+          <a:bodyPr wrap="square" lIns="45713" tIns="45713" rIns="45713" bIns="45713" anchor="ctr" anchorCtr="0">
+            <a:spAutoFit/>
+          </a:bodyPr>
+          <a:lstStyle/>
+          <a:p>
+            <a:pPr algn="ctr"/>
+            <a:r>
+              <a:rPr lang="en" sz="2400" u="sng" dirty="0">
+                <a:solidFill>
+                  <a:schemeClr val="dk1"/>
+                </a:solidFill>
+                <a:latin typeface="Lato Light" panose="020F0502020204030203" pitchFamily="34" charset="0"/>
+                <a:ea typeface="Lato Light" panose="020F0502020204030203" pitchFamily="34" charset="0"/>
+                <a:cs typeface="Lato Light" panose="020F0502020204030203" pitchFamily="34" charset="0"/>
+                <a:sym typeface="Roboto Condensed"/>
+              </a:rPr>
+              <a:t>Output </a:t>
+            </a:r>
+            <a:r>
+              <a:rPr lang="en" sz="2400" i="1" u="sng" dirty="0">
+                <a:solidFill>
+                  <a:schemeClr val="dk1"/>
+                </a:solidFill>
+                <a:latin typeface="Lato Light" panose="020F0502020204030203" pitchFamily="34" charset="0"/>
+                <a:ea typeface="Lato Light" panose="020F0502020204030203" pitchFamily="34" charset="0"/>
+                <a:cs typeface="Lato Light" panose="020F0502020204030203" pitchFamily="34" charset="0"/>
+                <a:sym typeface="Georgia"/>
+              </a:rPr>
+              <a:t>y:</a:t>
+            </a:r>
+            <a:endParaRPr lang="en" sz="2400" dirty="0">
+              <a:solidFill>
+                <a:schemeClr val="dk1"/>
+              </a:solidFill>
+              <a:latin typeface="Lato Light" panose="020F0502020204030203" pitchFamily="34" charset="0"/>
+              <a:ea typeface="Lato Light" panose="020F0502020204030203" pitchFamily="34" charset="0"/>
+              <a:cs typeface="Lato Light" panose="020F0502020204030203" pitchFamily="34" charset="0"/>
+              <a:sym typeface="Roboto Condensed"/>
+            </a:endParaRPr>
+          </a:p>
+          <a:p>
+            <a:pPr algn="ctr"/>
+            <a:r>
+              <a:rPr lang="en-US" sz="2400" dirty="0">
+                <a:solidFill>
+                  <a:schemeClr val="dk1"/>
+                </a:solidFill>
+                <a:latin typeface="Lato Light" panose="020F0502020204030203" pitchFamily="34" charset="0"/>
+                <a:ea typeface="Lato Light" panose="020F0502020204030203" pitchFamily="34" charset="0"/>
+                <a:cs typeface="Lato Light" panose="020F0502020204030203" pitchFamily="34" charset="0"/>
+                <a:sym typeface="Roboto Condensed"/>
+              </a:rPr>
+              <a:t>Political affiliation</a:t>
+            </a:r>
+            <a:endParaRPr lang="en" sz="2400" dirty="0">
+              <a:solidFill>
+                <a:schemeClr val="dk1"/>
+              </a:solidFill>
+              <a:latin typeface="Lato Light" panose="020F0502020204030203" pitchFamily="34" charset="0"/>
+              <a:ea typeface="Lato Light" panose="020F0502020204030203" pitchFamily="34" charset="0"/>
+              <a:cs typeface="Lato Light" panose="020F0502020204030203" pitchFamily="34" charset="0"/>
+              <a:sym typeface="Georgia"/>
+            </a:endParaRPr>
+          </a:p>
+        </p:txBody>
+      </p:sp>
+      <p:sp>
+        <p:nvSpPr>
+          <p:cNvPr id="25" name="Rectangle 24"/>
+          <p:cNvSpPr/>
+          <p:nvPr/>
+        </p:nvSpPr>
+        <p:spPr>
+          <a:xfrm>
+            <a:off x="623392" y="5481228"/>
+            <a:ext cx="11229716" cy="230832"/>
+          </a:xfrm>
+          <a:prstGeom prst="rect">
+            <a:avLst/>
+          </a:prstGeom>
+        </p:spPr>
+        <p:txBody>
+          <a:bodyPr wrap="square">
+            <a:spAutoFit/>
+          </a:bodyPr>
+          <a:lstStyle/>
+          <a:p>
+            <a:r>
+              <a:rPr lang="en-US" sz="900" u="sng" dirty="0">
+                <a:latin typeface="Lato Light" panose="020F0502020204030203" pitchFamily="34" charset="0"/>
+                <a:ea typeface="Lato Light" panose="020F0502020204030203" pitchFamily="34" charset="0"/>
+                <a:cs typeface="Lato Light" panose="020F0502020204030203" pitchFamily="34" charset="0"/>
+              </a:rPr>
+              <a:t>Examples:</a:t>
+            </a:r>
+            <a:r>
+              <a:rPr lang="en-US" sz="900" dirty="0">
+                <a:latin typeface="Lato Light" panose="020F0502020204030203" pitchFamily="34" charset="0"/>
+                <a:ea typeface="Lato Light" panose="020F0502020204030203" pitchFamily="34" charset="0"/>
+                <a:cs typeface="Lato Light" panose="020F0502020204030203" pitchFamily="34" charset="0"/>
+              </a:rPr>
+              <a:t>  Classification and regression are supervised machine learning </a:t>
+            </a:r>
+            <a:endParaRPr lang="en-US" sz="900" u="sng" dirty="0">
+              <a:latin typeface="Lato Light" panose="020F0502020204030203" pitchFamily="34" charset="0"/>
+              <a:ea typeface="Lato Light" panose="020F0502020204030203" pitchFamily="34" charset="0"/>
+              <a:cs typeface="Lato Light" panose="020F0502020204030203" pitchFamily="34" charset="0"/>
+            </a:endParaRPr>
+          </a:p>
+        </p:txBody>
+      </p:sp>
+      <p:pic>
+        <p:nvPicPr>
+          <p:cNvPr id="4" name="Picture 3"/>
+          <p:cNvPicPr>
+            <a:picLocks noChangeAspect="1"/>
+          </p:cNvPicPr>
+          <p:nvPr/>
+        </p:nvPicPr>
+        <p:blipFill>
+          <a:blip r:embed="rId3"/>
+          <a:stretch>
+            <a:fillRect/>
+          </a:stretch>
+        </p:blipFill>
+        <p:spPr>
+          <a:xfrm>
+            <a:off x="6312024" y="2924944"/>
+            <a:ext cx="3651250" cy="1727200"/>
+          </a:xfrm>
+          <a:prstGeom prst="rect">
+            <a:avLst/>
+          </a:prstGeom>
+        </p:spPr>
+      </p:pic>
+      <p:pic>
+        <p:nvPicPr>
+          <p:cNvPr id="14" name="Picture 13"/>
+          <p:cNvPicPr>
+            <a:picLocks noChangeAspect="1"/>
+          </p:cNvPicPr>
+          <p:nvPr/>
+        </p:nvPicPr>
+        <p:blipFill rotWithShape="1">
+          <a:blip r:embed="rId4"/>
+          <a:srcRect b="12548"/>
+          <a:stretch/>
+        </p:blipFill>
+        <p:spPr>
+          <a:xfrm>
+            <a:off x="2351584" y="3032956"/>
+            <a:ext cx="1800200" cy="1784230"/>
+          </a:xfrm>
+          <a:prstGeom prst="rect">
+            <a:avLst/>
+          </a:prstGeom>
+        </p:spPr>
+      </p:pic>
+      <p:sp>
+        <p:nvSpPr>
+          <p:cNvPr id="13" name="Slide Number Placeholder 2"/>
+          <p:cNvSpPr>
+            <a:spLocks noGrp="1"/>
+          </p:cNvSpPr>
+          <p:nvPr>
+            <p:ph type="sldNum" sz="quarter" idx="4"/>
+          </p:nvPr>
+        </p:nvSpPr>
+        <p:spPr>
+          <a:xfrm>
+            <a:off x="9331106" y="6494594"/>
+            <a:ext cx="2844800" cy="365125"/>
+          </a:xfrm>
+          <a:prstGeom prst="rect">
+            <a:avLst/>
+          </a:prstGeom>
+        </p:spPr>
+        <p:txBody>
+          <a:bodyPr/>
+          <a:lstStyle/>
+          <a:p>
+            <a:pPr algn="r"/>
+            <a:fld id="{A2644288-DBB5-B146-A4C9-3FE617AA0A71}" type="slidenum">
+              <a:rPr lang="en-US"/>
+              <a:pPr algn="r"/>
+              <a:t>10</a:t>
+            </a:fld>
+            <a:endParaRPr lang="en-US" dirty="0"/>
+          </a:p>
+        </p:txBody>
+      </p:sp>
+    </p:spTree>
+    <p:extLst>
+      <p:ext uri="{BB962C8B-B14F-4D97-AF65-F5344CB8AC3E}">
+        <p14:creationId xmlns:p14="http://schemas.microsoft.com/office/powerpoint/2010/main" val="1587074856"/>
+      </p:ext>
+    </p:extLst>
+  </p:cSld>
+  <p:clrMapOvr>
+    <a:masterClrMapping/>
+  </p:clrMapOvr>
+</p:sld>
+</file>
+
+<file path=ppt/slides/slide11.xml><?xml version="1.0" encoding="utf-8"?>
+<p:sld xmlns:a="http://schemas.openxmlformats.org/drawingml/2006/main" xmlns:r="http://schemas.openxmlformats.org/officeDocument/2006/relationships" xmlns:p="http://schemas.openxmlformats.org/presentationml/2006/main">
+  <p:cSld>
+    <p:spTree>
+      <p:nvGrpSpPr>
+        <p:cNvPr id="1" name=""/>
+        <p:cNvGrpSpPr/>
+        <p:nvPr/>
+      </p:nvGrpSpPr>
+      <p:grpSpPr>
+        <a:xfrm>
+          <a:off x="0" y="0"/>
+          <a:ext cx="0" cy="0"/>
+          <a:chOff x="0" y="0"/>
+          <a:chExt cx="0" cy="0"/>
+        </a:xfrm>
+      </p:grpSpPr>
+      <p:sp>
+        <p:nvSpPr>
+          <p:cNvPr id="2" name="Text Placeholder 1"/>
+          <p:cNvSpPr>
+            <a:spLocks noGrp="1"/>
+          </p:cNvSpPr>
+          <p:nvPr>
+            <p:ph type="body" sz="quarter" idx="15"/>
+          </p:nvPr>
+        </p:nvSpPr>
         <p:spPr>
           <a:xfrm>
             <a:off x="695401" y="1700808"/>
@@ -6540,7 +6932,7 @@
             <a:fld id="{A2644288-DBB5-B146-A4C9-3FE617AA0A71}" type="slidenum">
               <a:rPr lang="en-US"/>
               <a:pPr algn="r"/>
-              <a:t>10</a:t>
+              <a:t>11</a:t>
             </a:fld>
             <a:endParaRPr lang="en-US" dirty="0"/>
           </a:p>
@@ -6659,7 +7051,7 @@
 </p:sld>
 </file>
 
-<file path=ppt/slides/slide11.xml><?xml version="1.0" encoding="utf-8"?>
+<file path=ppt/slides/slide12.xml><?xml version="1.0" encoding="utf-8"?>
 <p:sld xmlns:a="http://schemas.openxmlformats.org/drawingml/2006/main" xmlns:r="http://schemas.openxmlformats.org/officeDocument/2006/relationships" xmlns:p="http://schemas.openxmlformats.org/presentationml/2006/main">
   <p:cSld>
     <p:bg>
@@ -6762,7 +7154,7 @@
                   <a:spcPts val="600"/>
                 </a:spcAft>
               </a:pPr>
-              <a:t>11</a:t>
+              <a:t>12</a:t>
             </a:fld>
             <a:endParaRPr lang="en-US" sz="1200">
               <a:solidFill>
@@ -6780,123 +7172,6 @@
     <p:extLst>
       <p:ext uri="{BB962C8B-B14F-4D97-AF65-F5344CB8AC3E}">
         <p14:creationId xmlns:p14="http://schemas.microsoft.com/office/powerpoint/2010/main" val="3454705253"/>
-      </p:ext>
-    </p:extLst>
-  </p:cSld>
-  <p:clrMapOvr>
-    <a:masterClrMapping/>
-  </p:clrMapOvr>
-</p:sld>
-</file>
-
-<file path=ppt/slides/slide12.xml><?xml version="1.0" encoding="utf-8"?>
-<p:sld xmlns:a="http://schemas.openxmlformats.org/drawingml/2006/main" xmlns:r="http://schemas.openxmlformats.org/officeDocument/2006/relationships" xmlns:p="http://schemas.openxmlformats.org/presentationml/2006/main">
-  <p:cSld>
-    <p:spTree>
-      <p:nvGrpSpPr>
-        <p:cNvPr id="1" name=""/>
-        <p:cNvGrpSpPr/>
-        <p:nvPr/>
-      </p:nvGrpSpPr>
-      <p:grpSpPr>
-        <a:xfrm>
-          <a:off x="0" y="0"/>
-          <a:ext cx="0" cy="0"/>
-          <a:chOff x="0" y="0"/>
-          <a:chExt cx="0" cy="0"/>
-        </a:xfrm>
-      </p:grpSpPr>
-      <p:sp>
-        <p:nvSpPr>
-          <p:cNvPr id="4" name="Slide Number Placeholder 3">
-            <a:extLst>
-              <a:ext uri="{FF2B5EF4-FFF2-40B4-BE49-F238E27FC236}">
-                <a16:creationId xmlns:a16="http://schemas.microsoft.com/office/drawing/2014/main" id="{9C9FFE13-F397-4340-AE28-9AE96E56F414}"/>
-              </a:ext>
-            </a:extLst>
-          </p:cNvPr>
-          <p:cNvSpPr>
-            <a:spLocks noGrp="1"/>
-          </p:cNvSpPr>
-          <p:nvPr>
-            <p:ph type="sldNum" sz="quarter" idx="12"/>
-          </p:nvPr>
-        </p:nvSpPr>
-        <p:spPr/>
-        <p:txBody>
-          <a:bodyPr/>
-          <a:lstStyle/>
-          <a:p>
-            <a:fld id="{5ACD0CF0-90CC-9C41-A77B-2776398A8C8B}" type="slidenum">
-              <a:rPr lang="en-US" smtClean="0"/>
-              <a:pPr/>
-              <a:t>12</a:t>
-            </a:fld>
-            <a:endParaRPr lang="en-US"/>
-          </a:p>
-        </p:txBody>
-      </p:sp>
-      <p:sp>
-        <p:nvSpPr>
-          <p:cNvPr id="5" name="Rectangle 4">
-            <a:extLst>
-              <a:ext uri="{FF2B5EF4-FFF2-40B4-BE49-F238E27FC236}">
-                <a16:creationId xmlns:a16="http://schemas.microsoft.com/office/drawing/2014/main" id="{BBD9ADDE-BA09-449C-A1B4-28422D7C76D2}"/>
-              </a:ext>
-            </a:extLst>
-          </p:cNvPr>
-          <p:cNvSpPr/>
-          <p:nvPr/>
-        </p:nvSpPr>
-        <p:spPr>
-          <a:xfrm>
-            <a:off x="1504950" y="2334186"/>
-            <a:ext cx="9315450" cy="1839632"/>
-          </a:xfrm>
-          <a:prstGeom prst="rect">
-            <a:avLst/>
-          </a:prstGeom>
-        </p:spPr>
-        <p:style>
-          <a:lnRef idx="2">
-            <a:schemeClr val="accent1">
-              <a:shade val="50000"/>
-            </a:schemeClr>
-          </a:lnRef>
-          <a:fillRef idx="1">
-            <a:schemeClr val="accent1"/>
-          </a:fillRef>
-          <a:effectRef idx="0">
-            <a:schemeClr val="accent1"/>
-          </a:effectRef>
-          <a:fontRef idx="minor">
-            <a:schemeClr val="lt1"/>
-          </a:fontRef>
-        </p:style>
-        <p:txBody>
-          <a:bodyPr rtlCol="0" anchor="ctr"/>
-          <a:lstStyle/>
-          <a:p>
-            <a:pPr marL="0" indent="0" algn="ctr">
-              <a:buNone/>
-            </a:pPr>
-            <a:r>
-              <a:rPr lang="en-US" sz="3200" b="1" dirty="0">
-                <a:solidFill>
-                  <a:schemeClr val="bg1"/>
-                </a:solidFill>
-                <a:latin typeface="Aharoni" panose="02010803020104030203" pitchFamily="2" charset="-79"/>
-                <a:cs typeface="Aharoni" panose="02010803020104030203" pitchFamily="2" charset="-79"/>
-              </a:rPr>
-              <a:t>Machine Learning is a general use technology what does that mean?</a:t>
-            </a:r>
-          </a:p>
-        </p:txBody>
-      </p:sp>
-    </p:spTree>
-    <p:extLst>
-      <p:ext uri="{BB962C8B-B14F-4D97-AF65-F5344CB8AC3E}">
-        <p14:creationId xmlns:p14="http://schemas.microsoft.com/office/powerpoint/2010/main" val="1367715098"/>
       </p:ext>
     </p:extLst>
   </p:cSld>
@@ -6925,174 +7200,13 @@
       </p:grpSpPr>
       <p:sp>
         <p:nvSpPr>
-          <p:cNvPr id="2" name="Title 1"/>
-          <p:cNvSpPr>
-            <a:spLocks noGrp="1"/>
-          </p:cNvSpPr>
-          <p:nvPr>
-            <p:ph type="title"/>
-          </p:nvPr>
-        </p:nvSpPr>
-        <p:spPr/>
-        <p:txBody>
-          <a:bodyPr/>
-          <a:lstStyle/>
-          <a:p>
-            <a:r>
-              <a:rPr lang="en-US" dirty="0">
-                <a:solidFill>
-                  <a:srgbClr val="002060"/>
-                </a:solidFill>
-                <a:latin typeface="Times New Roman" panose="02020603050405020304" pitchFamily="18" charset="0"/>
-                <a:cs typeface="Times New Roman" panose="02020603050405020304" pitchFamily="18" charset="0"/>
-              </a:rPr>
-              <a:t>Machine Learning Overview </a:t>
-            </a:r>
-          </a:p>
-        </p:txBody>
-      </p:sp>
-      <p:sp>
-        <p:nvSpPr>
-          <p:cNvPr id="3" name="Content Placeholder 2"/>
-          <p:cNvSpPr>
-            <a:spLocks noGrp="1"/>
-          </p:cNvSpPr>
-          <p:nvPr>
-            <p:ph idx="1"/>
-          </p:nvPr>
-        </p:nvSpPr>
-        <p:spPr>
-          <a:xfrm>
-            <a:off x="-37289" y="761548"/>
-            <a:ext cx="10515600" cy="4890315"/>
-          </a:xfrm>
-        </p:spPr>
-        <p:txBody>
-          <a:bodyPr>
-            <a:normAutofit/>
-          </a:bodyPr>
-          <a:lstStyle/>
-          <a:p>
-            <a:r>
-              <a:rPr lang="en-US" sz="3200" dirty="0">
-                <a:solidFill>
-                  <a:srgbClr val="002060"/>
-                </a:solidFill>
-                <a:latin typeface="Times New Roman" panose="02020603050405020304" pitchFamily="18" charset="0"/>
-                <a:cs typeface="Times New Roman" panose="02020603050405020304" pitchFamily="18" charset="0"/>
-              </a:rPr>
-              <a:t> </a:t>
-            </a:r>
-            <a:r>
-              <a:rPr lang="en-US" dirty="0">
-                <a:solidFill>
-                  <a:srgbClr val="002060"/>
-                </a:solidFill>
-                <a:latin typeface="Times New Roman" panose="02020603050405020304" pitchFamily="18" charset="0"/>
-                <a:cs typeface="Times New Roman" panose="02020603050405020304" pitchFamily="18" charset="0"/>
-              </a:rPr>
-              <a:t>A </a:t>
-            </a:r>
-            <a:r>
-              <a:rPr lang="en-US" b="1" dirty="0">
-                <a:solidFill>
-                  <a:srgbClr val="C00000"/>
-                </a:solidFill>
-                <a:latin typeface="Times New Roman" panose="02020603050405020304" pitchFamily="18" charset="0"/>
-                <a:cs typeface="Times New Roman" panose="02020603050405020304" pitchFamily="18" charset="0"/>
-              </a:rPr>
-              <a:t>general-purpose technology</a:t>
-            </a:r>
-            <a:r>
-              <a:rPr lang="en-US" dirty="0">
-                <a:solidFill>
-                  <a:srgbClr val="C00000"/>
-                </a:solidFill>
-                <a:latin typeface="Times New Roman" panose="02020603050405020304" pitchFamily="18" charset="0"/>
-                <a:cs typeface="Times New Roman" panose="02020603050405020304" pitchFamily="18" charset="0"/>
-              </a:rPr>
-              <a:t> </a:t>
-            </a:r>
-            <a:r>
-              <a:rPr lang="en-US" dirty="0">
-                <a:solidFill>
-                  <a:srgbClr val="002060"/>
-                </a:solidFill>
-                <a:latin typeface="Times New Roman" panose="02020603050405020304" pitchFamily="18" charset="0"/>
-                <a:cs typeface="Times New Roman" panose="02020603050405020304" pitchFamily="18" charset="0"/>
-              </a:rPr>
-              <a:t>or</a:t>
-            </a:r>
-            <a:r>
-              <a:rPr lang="en-US" dirty="0">
-                <a:solidFill>
-                  <a:srgbClr val="C00000"/>
-                </a:solidFill>
-                <a:latin typeface="Times New Roman" panose="02020603050405020304" pitchFamily="18" charset="0"/>
-                <a:cs typeface="Times New Roman" panose="02020603050405020304" pitchFamily="18" charset="0"/>
-              </a:rPr>
-              <a:t> </a:t>
-            </a:r>
-            <a:r>
-              <a:rPr lang="en-US" b="1" dirty="0">
-                <a:solidFill>
-                  <a:srgbClr val="C00000"/>
-                </a:solidFill>
-                <a:latin typeface="Times New Roman" panose="02020603050405020304" pitchFamily="18" charset="0"/>
-                <a:cs typeface="Times New Roman" panose="02020603050405020304" pitchFamily="18" charset="0"/>
-              </a:rPr>
-              <a:t>GPT</a:t>
-            </a:r>
-            <a:r>
-              <a:rPr lang="en-US" dirty="0">
-                <a:solidFill>
-                  <a:srgbClr val="C00000"/>
-                </a:solidFill>
-                <a:latin typeface="Times New Roman" panose="02020603050405020304" pitchFamily="18" charset="0"/>
-                <a:cs typeface="Times New Roman" panose="02020603050405020304" pitchFamily="18" charset="0"/>
-              </a:rPr>
-              <a:t> </a:t>
-            </a:r>
-            <a:r>
-              <a:rPr lang="en-US" dirty="0">
-                <a:solidFill>
-                  <a:srgbClr val="002060"/>
-                </a:solidFill>
-                <a:latin typeface="Times New Roman" panose="02020603050405020304" pitchFamily="18" charset="0"/>
-                <a:cs typeface="Times New Roman" panose="02020603050405020304" pitchFamily="18" charset="0"/>
-              </a:rPr>
-              <a:t>is a term coined to describe a new method of producing and inventing that is important enough to have a protracted aggregate impact.</a:t>
-            </a:r>
-          </a:p>
-          <a:p>
-            <a:pPr marL="0" indent="0">
-              <a:buNone/>
-            </a:pPr>
-            <a:endParaRPr lang="en-US" dirty="0">
-              <a:solidFill>
-                <a:srgbClr val="002060"/>
-              </a:solidFill>
-              <a:latin typeface="Times New Roman" panose="02020603050405020304" pitchFamily="18" charset="0"/>
-              <a:cs typeface="Times New Roman" panose="02020603050405020304" pitchFamily="18" charset="0"/>
-            </a:endParaRPr>
-          </a:p>
-          <a:p>
-            <a:r>
-              <a:rPr lang="en-US" dirty="0">
-                <a:solidFill>
-                  <a:srgbClr val="002060"/>
-                </a:solidFill>
-                <a:latin typeface="Times New Roman" panose="02020603050405020304" pitchFamily="18" charset="0"/>
-                <a:cs typeface="Times New Roman" panose="02020603050405020304" pitchFamily="18" charset="0"/>
-              </a:rPr>
-              <a:t> Similar to electricity or the internet, in that it can be applied across domains and work to improve market outcomes. </a:t>
-            </a:r>
-          </a:p>
-        </p:txBody>
-      </p:sp>
-      <p:sp>
-        <p:nvSpPr>
-          <p:cNvPr id="5" name="Slide Number Placeholder 4"/>
+          <p:cNvPr id="4" name="Slide Number Placeholder 3">
+            <a:extLst>
+              <a:ext uri="{FF2B5EF4-FFF2-40B4-BE49-F238E27FC236}">
+                <a16:creationId xmlns:a16="http://schemas.microsoft.com/office/drawing/2014/main" id="{9C9FFE13-F397-4340-AE28-9AE96E56F414}"/>
+              </a:ext>
+            </a:extLst>
+          </p:cNvPr>
           <p:cNvSpPr>
             <a:spLocks noGrp="1"/>
           </p:cNvSpPr>
@@ -7107,16 +7221,74 @@
           <a:p>
             <a:fld id="{5ACD0CF0-90CC-9C41-A77B-2776398A8C8B}" type="slidenum">
               <a:rPr lang="en-US" smtClean="0"/>
+              <a:pPr/>
               <a:t>13</a:t>
             </a:fld>
-            <a:endParaRPr lang="en-US" dirty="0"/>
+            <a:endParaRPr lang="en-US"/>
+          </a:p>
+        </p:txBody>
+      </p:sp>
+      <p:sp>
+        <p:nvSpPr>
+          <p:cNvPr id="5" name="Rectangle 4">
+            <a:extLst>
+              <a:ext uri="{FF2B5EF4-FFF2-40B4-BE49-F238E27FC236}">
+                <a16:creationId xmlns:a16="http://schemas.microsoft.com/office/drawing/2014/main" id="{BBD9ADDE-BA09-449C-A1B4-28422D7C76D2}"/>
+              </a:ext>
+            </a:extLst>
+          </p:cNvPr>
+          <p:cNvSpPr/>
+          <p:nvPr/>
+        </p:nvSpPr>
+        <p:spPr>
+          <a:xfrm>
+            <a:off x="1504950" y="2334186"/>
+            <a:ext cx="9315450" cy="1839632"/>
+          </a:xfrm>
+          <a:prstGeom prst="rect">
+            <a:avLst/>
+          </a:prstGeom>
+        </p:spPr>
+        <p:style>
+          <a:lnRef idx="2">
+            <a:schemeClr val="accent1">
+              <a:shade val="50000"/>
+            </a:schemeClr>
+          </a:lnRef>
+          <a:fillRef idx="1">
+            <a:schemeClr val="accent1"/>
+          </a:fillRef>
+          <a:effectRef idx="0">
+            <a:schemeClr val="accent1"/>
+          </a:effectRef>
+          <a:fontRef idx="minor">
+            <a:schemeClr val="lt1"/>
+          </a:fontRef>
+        </p:style>
+        <p:txBody>
+          <a:bodyPr rtlCol="0" anchor="ctr"/>
+          <a:lstStyle/>
+          <a:p>
+            <a:pPr marL="0" indent="0" algn="ctr">
+              <a:buNone/>
+            </a:pPr>
+            <a:r>
+              <a:rPr lang="en-US" sz="3200" b="1" dirty="0">
+                <a:solidFill>
+                  <a:schemeClr val="bg1"/>
+                </a:solidFill>
+                <a:latin typeface="Aharoni" panose="02010803020104030203" pitchFamily="2" charset="-79"/>
+                <a:cs typeface="Aharoni" panose="02010803020104030203" pitchFamily="2" charset="-79"/>
+              </a:rPr>
+              <a:t>Machine Learning is a general use technology what does that mean?</a:t>
+            </a:r>
           </a:p>
         </p:txBody>
       </p:sp>
     </p:spTree>
     <p:extLst>
       <p:ext uri="{BB962C8B-B14F-4D97-AF65-F5344CB8AC3E}">
-        <p14:creationId xmlns:p14="http://schemas.microsoft.com/office/powerpoint/2010/main" val="2683212711"/>
+        <p14:creationId xmlns:p14="http://schemas.microsoft.com/office/powerpoint/2010/main" val="1367715098"/>
       </p:ext>
     </p:extLst>
   </p:cSld>
@@ -7153,6 +7325,226 @@
             <p:ph type="title"/>
           </p:nvPr>
         </p:nvSpPr>
+        <p:spPr/>
+        <p:txBody>
+          <a:bodyPr/>
+          <a:lstStyle/>
+          <a:p>
+            <a:r>
+              <a:rPr lang="en-US" dirty="0">
+                <a:solidFill>
+                  <a:srgbClr val="002060"/>
+                </a:solidFill>
+                <a:latin typeface="Times New Roman" panose="02020603050405020304" pitchFamily="18" charset="0"/>
+                <a:cs typeface="Times New Roman" panose="02020603050405020304" pitchFamily="18" charset="0"/>
+              </a:rPr>
+              <a:t>Machine Learning Overview </a:t>
+            </a:r>
+          </a:p>
+        </p:txBody>
+      </p:sp>
+      <p:sp>
+        <p:nvSpPr>
+          <p:cNvPr id="3" name="Content Placeholder 2"/>
+          <p:cNvSpPr>
+            <a:spLocks noGrp="1"/>
+          </p:cNvSpPr>
+          <p:nvPr>
+            <p:ph idx="1"/>
+          </p:nvPr>
+        </p:nvSpPr>
+        <p:spPr>
+          <a:xfrm>
+            <a:off x="-37289" y="761548"/>
+            <a:ext cx="10515600" cy="4890315"/>
+          </a:xfrm>
+        </p:spPr>
+        <p:txBody>
+          <a:bodyPr>
+            <a:normAutofit/>
+          </a:bodyPr>
+          <a:lstStyle/>
+          <a:p>
+            <a:r>
+              <a:rPr lang="en-US" sz="3200" dirty="0">
+                <a:solidFill>
+                  <a:srgbClr val="002060"/>
+                </a:solidFill>
+                <a:latin typeface="Times New Roman" panose="02020603050405020304" pitchFamily="18" charset="0"/>
+                <a:cs typeface="Times New Roman" panose="02020603050405020304" pitchFamily="18" charset="0"/>
+              </a:rPr>
+              <a:t> </a:t>
+            </a:r>
+            <a:r>
+              <a:rPr lang="en-US" dirty="0">
+                <a:solidFill>
+                  <a:srgbClr val="002060"/>
+                </a:solidFill>
+                <a:latin typeface="Times New Roman" panose="02020603050405020304" pitchFamily="18" charset="0"/>
+                <a:cs typeface="Times New Roman" panose="02020603050405020304" pitchFamily="18" charset="0"/>
+              </a:rPr>
+              <a:t>A </a:t>
+            </a:r>
+            <a:r>
+              <a:rPr lang="en-US" b="1" dirty="0">
+                <a:solidFill>
+                  <a:srgbClr val="C00000"/>
+                </a:solidFill>
+                <a:latin typeface="Times New Roman" panose="02020603050405020304" pitchFamily="18" charset="0"/>
+                <a:cs typeface="Times New Roman" panose="02020603050405020304" pitchFamily="18" charset="0"/>
+              </a:rPr>
+              <a:t>general-purpose technology</a:t>
+            </a:r>
+            <a:r>
+              <a:rPr lang="en-US" dirty="0">
+                <a:solidFill>
+                  <a:srgbClr val="C00000"/>
+                </a:solidFill>
+                <a:latin typeface="Times New Roman" panose="02020603050405020304" pitchFamily="18" charset="0"/>
+                <a:cs typeface="Times New Roman" panose="02020603050405020304" pitchFamily="18" charset="0"/>
+              </a:rPr>
+              <a:t> </a:t>
+            </a:r>
+            <a:r>
+              <a:rPr lang="en-US" dirty="0">
+                <a:solidFill>
+                  <a:srgbClr val="002060"/>
+                </a:solidFill>
+                <a:latin typeface="Times New Roman" panose="02020603050405020304" pitchFamily="18" charset="0"/>
+                <a:cs typeface="Times New Roman" panose="02020603050405020304" pitchFamily="18" charset="0"/>
+              </a:rPr>
+              <a:t>or</a:t>
+            </a:r>
+            <a:r>
+              <a:rPr lang="en-US" dirty="0">
+                <a:solidFill>
+                  <a:srgbClr val="C00000"/>
+                </a:solidFill>
+                <a:latin typeface="Times New Roman" panose="02020603050405020304" pitchFamily="18" charset="0"/>
+                <a:cs typeface="Times New Roman" panose="02020603050405020304" pitchFamily="18" charset="0"/>
+              </a:rPr>
+              <a:t> </a:t>
+            </a:r>
+            <a:r>
+              <a:rPr lang="en-US" b="1" dirty="0">
+                <a:solidFill>
+                  <a:srgbClr val="C00000"/>
+                </a:solidFill>
+                <a:latin typeface="Times New Roman" panose="02020603050405020304" pitchFamily="18" charset="0"/>
+                <a:cs typeface="Times New Roman" panose="02020603050405020304" pitchFamily="18" charset="0"/>
+              </a:rPr>
+              <a:t>GPT</a:t>
+            </a:r>
+            <a:r>
+              <a:rPr lang="en-US" dirty="0">
+                <a:solidFill>
+                  <a:srgbClr val="C00000"/>
+                </a:solidFill>
+                <a:latin typeface="Times New Roman" panose="02020603050405020304" pitchFamily="18" charset="0"/>
+                <a:cs typeface="Times New Roman" panose="02020603050405020304" pitchFamily="18" charset="0"/>
+              </a:rPr>
+              <a:t> </a:t>
+            </a:r>
+            <a:r>
+              <a:rPr lang="en-US" dirty="0">
+                <a:solidFill>
+                  <a:srgbClr val="002060"/>
+                </a:solidFill>
+                <a:latin typeface="Times New Roman" panose="02020603050405020304" pitchFamily="18" charset="0"/>
+                <a:cs typeface="Times New Roman" panose="02020603050405020304" pitchFamily="18" charset="0"/>
+              </a:rPr>
+              <a:t>is a term coined to describe a new method of producing and inventing that is important enough to have a protracted aggregate impact.</a:t>
+            </a:r>
+          </a:p>
+          <a:p>
+            <a:pPr marL="0" indent="0">
+              <a:buNone/>
+            </a:pPr>
+            <a:endParaRPr lang="en-US" dirty="0">
+              <a:solidFill>
+                <a:srgbClr val="002060"/>
+              </a:solidFill>
+              <a:latin typeface="Times New Roman" panose="02020603050405020304" pitchFamily="18" charset="0"/>
+              <a:cs typeface="Times New Roman" panose="02020603050405020304" pitchFamily="18" charset="0"/>
+            </a:endParaRPr>
+          </a:p>
+          <a:p>
+            <a:r>
+              <a:rPr lang="en-US" dirty="0">
+                <a:solidFill>
+                  <a:srgbClr val="002060"/>
+                </a:solidFill>
+                <a:latin typeface="Times New Roman" panose="02020603050405020304" pitchFamily="18" charset="0"/>
+                <a:cs typeface="Times New Roman" panose="02020603050405020304" pitchFamily="18" charset="0"/>
+              </a:rPr>
+              <a:t> Similar to electricity or the internet, in that it can be applied across domains and work to improve market outcomes. </a:t>
+            </a:r>
+          </a:p>
+        </p:txBody>
+      </p:sp>
+      <p:sp>
+        <p:nvSpPr>
+          <p:cNvPr id="5" name="Slide Number Placeholder 4"/>
+          <p:cNvSpPr>
+            <a:spLocks noGrp="1"/>
+          </p:cNvSpPr>
+          <p:nvPr>
+            <p:ph type="sldNum" sz="quarter" idx="12"/>
+          </p:nvPr>
+        </p:nvSpPr>
+        <p:spPr/>
+        <p:txBody>
+          <a:bodyPr/>
+          <a:lstStyle/>
+          <a:p>
+            <a:fld id="{5ACD0CF0-90CC-9C41-A77B-2776398A8C8B}" type="slidenum">
+              <a:rPr lang="en-US" smtClean="0"/>
+              <a:t>14</a:t>
+            </a:fld>
+            <a:endParaRPr lang="en-US" dirty="0"/>
+          </a:p>
+        </p:txBody>
+      </p:sp>
+    </p:spTree>
+    <p:extLst>
+      <p:ext uri="{BB962C8B-B14F-4D97-AF65-F5344CB8AC3E}">
+        <p14:creationId xmlns:p14="http://schemas.microsoft.com/office/powerpoint/2010/main" val="2683212711"/>
+      </p:ext>
+    </p:extLst>
+  </p:cSld>
+  <p:clrMapOvr>
+    <a:masterClrMapping/>
+  </p:clrMapOvr>
+</p:sld>
+</file>
+
+<file path=ppt/slides/slide15.xml><?xml version="1.0" encoding="utf-8"?>
+<p:sld xmlns:a="http://schemas.openxmlformats.org/drawingml/2006/main" xmlns:r="http://schemas.openxmlformats.org/officeDocument/2006/relationships" xmlns:p="http://schemas.openxmlformats.org/presentationml/2006/main">
+  <p:cSld>
+    <p:spTree>
+      <p:nvGrpSpPr>
+        <p:cNvPr id="1" name=""/>
+        <p:cNvGrpSpPr/>
+        <p:nvPr/>
+      </p:nvGrpSpPr>
+      <p:grpSpPr>
+        <a:xfrm>
+          <a:off x="0" y="0"/>
+          <a:ext cx="0" cy="0"/>
+          <a:chOff x="0" y="0"/>
+          <a:chExt cx="0" cy="0"/>
+        </a:xfrm>
+      </p:grpSpPr>
+      <p:sp>
+        <p:nvSpPr>
+          <p:cNvPr id="2" name="Title 1"/>
+          <p:cNvSpPr>
+            <a:spLocks noGrp="1"/>
+          </p:cNvSpPr>
+          <p:nvPr>
+            <p:ph type="title"/>
+          </p:nvPr>
+        </p:nvSpPr>
         <p:spPr>
           <a:xfrm>
             <a:off x="80554" y="1"/>
@@ -7325,7 +7717,7 @@
                 <a:latin typeface="Times New Roman" panose="02020603050405020304" pitchFamily="18" charset="0"/>
                 <a:cs typeface="Times New Roman" panose="02020603050405020304" pitchFamily="18" charset="0"/>
               </a:rPr>
-              <a:t>14</a:t>
+              <a:t>15</a:t>
             </a:fld>
             <a:endParaRPr lang="en-US" dirty="0">
               <a:solidFill>
@@ -7624,7 +8016,7 @@
 </p:sld>
 </file>
 
-<file path=ppt/slides/slide15.xml><?xml version="1.0" encoding="utf-8"?>
+<file path=ppt/slides/slide16.xml><?xml version="1.0" encoding="utf-8"?>
 <p:sld xmlns:a="http://schemas.openxmlformats.org/drawingml/2006/main" xmlns:r="http://schemas.openxmlformats.org/officeDocument/2006/relationships" xmlns:p="http://schemas.openxmlformats.org/presentationml/2006/main">
   <p:cSld>
     <p:spTree>
@@ -7815,7 +8207,7 @@
                 <a:latin typeface="Times New Roman" panose="02020603050405020304" pitchFamily="18" charset="0"/>
                 <a:cs typeface="Times New Roman" panose="02020603050405020304" pitchFamily="18" charset="0"/>
               </a:rPr>
-              <a:t>15</a:t>
+              <a:t>16</a:t>
             </a:fld>
             <a:endParaRPr lang="en-US" dirty="0">
               <a:latin typeface="Times New Roman" panose="02020603050405020304" pitchFamily="18" charset="0"/>
@@ -8039,7 +8431,7 @@
 </p:sld>
 </file>
 
-<file path=ppt/slides/slide16.xml><?xml version="1.0" encoding="utf-8"?>
+<file path=ppt/slides/slide17.xml><?xml version="1.0" encoding="utf-8"?>
 <p:sld xmlns:a="http://schemas.openxmlformats.org/drawingml/2006/main" xmlns:r="http://schemas.openxmlformats.org/officeDocument/2006/relationships" xmlns:p="http://schemas.openxmlformats.org/presentationml/2006/main">
   <p:cSld>
     <p:spTree>
@@ -8266,7 +8658,7 @@
                 <a:latin typeface="Times New Roman" panose="02020603050405020304" pitchFamily="18" charset="0"/>
                 <a:cs typeface="Times New Roman" panose="02020603050405020304" pitchFamily="18" charset="0"/>
               </a:rPr>
-              <a:t>16</a:t>
+              <a:t>17</a:t>
             </a:fld>
             <a:endParaRPr lang="en-US" dirty="0">
               <a:latin typeface="Times New Roman" panose="02020603050405020304" pitchFamily="18" charset="0"/>
@@ -8548,7 +8940,7 @@
 </p:sld>
 </file>
 
-<file path=ppt/slides/slide17.xml><?xml version="1.0" encoding="utf-8"?>
+<file path=ppt/slides/slide18.xml><?xml version="1.0" encoding="utf-8"?>
 <p:sld xmlns:a="http://schemas.openxmlformats.org/drawingml/2006/main" xmlns:r="http://schemas.openxmlformats.org/officeDocument/2006/relationships" xmlns:p="http://schemas.openxmlformats.org/presentationml/2006/main">
   <p:cSld>
     <p:spTree>
@@ -8987,7 +9379,7 @@
                 <a:latin typeface="Times New Roman" panose="02020603050405020304" pitchFamily="18" charset="0"/>
                 <a:cs typeface="Times New Roman" panose="02020603050405020304" pitchFamily="18" charset="0"/>
               </a:rPr>
-              <a:t>17</a:t>
+              <a:t>18</a:t>
             </a:fld>
             <a:endParaRPr lang="en-US" dirty="0">
               <a:solidFill>
@@ -9982,7 +10374,7 @@
 </p:sld>
 </file>
 
-<file path=ppt/slides/slide18.xml><?xml version="1.0" encoding="utf-8"?>
+<file path=ppt/slides/slide19.xml><?xml version="1.0" encoding="utf-8"?>
 <p:sld xmlns:a="http://schemas.openxmlformats.org/drawingml/2006/main" xmlns:r="http://schemas.openxmlformats.org/officeDocument/2006/relationships" xmlns:p="http://schemas.openxmlformats.org/presentationml/2006/main">
   <p:cSld>
     <p:spTree>
@@ -10173,7 +10565,7 @@
                 <a:latin typeface="Times New Roman" panose="02020603050405020304" pitchFamily="18" charset="0"/>
                 <a:cs typeface="Times New Roman" panose="02020603050405020304" pitchFamily="18" charset="0"/>
               </a:rPr>
-              <a:t>18</a:t>
+              <a:t>19</a:t>
             </a:fld>
             <a:endParaRPr lang="en-US" dirty="0">
               <a:solidFill>
@@ -10689,287 +11081,6 @@
 </p:sld>
 </file>
 
-<file path=ppt/slides/slide19.xml><?xml version="1.0" encoding="utf-8"?>
-<p:sld xmlns:a="http://schemas.openxmlformats.org/drawingml/2006/main" xmlns:r="http://schemas.openxmlformats.org/officeDocument/2006/relationships" xmlns:p="http://schemas.openxmlformats.org/presentationml/2006/main">
-  <p:cSld>
-    <p:spTree>
-      <p:nvGrpSpPr>
-        <p:cNvPr id="1" name=""/>
-        <p:cNvGrpSpPr/>
-        <p:nvPr/>
-      </p:nvGrpSpPr>
-      <p:grpSpPr>
-        <a:xfrm>
-          <a:off x="0" y="0"/>
-          <a:ext cx="0" cy="0"/>
-          <a:chOff x="0" y="0"/>
-          <a:chExt cx="0" cy="0"/>
-        </a:xfrm>
-      </p:grpSpPr>
-      <p:sp>
-        <p:nvSpPr>
-          <p:cNvPr id="2" name="Title 1">
-            <a:extLst>
-              <a:ext uri="{FF2B5EF4-FFF2-40B4-BE49-F238E27FC236}">
-                <a16:creationId xmlns:a16="http://schemas.microsoft.com/office/drawing/2014/main" id="{361DB4EB-4A72-4DA9-ACEE-1D308D3585DF}"/>
-              </a:ext>
-            </a:extLst>
-          </p:cNvPr>
-          <p:cNvSpPr>
-            <a:spLocks noGrp="1"/>
-          </p:cNvSpPr>
-          <p:nvPr>
-            <p:ph type="title"/>
-          </p:nvPr>
-        </p:nvSpPr>
-        <p:spPr>
-          <a:xfrm>
-            <a:off x="80554" y="1"/>
-            <a:ext cx="11968424" cy="731520"/>
-          </a:xfrm>
-        </p:spPr>
-        <p:txBody>
-          <a:bodyPr vert="horz" lIns="91440" tIns="45720" rIns="91440" bIns="45720" rtlCol="0" anchor="ctr">
-            <a:normAutofit/>
-          </a:bodyPr>
-          <a:lstStyle/>
-          <a:p>
-            <a:r>
-              <a:rPr lang="en-US" dirty="0">
-                <a:solidFill>
-                  <a:srgbClr val="002060"/>
-                </a:solidFill>
-                <a:latin typeface="Times New Roman" panose="02020603050405020304" pitchFamily="18" charset="0"/>
-                <a:cs typeface="Times New Roman" panose="02020603050405020304" pitchFamily="18" charset="0"/>
-              </a:rPr>
-              <a:t>How do machines learn?</a:t>
-            </a:r>
-          </a:p>
-        </p:txBody>
-      </p:sp>
-      <p:sp>
-        <p:nvSpPr>
-          <p:cNvPr id="3" name="Content Placeholder 2">
-            <a:extLst>
-              <a:ext uri="{FF2B5EF4-FFF2-40B4-BE49-F238E27FC236}">
-                <a16:creationId xmlns:a16="http://schemas.microsoft.com/office/drawing/2014/main" id="{EF6DA0BD-E586-40D5-8EB2-9E45B5B312CE}"/>
-              </a:ext>
-            </a:extLst>
-          </p:cNvPr>
-          <p:cNvSpPr>
-            <a:spLocks noGrp="1"/>
-          </p:cNvSpPr>
-          <p:nvPr>
-            <p:ph idx="1"/>
-          </p:nvPr>
-        </p:nvSpPr>
-        <p:spPr>
-          <a:xfrm>
-            <a:off x="460382" y="765603"/>
-            <a:ext cx="10515600" cy="4351338"/>
-          </a:xfrm>
-        </p:spPr>
-        <p:txBody>
-          <a:bodyPr>
-            <a:normAutofit/>
-          </a:bodyPr>
-          <a:lstStyle/>
-          <a:p>
-            <a:r>
-              <a:rPr lang="en-US" sz="3200" dirty="0">
-                <a:solidFill>
-                  <a:srgbClr val="002060"/>
-                </a:solidFill>
-                <a:latin typeface="Times New Roman" panose="02020603050405020304" pitchFamily="18" charset="0"/>
-                <a:cs typeface="Times New Roman" panose="02020603050405020304" pitchFamily="18" charset="0"/>
-              </a:rPr>
-              <a:t> The basic machine learning process can be divided into three parts.</a:t>
-            </a:r>
-          </a:p>
-          <a:p>
-            <a:pPr lvl="1"/>
-            <a:r>
-              <a:rPr lang="en-US" sz="2800" dirty="0">
-                <a:solidFill>
-                  <a:srgbClr val="002060"/>
-                </a:solidFill>
-                <a:latin typeface="Times New Roman" panose="02020603050405020304" pitchFamily="18" charset="0"/>
-                <a:cs typeface="Times New Roman" panose="02020603050405020304" pitchFamily="18" charset="0"/>
-              </a:rPr>
-              <a:t> </a:t>
-            </a:r>
-            <a:r>
-              <a:rPr lang="en-US" sz="3200" dirty="0">
-                <a:solidFill>
-                  <a:srgbClr val="002060"/>
-                </a:solidFill>
-                <a:latin typeface="Times New Roman" panose="02020603050405020304" pitchFamily="18" charset="0"/>
-                <a:cs typeface="Times New Roman" panose="02020603050405020304" pitchFamily="18" charset="0"/>
-              </a:rPr>
-              <a:t>Data Input: Past data or information is utilized as a basis for future decision-making</a:t>
-            </a:r>
-          </a:p>
-          <a:p>
-            <a:pPr lvl="1"/>
-            <a:r>
-              <a:rPr lang="en-US" sz="3200" dirty="0">
-                <a:solidFill>
-                  <a:srgbClr val="002060"/>
-                </a:solidFill>
-                <a:latin typeface="Times New Roman" panose="02020603050405020304" pitchFamily="18" charset="0"/>
-                <a:cs typeface="Times New Roman" panose="02020603050405020304" pitchFamily="18" charset="0"/>
-              </a:rPr>
-              <a:t>  Abstraction: The input data is represented in a broader way through the underlying algorithm</a:t>
-            </a:r>
-          </a:p>
-          <a:p>
-            <a:pPr lvl="1"/>
-            <a:r>
-              <a:rPr lang="en-US" sz="3200" dirty="0">
-                <a:solidFill>
-                  <a:srgbClr val="002060"/>
-                </a:solidFill>
-                <a:latin typeface="Times New Roman" panose="02020603050405020304" pitchFamily="18" charset="0"/>
-                <a:cs typeface="Times New Roman" panose="02020603050405020304" pitchFamily="18" charset="0"/>
-              </a:rPr>
-              <a:t>  Generalization: The abstracted representation is generalized to form a framework for making decisions</a:t>
-            </a:r>
-          </a:p>
-          <a:p>
-            <a:pPr>
-              <a:buFont typeface="Wingdings" panose="05000000000000000000" pitchFamily="2" charset="2"/>
-              <a:buChar char="v"/>
-            </a:pPr>
-            <a:endParaRPr lang="en-US" sz="3200" dirty="0"/>
-          </a:p>
-        </p:txBody>
-      </p:sp>
-      <p:sp>
-        <p:nvSpPr>
-          <p:cNvPr id="4" name="Slide Number Placeholder 3">
-            <a:extLst>
-              <a:ext uri="{FF2B5EF4-FFF2-40B4-BE49-F238E27FC236}">
-                <a16:creationId xmlns:a16="http://schemas.microsoft.com/office/drawing/2014/main" id="{53EB977B-F126-4F73-9EA4-D63C7693D85E}"/>
-              </a:ext>
-            </a:extLst>
-          </p:cNvPr>
-          <p:cNvSpPr>
-            <a:spLocks noGrp="1"/>
-          </p:cNvSpPr>
-          <p:nvPr>
-            <p:ph type="sldNum" sz="quarter" idx="12"/>
-          </p:nvPr>
-        </p:nvSpPr>
-        <p:spPr/>
-        <p:txBody>
-          <a:bodyPr/>
-          <a:lstStyle/>
-          <a:p>
-            <a:fld id="{5ACD0CF0-90CC-9C41-A77B-2776398A8C8B}" type="slidenum">
-              <a:rPr lang="en-US" smtClean="0"/>
-              <a:pPr/>
-              <a:t>19</a:t>
-            </a:fld>
-            <a:endParaRPr lang="en-US"/>
-          </a:p>
-        </p:txBody>
-      </p:sp>
-      <p:sp>
-        <p:nvSpPr>
-          <p:cNvPr id="5" name="TextBox 4">
-            <a:extLst>
-              <a:ext uri="{FF2B5EF4-FFF2-40B4-BE49-F238E27FC236}">
-                <a16:creationId xmlns:a16="http://schemas.microsoft.com/office/drawing/2014/main" id="{2F265792-4812-40F4-BBC6-1AD707E36E35}"/>
-              </a:ext>
-            </a:extLst>
-          </p:cNvPr>
-          <p:cNvSpPr txBox="1"/>
-          <p:nvPr/>
-        </p:nvSpPr>
-        <p:spPr>
-          <a:xfrm>
-            <a:off x="253218" y="5791132"/>
-            <a:ext cx="11099409" cy="646331"/>
-          </a:xfrm>
-          <a:prstGeom prst="rect">
-            <a:avLst/>
-          </a:prstGeom>
-          <a:noFill/>
-        </p:spPr>
-        <p:txBody>
-          <a:bodyPr wrap="square" rtlCol="0">
-            <a:spAutoFit/>
-          </a:bodyPr>
-          <a:lstStyle/>
-          <a:p>
-            <a:r>
-              <a:rPr lang="en-US" dirty="0"/>
-              <a:t>(reference Introduction to ML by </a:t>
-            </a:r>
-            <a:r>
-              <a:rPr lang="en-US" dirty="0">
-                <a:hlinkClick r:id="rId2"/>
-              </a:rPr>
-              <a:t>Subramanian </a:t>
-            </a:r>
-            <a:r>
-              <a:rPr lang="en-US" dirty="0" err="1">
-                <a:hlinkClick r:id="rId2"/>
-              </a:rPr>
-              <a:t>Chandramouli</a:t>
-            </a:r>
-            <a:r>
-              <a:rPr lang="en-US" dirty="0"/>
-              <a:t>, </a:t>
-            </a:r>
-            <a:r>
-              <a:rPr lang="en-US" dirty="0" err="1">
-                <a:hlinkClick r:id="rId3"/>
-              </a:rPr>
-              <a:t>Saikat</a:t>
-            </a:r>
-            <a:r>
-              <a:rPr lang="en-US" dirty="0">
-                <a:hlinkClick r:id="rId3"/>
-              </a:rPr>
-              <a:t> </a:t>
-            </a:r>
-            <a:r>
-              <a:rPr lang="en-US" dirty="0" err="1">
-                <a:hlinkClick r:id="rId3"/>
-              </a:rPr>
-              <a:t>Dutt</a:t>
-            </a:r>
-            <a:r>
-              <a:rPr lang="en-US" dirty="0"/>
-              <a:t>, </a:t>
-            </a:r>
-            <a:r>
-              <a:rPr lang="en-US" dirty="0">
-                <a:hlinkClick r:id="rId4"/>
-              </a:rPr>
-              <a:t>Amit Kumar Das</a:t>
-            </a:r>
-            <a:r>
-              <a:rPr lang="en-US" dirty="0"/>
-              <a:t> (https://learning.oreilly.com/library/view/machine-learning/9789389588132/xhtml/chapter001.xhtml#ch1_1)</a:t>
-            </a:r>
-          </a:p>
-        </p:txBody>
-      </p:sp>
-    </p:spTree>
-    <p:extLst>
-      <p:ext uri="{BB962C8B-B14F-4D97-AF65-F5344CB8AC3E}">
-        <p14:creationId xmlns:p14="http://schemas.microsoft.com/office/powerpoint/2010/main" val="1240406095"/>
-      </p:ext>
-    </p:extLst>
-  </p:cSld>
-  <p:clrMapOvr>
-    <a:masterClrMapping/>
-  </p:clrMapOvr>
-</p:sld>
-</file>
-
 <file path=ppt/slides/slide2.xml><?xml version="1.0" encoding="utf-8"?>
 <p:sld xmlns:a="http://schemas.openxmlformats.org/drawingml/2006/main" xmlns:r="http://schemas.openxmlformats.org/officeDocument/2006/relationships" xmlns:p="http://schemas.openxmlformats.org/presentationml/2006/main">
   <p:cSld>
@@ -11548,6 +11659,287 @@
       </p:grpSpPr>
       <p:sp>
         <p:nvSpPr>
+          <p:cNvPr id="2" name="Title 1">
+            <a:extLst>
+              <a:ext uri="{FF2B5EF4-FFF2-40B4-BE49-F238E27FC236}">
+                <a16:creationId xmlns:a16="http://schemas.microsoft.com/office/drawing/2014/main" id="{361DB4EB-4A72-4DA9-ACEE-1D308D3585DF}"/>
+              </a:ext>
+            </a:extLst>
+          </p:cNvPr>
+          <p:cNvSpPr>
+            <a:spLocks noGrp="1"/>
+          </p:cNvSpPr>
+          <p:nvPr>
+            <p:ph type="title"/>
+          </p:nvPr>
+        </p:nvSpPr>
+        <p:spPr>
+          <a:xfrm>
+            <a:off x="80554" y="1"/>
+            <a:ext cx="11968424" cy="731520"/>
+          </a:xfrm>
+        </p:spPr>
+        <p:txBody>
+          <a:bodyPr vert="horz" lIns="91440" tIns="45720" rIns="91440" bIns="45720" rtlCol="0" anchor="ctr">
+            <a:normAutofit/>
+          </a:bodyPr>
+          <a:lstStyle/>
+          <a:p>
+            <a:r>
+              <a:rPr lang="en-US" dirty="0">
+                <a:solidFill>
+                  <a:srgbClr val="002060"/>
+                </a:solidFill>
+                <a:latin typeface="Times New Roman" panose="02020603050405020304" pitchFamily="18" charset="0"/>
+                <a:cs typeface="Times New Roman" panose="02020603050405020304" pitchFamily="18" charset="0"/>
+              </a:rPr>
+              <a:t>How do machines learn?</a:t>
+            </a:r>
+          </a:p>
+        </p:txBody>
+      </p:sp>
+      <p:sp>
+        <p:nvSpPr>
+          <p:cNvPr id="3" name="Content Placeholder 2">
+            <a:extLst>
+              <a:ext uri="{FF2B5EF4-FFF2-40B4-BE49-F238E27FC236}">
+                <a16:creationId xmlns:a16="http://schemas.microsoft.com/office/drawing/2014/main" id="{EF6DA0BD-E586-40D5-8EB2-9E45B5B312CE}"/>
+              </a:ext>
+            </a:extLst>
+          </p:cNvPr>
+          <p:cNvSpPr>
+            <a:spLocks noGrp="1"/>
+          </p:cNvSpPr>
+          <p:nvPr>
+            <p:ph idx="1"/>
+          </p:nvPr>
+        </p:nvSpPr>
+        <p:spPr>
+          <a:xfrm>
+            <a:off x="460382" y="765603"/>
+            <a:ext cx="10515600" cy="4351338"/>
+          </a:xfrm>
+        </p:spPr>
+        <p:txBody>
+          <a:bodyPr>
+            <a:normAutofit/>
+          </a:bodyPr>
+          <a:lstStyle/>
+          <a:p>
+            <a:r>
+              <a:rPr lang="en-US" sz="3200" dirty="0">
+                <a:solidFill>
+                  <a:srgbClr val="002060"/>
+                </a:solidFill>
+                <a:latin typeface="Times New Roman" panose="02020603050405020304" pitchFamily="18" charset="0"/>
+                <a:cs typeface="Times New Roman" panose="02020603050405020304" pitchFamily="18" charset="0"/>
+              </a:rPr>
+              <a:t> The basic machine learning process can be divided into three parts.</a:t>
+            </a:r>
+          </a:p>
+          <a:p>
+            <a:pPr lvl="1"/>
+            <a:r>
+              <a:rPr lang="en-US" sz="2800" dirty="0">
+                <a:solidFill>
+                  <a:srgbClr val="002060"/>
+                </a:solidFill>
+                <a:latin typeface="Times New Roman" panose="02020603050405020304" pitchFamily="18" charset="0"/>
+                <a:cs typeface="Times New Roman" panose="02020603050405020304" pitchFamily="18" charset="0"/>
+              </a:rPr>
+              <a:t> </a:t>
+            </a:r>
+            <a:r>
+              <a:rPr lang="en-US" sz="3200" dirty="0">
+                <a:solidFill>
+                  <a:srgbClr val="002060"/>
+                </a:solidFill>
+                <a:latin typeface="Times New Roman" panose="02020603050405020304" pitchFamily="18" charset="0"/>
+                <a:cs typeface="Times New Roman" panose="02020603050405020304" pitchFamily="18" charset="0"/>
+              </a:rPr>
+              <a:t>Data Input: Past data or information is utilized as a basis for future decision-making</a:t>
+            </a:r>
+          </a:p>
+          <a:p>
+            <a:pPr lvl="1"/>
+            <a:r>
+              <a:rPr lang="en-US" sz="3200" dirty="0">
+                <a:solidFill>
+                  <a:srgbClr val="002060"/>
+                </a:solidFill>
+                <a:latin typeface="Times New Roman" panose="02020603050405020304" pitchFamily="18" charset="0"/>
+                <a:cs typeface="Times New Roman" panose="02020603050405020304" pitchFamily="18" charset="0"/>
+              </a:rPr>
+              <a:t>  Abstraction: The input data is represented in a broader way through the underlying algorithm</a:t>
+            </a:r>
+          </a:p>
+          <a:p>
+            <a:pPr lvl="1"/>
+            <a:r>
+              <a:rPr lang="en-US" sz="3200" dirty="0">
+                <a:solidFill>
+                  <a:srgbClr val="002060"/>
+                </a:solidFill>
+                <a:latin typeface="Times New Roman" panose="02020603050405020304" pitchFamily="18" charset="0"/>
+                <a:cs typeface="Times New Roman" panose="02020603050405020304" pitchFamily="18" charset="0"/>
+              </a:rPr>
+              <a:t>  Generalization: The abstracted representation is generalized to form a framework for making decisions</a:t>
+            </a:r>
+          </a:p>
+          <a:p>
+            <a:pPr>
+              <a:buFont typeface="Wingdings" panose="05000000000000000000" pitchFamily="2" charset="2"/>
+              <a:buChar char="v"/>
+            </a:pPr>
+            <a:endParaRPr lang="en-US" sz="3200" dirty="0"/>
+          </a:p>
+        </p:txBody>
+      </p:sp>
+      <p:sp>
+        <p:nvSpPr>
+          <p:cNvPr id="4" name="Slide Number Placeholder 3">
+            <a:extLst>
+              <a:ext uri="{FF2B5EF4-FFF2-40B4-BE49-F238E27FC236}">
+                <a16:creationId xmlns:a16="http://schemas.microsoft.com/office/drawing/2014/main" id="{53EB977B-F126-4F73-9EA4-D63C7693D85E}"/>
+              </a:ext>
+            </a:extLst>
+          </p:cNvPr>
+          <p:cNvSpPr>
+            <a:spLocks noGrp="1"/>
+          </p:cNvSpPr>
+          <p:nvPr>
+            <p:ph type="sldNum" sz="quarter" idx="12"/>
+          </p:nvPr>
+        </p:nvSpPr>
+        <p:spPr/>
+        <p:txBody>
+          <a:bodyPr/>
+          <a:lstStyle/>
+          <a:p>
+            <a:fld id="{5ACD0CF0-90CC-9C41-A77B-2776398A8C8B}" type="slidenum">
+              <a:rPr lang="en-US" smtClean="0"/>
+              <a:pPr/>
+              <a:t>20</a:t>
+            </a:fld>
+            <a:endParaRPr lang="en-US"/>
+          </a:p>
+        </p:txBody>
+      </p:sp>
+      <p:sp>
+        <p:nvSpPr>
+          <p:cNvPr id="5" name="TextBox 4">
+            <a:extLst>
+              <a:ext uri="{FF2B5EF4-FFF2-40B4-BE49-F238E27FC236}">
+                <a16:creationId xmlns:a16="http://schemas.microsoft.com/office/drawing/2014/main" id="{2F265792-4812-40F4-BBC6-1AD707E36E35}"/>
+              </a:ext>
+            </a:extLst>
+          </p:cNvPr>
+          <p:cNvSpPr txBox="1"/>
+          <p:nvPr/>
+        </p:nvSpPr>
+        <p:spPr>
+          <a:xfrm>
+            <a:off x="253218" y="5791132"/>
+            <a:ext cx="11099409" cy="646331"/>
+          </a:xfrm>
+          <a:prstGeom prst="rect">
+            <a:avLst/>
+          </a:prstGeom>
+          <a:noFill/>
+        </p:spPr>
+        <p:txBody>
+          <a:bodyPr wrap="square" rtlCol="0">
+            <a:spAutoFit/>
+          </a:bodyPr>
+          <a:lstStyle/>
+          <a:p>
+            <a:r>
+              <a:rPr lang="en-US" dirty="0"/>
+              <a:t>(reference Introduction to ML by </a:t>
+            </a:r>
+            <a:r>
+              <a:rPr lang="en-US" dirty="0">
+                <a:hlinkClick r:id="rId2"/>
+              </a:rPr>
+              <a:t>Subramanian </a:t>
+            </a:r>
+            <a:r>
+              <a:rPr lang="en-US" dirty="0" err="1">
+                <a:hlinkClick r:id="rId2"/>
+              </a:rPr>
+              <a:t>Chandramouli</a:t>
+            </a:r>
+            <a:r>
+              <a:rPr lang="en-US" dirty="0"/>
+              <a:t>, </a:t>
+            </a:r>
+            <a:r>
+              <a:rPr lang="en-US" dirty="0" err="1">
+                <a:hlinkClick r:id="rId3"/>
+              </a:rPr>
+              <a:t>Saikat</a:t>
+            </a:r>
+            <a:r>
+              <a:rPr lang="en-US" dirty="0">
+                <a:hlinkClick r:id="rId3"/>
+              </a:rPr>
+              <a:t> </a:t>
+            </a:r>
+            <a:r>
+              <a:rPr lang="en-US" dirty="0" err="1">
+                <a:hlinkClick r:id="rId3"/>
+              </a:rPr>
+              <a:t>Dutt</a:t>
+            </a:r>
+            <a:r>
+              <a:rPr lang="en-US" dirty="0"/>
+              <a:t>, </a:t>
+            </a:r>
+            <a:r>
+              <a:rPr lang="en-US" dirty="0">
+                <a:hlinkClick r:id="rId4"/>
+              </a:rPr>
+              <a:t>Amit Kumar Das</a:t>
+            </a:r>
+            <a:r>
+              <a:rPr lang="en-US" dirty="0"/>
+              <a:t> (https://learning.oreilly.com/library/view/machine-learning/9789389588132/xhtml/chapter001.xhtml#ch1_1)</a:t>
+            </a:r>
+          </a:p>
+        </p:txBody>
+      </p:sp>
+    </p:spTree>
+    <p:extLst>
+      <p:ext uri="{BB962C8B-B14F-4D97-AF65-F5344CB8AC3E}">
+        <p14:creationId xmlns:p14="http://schemas.microsoft.com/office/powerpoint/2010/main" val="1240406095"/>
+      </p:ext>
+    </p:extLst>
+  </p:cSld>
+  <p:clrMapOvr>
+    <a:masterClrMapping/>
+  </p:clrMapOvr>
+</p:sld>
+</file>
+
+<file path=ppt/slides/slide21.xml><?xml version="1.0" encoding="utf-8"?>
+<p:sld xmlns:a="http://schemas.openxmlformats.org/drawingml/2006/main" xmlns:r="http://schemas.openxmlformats.org/officeDocument/2006/relationships" xmlns:p="http://schemas.openxmlformats.org/presentationml/2006/main">
+  <p:cSld>
+    <p:spTree>
+      <p:nvGrpSpPr>
+        <p:cNvPr id="1" name=""/>
+        <p:cNvGrpSpPr/>
+        <p:nvPr/>
+      </p:nvGrpSpPr>
+      <p:grpSpPr>
+        <a:xfrm>
+          <a:off x="0" y="0"/>
+          <a:ext cx="0" cy="0"/>
+          <a:chOff x="0" y="0"/>
+          <a:chExt cx="0" cy="0"/>
+        </a:xfrm>
+      </p:grpSpPr>
+      <p:sp>
+        <p:nvSpPr>
           <p:cNvPr id="4" name="Slide Number Placeholder 3">
             <a:extLst>
               <a:ext uri="{FF2B5EF4-FFF2-40B4-BE49-F238E27FC236}">
@@ -11570,7 +11962,7 @@
             <a:fld id="{5ACD0CF0-90CC-9C41-A77B-2776398A8C8B}" type="slidenum">
               <a:rPr lang="en-US" smtClean="0"/>
               <a:pPr/>
-              <a:t>20</a:t>
+              <a:t>21</a:t>
             </a:fld>
             <a:endParaRPr lang="en-US"/>
           </a:p>
@@ -11619,7 +12011,7 @@
 </p:sld>
 </file>
 
-<file path=ppt/slides/slide21.xml><?xml version="1.0" encoding="utf-8"?>
+<file path=ppt/slides/slide22.xml><?xml version="1.0" encoding="utf-8"?>
 <p:sld xmlns:a="http://schemas.openxmlformats.org/drawingml/2006/main" xmlns:r="http://schemas.openxmlformats.org/officeDocument/2006/relationships" xmlns:p="http://schemas.openxmlformats.org/presentationml/2006/main">
   <p:cSld>
     <p:spTree>
@@ -12013,7 +12405,7 @@
             <a:fld id="{5ACD0CF0-90CC-9C41-A77B-2776398A8C8B}" type="slidenum">
               <a:rPr lang="en-US" smtClean="0"/>
               <a:pPr/>
-              <a:t>21</a:t>
+              <a:t>22</a:t>
             </a:fld>
             <a:endParaRPr lang="en-US" dirty="0"/>
           </a:p>
@@ -13856,278 +14248,6 @@
 </p:sld>
 </file>
 
-<file path=ppt/slides/slide22.xml><?xml version="1.0" encoding="utf-8"?>
-<p:sld xmlns:a="http://schemas.openxmlformats.org/drawingml/2006/main" xmlns:r="http://schemas.openxmlformats.org/officeDocument/2006/relationships" xmlns:p="http://schemas.openxmlformats.org/presentationml/2006/main">
-  <p:cSld>
-    <p:spTree>
-      <p:nvGrpSpPr>
-        <p:cNvPr id="1" name=""/>
-        <p:cNvGrpSpPr/>
-        <p:nvPr/>
-      </p:nvGrpSpPr>
-      <p:grpSpPr>
-        <a:xfrm>
-          <a:off x="0" y="0"/>
-          <a:ext cx="0" cy="0"/>
-          <a:chOff x="0" y="0"/>
-          <a:chExt cx="0" cy="0"/>
-        </a:xfrm>
-      </p:grpSpPr>
-      <p:sp>
-        <p:nvSpPr>
-          <p:cNvPr id="2" name="Title 1">
-            <a:extLst>
-              <a:ext uri="{FF2B5EF4-FFF2-40B4-BE49-F238E27FC236}">
-                <a16:creationId xmlns:a16="http://schemas.microsoft.com/office/drawing/2014/main" id="{00C29119-EB12-4B2B-BF70-415E235B92E2}"/>
-              </a:ext>
-            </a:extLst>
-          </p:cNvPr>
-          <p:cNvSpPr>
-            <a:spLocks noGrp="1"/>
-          </p:cNvSpPr>
-          <p:nvPr>
-            <p:ph type="title"/>
-          </p:nvPr>
-        </p:nvSpPr>
-        <p:spPr/>
-        <p:txBody>
-          <a:bodyPr/>
-          <a:lstStyle/>
-          <a:p>
-            <a:r>
-              <a:rPr lang="en-US" dirty="0"/>
-              <a:t>Overview of </a:t>
-            </a:r>
-            <a:r>
-              <a:rPr lang="en-US" u="sng" dirty="0"/>
-              <a:t>SOME</a:t>
-            </a:r>
-            <a:r>
-              <a:rPr lang="en-US" dirty="0"/>
-              <a:t> Key ML Methods/Terms </a:t>
-            </a:r>
-          </a:p>
-        </p:txBody>
-      </p:sp>
-      <p:sp>
-        <p:nvSpPr>
-          <p:cNvPr id="3" name="Content Placeholder 2">
-            <a:extLst>
-              <a:ext uri="{FF2B5EF4-FFF2-40B4-BE49-F238E27FC236}">
-                <a16:creationId xmlns:a16="http://schemas.microsoft.com/office/drawing/2014/main" id="{7D9C13FB-F3EB-4BC0-B130-143DCC8FEBB4}"/>
-              </a:ext>
-            </a:extLst>
-          </p:cNvPr>
-          <p:cNvSpPr>
-            <a:spLocks noGrp="1"/>
-          </p:cNvSpPr>
-          <p:nvPr>
-            <p:ph idx="1"/>
-          </p:nvPr>
-        </p:nvSpPr>
-        <p:spPr>
-          <a:xfrm>
-            <a:off x="80554" y="616449"/>
-            <a:ext cx="10515600" cy="6105025"/>
-          </a:xfrm>
-        </p:spPr>
-        <p:txBody>
-          <a:bodyPr>
-            <a:normAutofit fontScale="85000" lnSpcReduction="20000"/>
-          </a:bodyPr>
-          <a:lstStyle/>
-          <a:p>
-            <a:r>
-              <a:rPr lang="en-US" dirty="0"/>
-              <a:t> Phase – 1 Idea Development </a:t>
-            </a:r>
-          </a:p>
-          <a:p>
-            <a:pPr lvl="1"/>
-            <a:r>
-              <a:rPr lang="en-US" dirty="0"/>
-              <a:t> Prediction versus Inference </a:t>
-            </a:r>
-          </a:p>
-          <a:p>
-            <a:pPr lvl="1"/>
-            <a:r>
-              <a:rPr lang="en-US" dirty="0"/>
-              <a:t> Independent Metric for Business Value</a:t>
-            </a:r>
-          </a:p>
-          <a:p>
-            <a:pPr lvl="1"/>
-            <a:r>
-              <a:rPr lang="en-US" dirty="0"/>
-              <a:t> Target Variable and features </a:t>
-            </a:r>
-          </a:p>
-          <a:p>
-            <a:pPr lvl="1"/>
-            <a:r>
-              <a:rPr lang="en-US" dirty="0"/>
-              <a:t> Classification versus Regression</a:t>
-            </a:r>
-          </a:p>
-          <a:p>
-            <a:pPr lvl="1"/>
-            <a:r>
-              <a:rPr lang="en-US" dirty="0"/>
-              <a:t> Probabilistic Interpretation</a:t>
-            </a:r>
-          </a:p>
-          <a:p>
-            <a:pPr lvl="1"/>
-            <a:r>
-              <a:rPr lang="en-US" dirty="0"/>
-              <a:t> Data acquisition/gathering   </a:t>
-            </a:r>
-          </a:p>
-          <a:p>
-            <a:r>
-              <a:rPr lang="en-US" dirty="0"/>
-              <a:t> Phase – 2 Data Prep and Problem Exploration</a:t>
-            </a:r>
-          </a:p>
-          <a:p>
-            <a:pPr lvl="1"/>
-            <a:r>
-              <a:rPr lang="en-US" dirty="0"/>
-              <a:t> Variable classes/types</a:t>
-            </a:r>
-          </a:p>
-          <a:p>
-            <a:pPr lvl="1"/>
-            <a:r>
-              <a:rPr lang="en-US" dirty="0"/>
-              <a:t> Scaling and/or Normalizing Data/One-Hot Encoding</a:t>
-            </a:r>
-          </a:p>
-          <a:p>
-            <a:pPr lvl="1"/>
-            <a:r>
-              <a:rPr lang="en-US" dirty="0"/>
-              <a:t> Missing Data </a:t>
-            </a:r>
-          </a:p>
-          <a:p>
-            <a:pPr lvl="1"/>
-            <a:r>
-              <a:rPr lang="en-US" dirty="0"/>
-              <a:t> Baseline – prevalence</a:t>
-            </a:r>
-          </a:p>
-          <a:p>
-            <a:pPr lvl="1"/>
-            <a:r>
-              <a:rPr lang="en-US" dirty="0"/>
-              <a:t> Data Partitioning/Sampling </a:t>
-            </a:r>
-          </a:p>
-          <a:p>
-            <a:pPr lvl="1"/>
-            <a:r>
-              <a:rPr lang="en-US" dirty="0"/>
-              <a:t> EDA and (Summary Stats and Visuals)</a:t>
-            </a:r>
-          </a:p>
-          <a:p>
-            <a:r>
-              <a:rPr lang="en-US" dirty="0"/>
-              <a:t> Phase – 3 – Solution Model Development</a:t>
-            </a:r>
-          </a:p>
-          <a:p>
-            <a:pPr lvl="1"/>
-            <a:r>
-              <a:rPr lang="en-US" dirty="0"/>
-              <a:t> Parameters versus Hyperparameters</a:t>
-            </a:r>
-          </a:p>
-          <a:p>
-            <a:pPr lvl="1"/>
-            <a:r>
-              <a:rPr lang="en-US" dirty="0"/>
-              <a:t> Thresholding </a:t>
-            </a:r>
-          </a:p>
-          <a:p>
-            <a:pPr lvl="1"/>
-            <a:r>
-              <a:rPr lang="en-US" dirty="0"/>
-              <a:t> Feature Engineering</a:t>
-            </a:r>
-          </a:p>
-          <a:p>
-            <a:pPr lvl="1"/>
-            <a:r>
-              <a:rPr lang="en-US" dirty="0"/>
-              <a:t> Bias versus Variance Tradeoff </a:t>
-            </a:r>
-          </a:p>
-          <a:p>
-            <a:pPr lvl="1"/>
-            <a:r>
-              <a:rPr lang="en-US" dirty="0"/>
-              <a:t> Model Evaluation </a:t>
-            </a:r>
-          </a:p>
-          <a:p>
-            <a:pPr lvl="1"/>
-            <a:r>
-              <a:rPr lang="en-US" dirty="0"/>
-              <a:t> Non-parametric modelling (random state)</a:t>
-            </a:r>
-          </a:p>
-          <a:p>
-            <a:endParaRPr lang="en-US" dirty="0"/>
-          </a:p>
-        </p:txBody>
-      </p:sp>
-      <p:sp>
-        <p:nvSpPr>
-          <p:cNvPr id="4" name="Slide Number Placeholder 3">
-            <a:extLst>
-              <a:ext uri="{FF2B5EF4-FFF2-40B4-BE49-F238E27FC236}">
-                <a16:creationId xmlns:a16="http://schemas.microsoft.com/office/drawing/2014/main" id="{D92C9808-45ED-4122-BCBD-B3884450838E}"/>
-              </a:ext>
-            </a:extLst>
-          </p:cNvPr>
-          <p:cNvSpPr>
-            <a:spLocks noGrp="1"/>
-          </p:cNvSpPr>
-          <p:nvPr>
-            <p:ph type="sldNum" sz="quarter" idx="12"/>
-          </p:nvPr>
-        </p:nvSpPr>
-        <p:spPr/>
-        <p:txBody>
-          <a:bodyPr/>
-          <a:lstStyle/>
-          <a:p>
-            <a:fld id="{5ACD0CF0-90CC-9C41-A77B-2776398A8C8B}" type="slidenum">
-              <a:rPr lang="en-US" smtClean="0"/>
-              <a:pPr/>
-              <a:t>22</a:t>
-            </a:fld>
-            <a:endParaRPr lang="en-US"/>
-          </a:p>
-        </p:txBody>
-      </p:sp>
-    </p:spTree>
-    <p:extLst>
-      <p:ext uri="{BB962C8B-B14F-4D97-AF65-F5344CB8AC3E}">
-        <p14:creationId xmlns:p14="http://schemas.microsoft.com/office/powerpoint/2010/main" val="2340741453"/>
-      </p:ext>
-    </p:extLst>
-  </p:cSld>
-  <p:clrMapOvr>
-    <a:masterClrMapping/>
-  </p:clrMapOvr>
-</p:sld>
-</file>
-
 <file path=ppt/slides/slide23.xml><?xml version="1.0" encoding="utf-8"?>
 <p:sld xmlns:a="http://schemas.openxmlformats.org/drawingml/2006/main" xmlns:r="http://schemas.openxmlformats.org/officeDocument/2006/relationships" xmlns:p="http://schemas.openxmlformats.org/presentationml/2006/main">
   <p:cSld>
@@ -14147,10 +14267,222 @@
       </p:grpSpPr>
       <p:sp>
         <p:nvSpPr>
+          <p:cNvPr id="2" name="Title 1">
+            <a:extLst>
+              <a:ext uri="{FF2B5EF4-FFF2-40B4-BE49-F238E27FC236}">
+                <a16:creationId xmlns:a16="http://schemas.microsoft.com/office/drawing/2014/main" id="{00C29119-EB12-4B2B-BF70-415E235B92E2}"/>
+              </a:ext>
+            </a:extLst>
+          </p:cNvPr>
+          <p:cNvSpPr>
+            <a:spLocks noGrp="1"/>
+          </p:cNvSpPr>
+          <p:nvPr>
+            <p:ph type="title"/>
+          </p:nvPr>
+        </p:nvSpPr>
+        <p:spPr/>
+        <p:txBody>
+          <a:bodyPr/>
+          <a:lstStyle/>
+          <a:p>
+            <a:r>
+              <a:rPr lang="en-US" dirty="0"/>
+              <a:t>Overview of </a:t>
+            </a:r>
+            <a:r>
+              <a:rPr lang="en-US" u="sng" dirty="0"/>
+              <a:t>SOME</a:t>
+            </a:r>
+            <a:r>
+              <a:rPr lang="en-US" dirty="0"/>
+              <a:t> Key ML Methods/Terms </a:t>
+            </a:r>
+          </a:p>
+        </p:txBody>
+      </p:sp>
+      <p:sp>
+        <p:nvSpPr>
+          <p:cNvPr id="3" name="Content Placeholder 2">
+            <a:extLst>
+              <a:ext uri="{FF2B5EF4-FFF2-40B4-BE49-F238E27FC236}">
+                <a16:creationId xmlns:a16="http://schemas.microsoft.com/office/drawing/2014/main" id="{7D9C13FB-F3EB-4BC0-B130-143DCC8FEBB4}"/>
+              </a:ext>
+            </a:extLst>
+          </p:cNvPr>
+          <p:cNvSpPr>
+            <a:spLocks noGrp="1"/>
+          </p:cNvSpPr>
+          <p:nvPr>
+            <p:ph idx="1"/>
+          </p:nvPr>
+        </p:nvSpPr>
+        <p:spPr>
+          <a:xfrm>
+            <a:off x="80554" y="616449"/>
+            <a:ext cx="10515600" cy="6105025"/>
+          </a:xfrm>
+        </p:spPr>
+        <p:txBody>
+          <a:bodyPr>
+            <a:normAutofit fontScale="85000" lnSpcReduction="20000"/>
+          </a:bodyPr>
+          <a:lstStyle/>
+          <a:p>
+            <a:r>
+              <a:rPr lang="en-US" dirty="0"/>
+              <a:t> Phase – 1 Idea Development </a:t>
+            </a:r>
+          </a:p>
+          <a:p>
+            <a:pPr lvl="1"/>
+            <a:r>
+              <a:rPr lang="en-US" dirty="0"/>
+              <a:t> Prediction versus Inference </a:t>
+            </a:r>
+          </a:p>
+          <a:p>
+            <a:pPr lvl="1"/>
+            <a:r>
+              <a:rPr lang="en-US" dirty="0"/>
+              <a:t> Independent Metric for Business Value</a:t>
+            </a:r>
+          </a:p>
+          <a:p>
+            <a:pPr lvl="1"/>
+            <a:r>
+              <a:rPr lang="en-US" dirty="0"/>
+              <a:t> Target Variable and features </a:t>
+            </a:r>
+          </a:p>
+          <a:p>
+            <a:pPr lvl="1"/>
+            <a:r>
+              <a:rPr lang="en-US" dirty="0"/>
+              <a:t> Classification versus Regression</a:t>
+            </a:r>
+          </a:p>
+          <a:p>
+            <a:pPr lvl="1"/>
+            <a:r>
+              <a:rPr lang="en-US" dirty="0"/>
+              <a:t> Probabilistic Interpretation</a:t>
+            </a:r>
+          </a:p>
+          <a:p>
+            <a:pPr lvl="1"/>
+            <a:r>
+              <a:rPr lang="en-US" dirty="0"/>
+              <a:t> Data acquisition/gathering   </a:t>
+            </a:r>
+          </a:p>
+          <a:p>
+            <a:r>
+              <a:rPr lang="en-US" dirty="0"/>
+              <a:t> Phase – 2 Data Prep and Problem Exploration</a:t>
+            </a:r>
+          </a:p>
+          <a:p>
+            <a:pPr lvl="1"/>
+            <a:r>
+              <a:rPr lang="en-US" dirty="0"/>
+              <a:t> Variable classes/types</a:t>
+            </a:r>
+          </a:p>
+          <a:p>
+            <a:pPr lvl="1"/>
+            <a:r>
+              <a:rPr lang="en-US" dirty="0"/>
+              <a:t> Scaling and/or Normalizing Data/One-Hot Encoding</a:t>
+            </a:r>
+          </a:p>
+          <a:p>
+            <a:pPr lvl="1"/>
+            <a:r>
+              <a:rPr lang="en-US" dirty="0"/>
+              <a:t> Missing Data </a:t>
+            </a:r>
+          </a:p>
+          <a:p>
+            <a:pPr lvl="1"/>
+            <a:r>
+              <a:rPr lang="en-US" dirty="0"/>
+              <a:t> Baseline – prevalence</a:t>
+            </a:r>
+          </a:p>
+          <a:p>
+            <a:pPr lvl="1"/>
+            <a:r>
+              <a:rPr lang="en-US" dirty="0"/>
+              <a:t> Data Partitioning/Sampling </a:t>
+            </a:r>
+          </a:p>
+          <a:p>
+            <a:pPr lvl="1"/>
+            <a:r>
+              <a:rPr lang="en-US" dirty="0"/>
+              <a:t> EDA and (Summary Stats and Visuals)</a:t>
+            </a:r>
+          </a:p>
+          <a:p>
+            <a:r>
+              <a:rPr lang="en-US" dirty="0"/>
+              <a:t> Phase – 3 – Solution Model Development</a:t>
+            </a:r>
+          </a:p>
+          <a:p>
+            <a:pPr lvl="1"/>
+            <a:r>
+              <a:rPr lang="en-US" dirty="0"/>
+              <a:t> Parameters versus Hyperparameters</a:t>
+            </a:r>
+          </a:p>
+          <a:p>
+            <a:pPr lvl="1"/>
+            <a:r>
+              <a:rPr lang="en-US" dirty="0"/>
+              <a:t> Thresholding </a:t>
+            </a:r>
+          </a:p>
+          <a:p>
+            <a:pPr lvl="1"/>
+            <a:r>
+              <a:rPr lang="en-US" dirty="0"/>
+              <a:t> Feature Engineering</a:t>
+            </a:r>
+          </a:p>
+          <a:p>
+            <a:pPr lvl="1"/>
+            <a:r>
+              <a:rPr lang="en-US" dirty="0"/>
+              <a:t> Bias versus Variance Tradeoff </a:t>
+            </a:r>
+          </a:p>
+          <a:p>
+            <a:pPr lvl="1"/>
+            <a:r>
+              <a:rPr lang="en-US" dirty="0"/>
+              <a:t> Model Evaluation </a:t>
+            </a:r>
+          </a:p>
+          <a:p>
+            <a:pPr lvl="1"/>
+            <a:r>
+              <a:rPr lang="en-US" dirty="0"/>
+              <a:t> Non-parametric modelling (random state)</a:t>
+            </a:r>
+          </a:p>
+          <a:p>
+            <a:endParaRPr lang="en-US" dirty="0"/>
+          </a:p>
+        </p:txBody>
+      </p:sp>
+      <p:sp>
+        <p:nvSpPr>
           <p:cNvPr id="4" name="Slide Number Placeholder 3">
             <a:extLst>
               <a:ext uri="{FF2B5EF4-FFF2-40B4-BE49-F238E27FC236}">
-                <a16:creationId xmlns:a16="http://schemas.microsoft.com/office/drawing/2014/main" id="{C667221D-B766-40ED-A03A-19924A4D7306}"/>
+                <a16:creationId xmlns:a16="http://schemas.microsoft.com/office/drawing/2014/main" id="{D92C9808-45ED-4122-BCBD-B3884450838E}"/>
               </a:ext>
             </a:extLst>
           </p:cNvPr>
@@ -14175,65 +14507,10 @@
           </a:p>
         </p:txBody>
       </p:sp>
-      <p:sp>
-        <p:nvSpPr>
-          <p:cNvPr id="6" name="TextBox 5">
-            <a:extLst>
-              <a:ext uri="{FF2B5EF4-FFF2-40B4-BE49-F238E27FC236}">
-                <a16:creationId xmlns:a16="http://schemas.microsoft.com/office/drawing/2014/main" id="{DEBF97E3-23E0-4EDA-8855-C169847AD4CF}"/>
-              </a:ext>
-            </a:extLst>
-          </p:cNvPr>
-          <p:cNvSpPr txBox="1"/>
-          <p:nvPr/>
-        </p:nvSpPr>
-        <p:spPr>
-          <a:xfrm>
-            <a:off x="2507381" y="2331421"/>
-            <a:ext cx="5996539" cy="480131"/>
-          </a:xfrm>
-          <a:prstGeom prst="rect">
-            <a:avLst/>
-          </a:prstGeom>
-        </p:spPr>
-        <p:txBody>
-          <a:bodyPr vert="horz" lIns="91440" tIns="45720" rIns="91440" bIns="45720" rtlCol="0" anchor="ctr">
-            <a:noAutofit/>
-          </a:bodyPr>
-          <a:lstStyle>
-            <a:lvl1pPr>
-              <a:lnSpc>
-                <a:spcPct val="90000"/>
-              </a:lnSpc>
-              <a:spcBef>
-                <a:spcPct val="0"/>
-              </a:spcBef>
-              <a:buNone/>
-              <a:defRPr sz="2800" b="1">
-                <a:solidFill>
-                  <a:schemeClr val="accent1"/>
-                </a:solidFill>
-                <a:latin typeface="+mj-lt"/>
-                <a:ea typeface="+mj-ea"/>
-                <a:cs typeface="+mj-cs"/>
-              </a:defRPr>
-            </a:lvl1pPr>
-          </a:lstStyle>
-          <a:p>
-            <a:pPr algn="ctr"/>
-            <a:r>
-              <a:rPr lang="en-US" sz="4400" dirty="0">
-                <a:latin typeface="+mn-lt"/>
-              </a:rPr>
-              <a:t>Phase I</a:t>
-            </a:r>
-          </a:p>
-        </p:txBody>
-      </p:sp>
     </p:spTree>
     <p:extLst>
       <p:ext uri="{BB962C8B-B14F-4D97-AF65-F5344CB8AC3E}">
-        <p14:creationId xmlns:p14="http://schemas.microsoft.com/office/powerpoint/2010/main" val="707441443"/>
+        <p14:creationId xmlns:p14="http://schemas.microsoft.com/office/powerpoint/2010/main" val="2340741453"/>
       </p:ext>
     </p:extLst>
   </p:cSld>
@@ -14262,6 +14539,121 @@
       </p:grpSpPr>
       <p:sp>
         <p:nvSpPr>
+          <p:cNvPr id="4" name="Slide Number Placeholder 3">
+            <a:extLst>
+              <a:ext uri="{FF2B5EF4-FFF2-40B4-BE49-F238E27FC236}">
+                <a16:creationId xmlns:a16="http://schemas.microsoft.com/office/drawing/2014/main" id="{C667221D-B766-40ED-A03A-19924A4D7306}"/>
+              </a:ext>
+            </a:extLst>
+          </p:cNvPr>
+          <p:cNvSpPr>
+            <a:spLocks noGrp="1"/>
+          </p:cNvSpPr>
+          <p:nvPr>
+            <p:ph type="sldNum" sz="quarter" idx="12"/>
+          </p:nvPr>
+        </p:nvSpPr>
+        <p:spPr/>
+        <p:txBody>
+          <a:bodyPr/>
+          <a:lstStyle/>
+          <a:p>
+            <a:fld id="{5ACD0CF0-90CC-9C41-A77B-2776398A8C8B}" type="slidenum">
+              <a:rPr lang="en-US" smtClean="0"/>
+              <a:pPr/>
+              <a:t>24</a:t>
+            </a:fld>
+            <a:endParaRPr lang="en-US"/>
+          </a:p>
+        </p:txBody>
+      </p:sp>
+      <p:sp>
+        <p:nvSpPr>
+          <p:cNvPr id="6" name="TextBox 5">
+            <a:extLst>
+              <a:ext uri="{FF2B5EF4-FFF2-40B4-BE49-F238E27FC236}">
+                <a16:creationId xmlns:a16="http://schemas.microsoft.com/office/drawing/2014/main" id="{DEBF97E3-23E0-4EDA-8855-C169847AD4CF}"/>
+              </a:ext>
+            </a:extLst>
+          </p:cNvPr>
+          <p:cNvSpPr txBox="1"/>
+          <p:nvPr/>
+        </p:nvSpPr>
+        <p:spPr>
+          <a:xfrm>
+            <a:off x="2507381" y="2331421"/>
+            <a:ext cx="5996539" cy="480131"/>
+          </a:xfrm>
+          <a:prstGeom prst="rect">
+            <a:avLst/>
+          </a:prstGeom>
+        </p:spPr>
+        <p:txBody>
+          <a:bodyPr vert="horz" lIns="91440" tIns="45720" rIns="91440" bIns="45720" rtlCol="0" anchor="ctr">
+            <a:noAutofit/>
+          </a:bodyPr>
+          <a:lstStyle>
+            <a:lvl1pPr>
+              <a:lnSpc>
+                <a:spcPct val="90000"/>
+              </a:lnSpc>
+              <a:spcBef>
+                <a:spcPct val="0"/>
+              </a:spcBef>
+              <a:buNone/>
+              <a:defRPr sz="2800" b="1">
+                <a:solidFill>
+                  <a:schemeClr val="accent1"/>
+                </a:solidFill>
+                <a:latin typeface="+mj-lt"/>
+                <a:ea typeface="+mj-ea"/>
+                <a:cs typeface="+mj-cs"/>
+              </a:defRPr>
+            </a:lvl1pPr>
+          </a:lstStyle>
+          <a:p>
+            <a:pPr algn="ctr"/>
+            <a:r>
+              <a:rPr lang="en-US" sz="4400" dirty="0">
+                <a:latin typeface="+mn-lt"/>
+              </a:rPr>
+              <a:t>Phase I</a:t>
+            </a:r>
+          </a:p>
+        </p:txBody>
+      </p:sp>
+    </p:spTree>
+    <p:extLst>
+      <p:ext uri="{BB962C8B-B14F-4D97-AF65-F5344CB8AC3E}">
+        <p14:creationId xmlns:p14="http://schemas.microsoft.com/office/powerpoint/2010/main" val="707441443"/>
+      </p:ext>
+    </p:extLst>
+  </p:cSld>
+  <p:clrMapOvr>
+    <a:masterClrMapping/>
+  </p:clrMapOvr>
+</p:sld>
+</file>
+
+<file path=ppt/slides/slide25.xml><?xml version="1.0" encoding="utf-8"?>
+<p:sld xmlns:a="http://schemas.openxmlformats.org/drawingml/2006/main" xmlns:r="http://schemas.openxmlformats.org/officeDocument/2006/relationships" xmlns:p="http://schemas.openxmlformats.org/presentationml/2006/main">
+  <p:cSld>
+    <p:spTree>
+      <p:nvGrpSpPr>
+        <p:cNvPr id="1" name=""/>
+        <p:cNvGrpSpPr/>
+        <p:nvPr/>
+      </p:nvGrpSpPr>
+      <p:grpSpPr>
+        <a:xfrm>
+          <a:off x="0" y="0"/>
+          <a:ext cx="0" cy="0"/>
+          <a:chOff x="0" y="0"/>
+          <a:chExt cx="0" cy="0"/>
+        </a:xfrm>
+      </p:grpSpPr>
+      <p:sp>
+        <p:nvSpPr>
           <p:cNvPr id="3" name="Content Placeholder 2">
             <a:extLst>
               <a:ext uri="{FF2B5EF4-FFF2-40B4-BE49-F238E27FC236}">
@@ -14319,7 +14711,7 @@
             <a:fld id="{5ACD0CF0-90CC-9C41-A77B-2776398A8C8B}" type="slidenum">
               <a:rPr lang="en-US" smtClean="0"/>
               <a:pPr/>
-              <a:t>24</a:t>
+              <a:t>25</a:t>
             </a:fld>
             <a:endParaRPr lang="en-US"/>
           </a:p>
@@ -14416,122 +14808,6 @@
 </p:sld>
 </file>
 
-<file path=ppt/slides/slide25.xml><?xml version="1.0" encoding="utf-8"?>
-<p:sld xmlns:a="http://schemas.openxmlformats.org/drawingml/2006/main" xmlns:r="http://schemas.openxmlformats.org/officeDocument/2006/relationships" xmlns:p="http://schemas.openxmlformats.org/presentationml/2006/main">
-  <p:cSld>
-    <p:spTree>
-      <p:nvGrpSpPr>
-        <p:cNvPr id="1" name=""/>
-        <p:cNvGrpSpPr/>
-        <p:nvPr/>
-      </p:nvGrpSpPr>
-      <p:grpSpPr>
-        <a:xfrm>
-          <a:off x="0" y="0"/>
-          <a:ext cx="0" cy="0"/>
-          <a:chOff x="0" y="0"/>
-          <a:chExt cx="0" cy="0"/>
-        </a:xfrm>
-      </p:grpSpPr>
-      <p:sp>
-        <p:nvSpPr>
-          <p:cNvPr id="3" name="Content Placeholder 2">
-            <a:extLst>
-              <a:ext uri="{FF2B5EF4-FFF2-40B4-BE49-F238E27FC236}">
-                <a16:creationId xmlns:a16="http://schemas.microsoft.com/office/drawing/2014/main" id="{7D9C13FB-F3EB-4BC0-B130-143DCC8FEBB4}"/>
-              </a:ext>
-            </a:extLst>
-          </p:cNvPr>
-          <p:cNvSpPr>
-            <a:spLocks noGrp="1"/>
-          </p:cNvSpPr>
-          <p:nvPr>
-            <p:ph idx="1"/>
-          </p:nvPr>
-        </p:nvSpPr>
-        <p:spPr>
-          <a:xfrm>
-            <a:off x="80554" y="160619"/>
-            <a:ext cx="10515600" cy="5248208"/>
-          </a:xfrm>
-        </p:spPr>
-        <p:txBody>
-          <a:bodyPr>
-            <a:normAutofit/>
-          </a:bodyPr>
-          <a:lstStyle/>
-          <a:p>
-            <a:r>
-              <a:rPr lang="en-US" dirty="0"/>
-              <a:t> # Prediction versus Inference</a:t>
-            </a:r>
-          </a:p>
-          <a:p>
-            <a:pPr lvl="1"/>
-            <a:r>
-              <a:rPr lang="en-US" dirty="0"/>
-              <a:t> Goals of prediction are not centered on how the features are interacting or resulting in an event but are instead focused on the ability of the model to predicted an event. </a:t>
-            </a:r>
-          </a:p>
-          <a:p>
-            <a:pPr lvl="1"/>
-            <a:r>
-              <a:rPr lang="en-US" dirty="0"/>
-              <a:t>  Almost all ML methods are focused on predication not causation or inference. </a:t>
-            </a:r>
-          </a:p>
-          <a:p>
-            <a:pPr lvl="1"/>
-            <a:r>
-              <a:rPr lang="en-US" dirty="0"/>
-              <a:t> This is why model performance is based largely on how well a model predicts not necessarily how much individual variables are contributing to error reduction. </a:t>
-            </a:r>
-          </a:p>
-        </p:txBody>
-      </p:sp>
-      <p:sp>
-        <p:nvSpPr>
-          <p:cNvPr id="4" name="Slide Number Placeholder 3">
-            <a:extLst>
-              <a:ext uri="{FF2B5EF4-FFF2-40B4-BE49-F238E27FC236}">
-                <a16:creationId xmlns:a16="http://schemas.microsoft.com/office/drawing/2014/main" id="{D92C9808-45ED-4122-BCBD-B3884450838E}"/>
-              </a:ext>
-            </a:extLst>
-          </p:cNvPr>
-          <p:cNvSpPr>
-            <a:spLocks noGrp="1"/>
-          </p:cNvSpPr>
-          <p:nvPr>
-            <p:ph type="sldNum" sz="quarter" idx="12"/>
-          </p:nvPr>
-        </p:nvSpPr>
-        <p:spPr/>
-        <p:txBody>
-          <a:bodyPr/>
-          <a:lstStyle/>
-          <a:p>
-            <a:fld id="{5ACD0CF0-90CC-9C41-A77B-2776398A8C8B}" type="slidenum">
-              <a:rPr lang="en-US" smtClean="0"/>
-              <a:pPr/>
-              <a:t>25</a:t>
-            </a:fld>
-            <a:endParaRPr lang="en-US"/>
-          </a:p>
-        </p:txBody>
-      </p:sp>
-    </p:spTree>
-    <p:extLst>
-      <p:ext uri="{BB962C8B-B14F-4D97-AF65-F5344CB8AC3E}">
-        <p14:creationId xmlns:p14="http://schemas.microsoft.com/office/powerpoint/2010/main" val="2537658807"/>
-      </p:ext>
-    </p:extLst>
-  </p:cSld>
-  <p:clrMapOvr>
-    <a:masterClrMapping/>
-  </p:clrMapOvr>
-</p:sld>
-</file>
-
 <file path=ppt/slides/slide26.xml><?xml version="1.0" encoding="utf-8"?>
 <p:sld xmlns:a="http://schemas.openxmlformats.org/drawingml/2006/main" xmlns:r="http://schemas.openxmlformats.org/officeDocument/2006/relationships" xmlns:p="http://schemas.openxmlformats.org/presentationml/2006/main">
   <p:cSld>
@@ -14551,34 +14827,6 @@
       </p:grpSpPr>
       <p:sp>
         <p:nvSpPr>
-          <p:cNvPr id="2" name="Title 1">
-            <a:extLst>
-              <a:ext uri="{FF2B5EF4-FFF2-40B4-BE49-F238E27FC236}">
-                <a16:creationId xmlns:a16="http://schemas.microsoft.com/office/drawing/2014/main" id="{00C29119-EB12-4B2B-BF70-415E235B92E2}"/>
-              </a:ext>
-            </a:extLst>
-          </p:cNvPr>
-          <p:cNvSpPr>
-            <a:spLocks noGrp="1"/>
-          </p:cNvSpPr>
-          <p:nvPr>
-            <p:ph type="title"/>
-          </p:nvPr>
-        </p:nvSpPr>
-        <p:spPr/>
-        <p:txBody>
-          <a:bodyPr/>
-          <a:lstStyle/>
-          <a:p>
-            <a:r>
-              <a:rPr lang="en-US" dirty="0"/>
-              <a:t>Overview of Key ML Methods/Terms </a:t>
-            </a:r>
-          </a:p>
-        </p:txBody>
-      </p:sp>
-      <p:sp>
-        <p:nvSpPr>
           <p:cNvPr id="3" name="Content Placeholder 2">
             <a:extLst>
               <a:ext uri="{FF2B5EF4-FFF2-40B4-BE49-F238E27FC236}">
@@ -14595,7 +14843,7 @@
         </p:nvSpPr>
         <p:spPr>
           <a:xfrm>
-            <a:off x="80554" y="804930"/>
+            <a:off x="80554" y="160619"/>
             <a:ext cx="10515600" cy="5248208"/>
           </a:xfrm>
         </p:spPr>
@@ -14607,61 +14855,28 @@
           <a:p>
             <a:r>
               <a:rPr lang="en-US" dirty="0"/>
-              <a:t> Independent Metric for Business Value </a:t>
+              <a:t> # Prediction versus Inference</a:t>
             </a:r>
           </a:p>
           <a:p>
             <a:pPr lvl="1"/>
             <a:r>
               <a:rPr lang="en-US" dirty="0"/>
-              <a:t> A key part of building a solution using </a:t>
-            </a:r>
-            <a:r>
-              <a:rPr lang="en-US" b="1" dirty="0"/>
-              <a:t>Machine Learning Techniques </a:t>
-            </a:r>
+              <a:t> Goals of prediction are not centered on how the features are interacting or resulting in an event but are instead focused on the ability of the model to predicted an event. </a:t>
+            </a:r>
+          </a:p>
+          <a:p>
+            <a:pPr lvl="1"/>
             <a:r>
               <a:rPr lang="en-US" dirty="0"/>
-              <a:t>is having a metric that is independent of the model that can be used to determine if the model is providing value.  </a:t>
+              <a:t>  Almost all ML methods are focused on predication not causation or inference. </a:t>
             </a:r>
           </a:p>
           <a:p>
             <a:pPr lvl="1"/>
-            <a:endParaRPr lang="en-US" dirty="0"/>
-          </a:p>
-          <a:p>
-            <a:pPr lvl="1"/>
             <a:r>
               <a:rPr lang="en-US" dirty="0"/>
-              <a:t> Examples</a:t>
-            </a:r>
-          </a:p>
-          <a:p>
-            <a:pPr lvl="2"/>
-            <a:r>
-              <a:rPr lang="en-US" dirty="0"/>
-              <a:t> Recommender Engine for Netflix: Number of user clicks</a:t>
-            </a:r>
-          </a:p>
-          <a:p>
-            <a:pPr lvl="2"/>
-            <a:r>
-              <a:rPr lang="en-US" dirty="0"/>
-              <a:t> Spam Block Predictor: Number of viruses in the network </a:t>
-            </a:r>
-          </a:p>
-          <a:p>
-            <a:pPr lvl="2"/>
-            <a:r>
-              <a:rPr lang="en-US" dirty="0"/>
-              <a:t> Market Clustering: Did sales increase</a:t>
-            </a:r>
-          </a:p>
-          <a:p>
-            <a:pPr lvl="2"/>
-            <a:r>
-              <a:rPr lang="en-US" dirty="0"/>
-              <a:t> Others? </a:t>
+              <a:t> This is why model performance is based largely on how well a model predicts not necessarily how much individual variables are contributing to error reduction. </a:t>
             </a:r>
           </a:p>
         </p:txBody>
@@ -14699,7 +14914,7 @@
     </p:spTree>
     <p:extLst>
       <p:ext uri="{BB962C8B-B14F-4D97-AF65-F5344CB8AC3E}">
-        <p14:creationId xmlns:p14="http://schemas.microsoft.com/office/powerpoint/2010/main" val="428639829"/>
+        <p14:creationId xmlns:p14="http://schemas.microsoft.com/office/powerpoint/2010/main" val="2537658807"/>
       </p:ext>
     </p:extLst>
   </p:cSld>
@@ -14744,14 +14959,12 @@
         </p:nvSpPr>
         <p:spPr/>
         <p:txBody>
-          <a:bodyPr>
-            <a:normAutofit/>
-          </a:bodyPr>
+          <a:bodyPr/>
           <a:lstStyle/>
           <a:p>
             <a:r>
               <a:rPr lang="en-US" dirty="0"/>
-              <a:t>Overview of Key ML Methods/Terms: Target Variable versus Features </a:t>
+              <a:t>Overview of Key ML Methods/Terms </a:t>
             </a:r>
           </a:p>
         </p:txBody>
@@ -14784,64 +14997,64 @@
           </a:bodyPr>
           <a:lstStyle/>
           <a:p>
-            <a:pPr marL="0" indent="0">
-              <a:buNone/>
-            </a:pPr>
-            <a:endParaRPr lang="en-US" dirty="0"/>
+            <a:r>
+              <a:rPr lang="en-US" dirty="0"/>
+              <a:t> Independent Metric for Business Value </a:t>
+            </a:r>
           </a:p>
           <a:p>
             <a:pPr lvl="1"/>
             <a:r>
               <a:rPr lang="en-US" dirty="0"/>
-              <a:t> </a:t>
+              <a:t> A key part of building a solution using </a:t>
             </a:r>
             <a:r>
               <a:rPr lang="en-US" b="1" dirty="0"/>
-              <a:t>Target variable </a:t>
+              <a:t>Machine Learning Techniques </a:t>
             </a:r>
             <a:r>
               <a:rPr lang="en-US" dirty="0"/>
-              <a:t>– Is the variable that includes the patterns the machine learning algorithm is trying to learn.  It is the variable of interest and key to evaluating the model output.  </a:t>
-            </a:r>
-          </a:p>
-          <a:p>
-            <a:pPr lvl="2"/>
-            <a:r>
-              <a:rPr lang="en-US" dirty="0"/>
-              <a:t> More simply it is the variable we are trying to predict.  </a:t>
-            </a:r>
-          </a:p>
-          <a:p>
-            <a:pPr marL="914400" lvl="2" indent="0">
-              <a:buNone/>
-            </a:pPr>
-            <a:endParaRPr lang="en-US" dirty="0"/>
-          </a:p>
-          <a:p>
-            <a:pPr lvl="1"/>
-            <a:r>
-              <a:rPr lang="en-US" dirty="0"/>
-              <a:t> </a:t>
-            </a:r>
-            <a:r>
-              <a:rPr lang="en-US" b="1" dirty="0"/>
-              <a:t>Feature variables </a:t>
-            </a:r>
-            <a:r>
-              <a:rPr lang="en-US" dirty="0"/>
-              <a:t>– Are the variables the model will use to learn the patterns of the target variable. The process of feature engineering can result in additional features. </a:t>
-            </a:r>
-          </a:p>
-          <a:p>
-            <a:pPr lvl="2"/>
-            <a:r>
-              <a:rPr lang="en-US" dirty="0"/>
-              <a:t> More simply these are the variables used for predicting the target</a:t>
+              <a:t>is having a metric that is independent of the model that can be used to determine if the model is providing value.  </a:t>
             </a:r>
           </a:p>
           <a:p>
             <a:pPr lvl="1"/>
             <a:endParaRPr lang="en-US" dirty="0"/>
+          </a:p>
+          <a:p>
+            <a:pPr lvl="1"/>
+            <a:r>
+              <a:rPr lang="en-US" dirty="0"/>
+              <a:t> Examples</a:t>
+            </a:r>
+          </a:p>
+          <a:p>
+            <a:pPr lvl="2"/>
+            <a:r>
+              <a:rPr lang="en-US" dirty="0"/>
+              <a:t> Recommender Engine for Netflix: Number of user clicks</a:t>
+            </a:r>
+          </a:p>
+          <a:p>
+            <a:pPr lvl="2"/>
+            <a:r>
+              <a:rPr lang="en-US" dirty="0"/>
+              <a:t> Spam Block Predictor: Number of viruses in the network </a:t>
+            </a:r>
+          </a:p>
+          <a:p>
+            <a:pPr lvl="2"/>
+            <a:r>
+              <a:rPr lang="en-US" dirty="0"/>
+              <a:t> Market Clustering: Did sales increase</a:t>
+            </a:r>
+          </a:p>
+          <a:p>
+            <a:pPr lvl="2"/>
+            <a:r>
+              <a:rPr lang="en-US" dirty="0"/>
+              <a:t> Others? </a:t>
+            </a:r>
           </a:p>
         </p:txBody>
       </p:sp>
@@ -14878,7 +15091,7 @@
     </p:spTree>
     <p:extLst>
       <p:ext uri="{BB962C8B-B14F-4D97-AF65-F5344CB8AC3E}">
-        <p14:creationId xmlns:p14="http://schemas.microsoft.com/office/powerpoint/2010/main" val="1837246038"/>
+        <p14:creationId xmlns:p14="http://schemas.microsoft.com/office/powerpoint/2010/main" val="428639829"/>
       </p:ext>
     </p:extLst>
   </p:cSld>
@@ -14930,7 +15143,7 @@
           <a:p>
             <a:r>
               <a:rPr lang="en-US" dirty="0"/>
-              <a:t>Overview of Key ML Methods/Terms: Classification versus Regression </a:t>
+              <a:t>Overview of Key ML Methods/Terms: Target Variable versus Features </a:t>
             </a:r>
           </a:p>
         </p:txBody>
@@ -14953,8 +15166,8 @@
         </p:nvSpPr>
         <p:spPr>
           <a:xfrm>
-            <a:off x="80554" y="599447"/>
-            <a:ext cx="10515600" cy="6122028"/>
+            <a:off x="80554" y="804930"/>
+            <a:ext cx="10515600" cy="5248208"/>
           </a:xfrm>
         </p:spPr>
         <p:txBody>
@@ -14963,61 +15176,64 @@
           </a:bodyPr>
           <a:lstStyle/>
           <a:p>
+            <a:pPr marL="0" indent="0">
+              <a:buNone/>
+            </a:pPr>
+            <a:endParaRPr lang="en-US" dirty="0"/>
+          </a:p>
+          <a:p>
+            <a:pPr lvl="1"/>
             <a:r>
               <a:rPr lang="en-US" dirty="0"/>
               <a:t> </a:t>
             </a:r>
             <a:r>
               <a:rPr lang="en-US" b="1" dirty="0"/>
-              <a:t>Classification</a:t>
+              <a:t>Target variable </a:t>
             </a:r>
             <a:r>
               <a:rPr lang="en-US" dirty="0"/>
-              <a:t> is the process of developing a model to predict whether a target variable is in defined categories.  This is driven by having either a binary or multi-level categorical variable as the target variable. </a:t>
+              <a:t>– Is the variable that includes the patterns the machine learning algorithm is trying to learn.  It is the variable of interest and key to evaluating the model output.  </a:t>
             </a:r>
           </a:p>
           <a:p>
             <a:pPr lvl="2"/>
             <a:r>
-              <a:rPr lang="en-US" sz="2400" dirty="0"/>
-              <a:t> Examples: </a:t>
-            </a:r>
-          </a:p>
-          <a:p>
-            <a:pPr lvl="3"/>
-            <a:r>
-              <a:rPr lang="en-US" sz="2000" dirty="0"/>
-              <a:t> Predicting whether someone is male, or female based on 1,000s of pictures.</a:t>
-            </a:r>
-          </a:p>
-          <a:p>
-            <a:pPr lvl="3"/>
-            <a:r>
-              <a:rPr lang="en-US" sz="2000" dirty="0"/>
-              <a:t> Predicting whether a team will have a winning season or not based on player performance </a:t>
-            </a:r>
-          </a:p>
-          <a:p>
-            <a:pPr lvl="3"/>
-            <a:r>
-              <a:rPr lang="en-US" sz="2000" dirty="0"/>
-              <a:t> Predicting whether a person will default on a loan or not</a:t>
+              <a:rPr lang="en-US" dirty="0"/>
+              <a:t> More simply it is the variable we are trying to predict.  </a:t>
+            </a:r>
+          </a:p>
+          <a:p>
+            <a:pPr marL="914400" lvl="2" indent="0">
+              <a:buNone/>
+            </a:pPr>
+            <a:endParaRPr lang="en-US" dirty="0"/>
+          </a:p>
+          <a:p>
+            <a:pPr lvl="1"/>
+            <a:r>
+              <a:rPr lang="en-US" dirty="0"/>
+              <a:t> </a:t>
+            </a:r>
+            <a:r>
+              <a:rPr lang="en-US" b="1" dirty="0"/>
+              <a:t>Feature variables </a:t>
+            </a:r>
+            <a:r>
+              <a:rPr lang="en-US" dirty="0"/>
+              <a:t>– Are the variables the model will use to learn the patterns of the target variable. The process of feature engineering can result in additional features. </a:t>
             </a:r>
           </a:p>
           <a:p>
             <a:pPr lvl="2"/>
             <a:r>
-              <a:rPr lang="en-US" sz="2400" dirty="0"/>
-              <a:t> Key point: The predications of the model are not binary (1s or 0s) but are given as </a:t>
-            </a:r>
-            <a:r>
-              <a:rPr lang="en-US" sz="2400" b="1" dirty="0"/>
-              <a:t>percentages</a:t>
-            </a:r>
-            <a:r>
-              <a:rPr lang="en-US" sz="2400" dirty="0"/>
-              <a:t> indicating the likelihood that any one row of data belongs to any one category.  In the case of target variables with multiple categories each row will get the same number of percent predictions as categories.</a:t>
-            </a:r>
+              <a:rPr lang="en-US" dirty="0"/>
+              <a:t> More simply these are the variables used for predicting the target</a:t>
+            </a:r>
+          </a:p>
+          <a:p>
+            <a:pPr lvl="1"/>
+            <a:endParaRPr lang="en-US" dirty="0"/>
           </a:p>
         </p:txBody>
       </p:sp>
@@ -15054,7 +15270,7 @@
     </p:spTree>
     <p:extLst>
       <p:ext uri="{BB962C8B-B14F-4D97-AF65-F5344CB8AC3E}">
-        <p14:creationId xmlns:p14="http://schemas.microsoft.com/office/powerpoint/2010/main" val="3279045861"/>
+        <p14:creationId xmlns:p14="http://schemas.microsoft.com/office/powerpoint/2010/main" val="1837246038"/>
       </p:ext>
     </p:extLst>
   </p:cSld>
@@ -15130,7 +15346,7 @@
         <p:spPr>
           <a:xfrm>
             <a:off x="80554" y="599447"/>
-            <a:ext cx="10515600" cy="3320144"/>
+            <a:ext cx="10515600" cy="6122028"/>
           </a:xfrm>
         </p:spPr>
         <p:txBody>
@@ -15140,45 +15356,60 @@
           <a:lstStyle/>
           <a:p>
             <a:r>
-              <a:rPr lang="en-US" sz="3200" b="1" dirty="0"/>
-              <a:t> Regression</a:t>
-            </a:r>
-            <a:r>
-              <a:rPr lang="en-US" sz="3200" dirty="0"/>
-              <a:t> is the process of developing a model to predict a specific number or range of numbers. This is driven by having a continuous variable as the target variable for the model</a:t>
+              <a:rPr lang="en-US" dirty="0"/>
+              <a:t> </a:t>
+            </a:r>
+            <a:r>
+              <a:rPr lang="en-US" b="1" dirty="0"/>
+              <a:t>Classification</a:t>
+            </a:r>
+            <a:r>
+              <a:rPr lang="en-US" dirty="0"/>
+              <a:t> is the process of developing a model to predict whether a target variable is in defined categories.  This is driven by having either a binary or multi-level categorical variable as the target variable. </a:t>
             </a:r>
           </a:p>
           <a:p>
             <a:pPr lvl="2"/>
             <a:r>
-              <a:rPr lang="en-US" sz="2800" dirty="0"/>
+              <a:rPr lang="en-US" sz="2400" dirty="0"/>
               <a:t> Examples: </a:t>
             </a:r>
           </a:p>
           <a:p>
             <a:pPr lvl="3"/>
             <a:r>
+              <a:rPr lang="en-US" sz="2000" dirty="0"/>
+              <a:t> Predicting whether someone is male, or female based on 1,000s of pictures.</a:t>
+            </a:r>
+          </a:p>
+          <a:p>
+            <a:pPr lvl="3"/>
+            <a:r>
+              <a:rPr lang="en-US" sz="2000" dirty="0"/>
+              <a:t> Predicting whether a team will have a winning season or not based on player performance </a:t>
+            </a:r>
+          </a:p>
+          <a:p>
+            <a:pPr lvl="3"/>
+            <a:r>
+              <a:rPr lang="en-US" sz="2000" dirty="0"/>
+              <a:t> Predicting whether a person will default on a loan or not</a:t>
+            </a:r>
+          </a:p>
+          <a:p>
+            <a:pPr lvl="2"/>
+            <a:r>
               <a:rPr lang="en-US" sz="2400" dirty="0"/>
-              <a:t> Predicting the score given the players playing a game. </a:t>
-            </a:r>
-          </a:p>
-          <a:p>
-            <a:pPr lvl="3"/>
+              <a:t> Key point: The predications of the model are not binary (1s or 0s) but are given as </a:t>
+            </a:r>
+            <a:r>
+              <a:rPr lang="en-US" sz="2400" b="1" dirty="0"/>
+              <a:t>percentages</a:t>
+            </a:r>
             <a:r>
               <a:rPr lang="en-US" sz="2400" dirty="0"/>
-              <a:t> Predicting an amount of rain given weather conditions </a:t>
-            </a:r>
-          </a:p>
-          <a:p>
-            <a:pPr lvl="3"/>
-            <a:r>
-              <a:rPr lang="en-US" sz="2400" dirty="0"/>
-              <a:t> Predicting a persons weight based on various personal statistics</a:t>
-            </a:r>
-          </a:p>
-          <a:p>
-            <a:pPr lvl="3"/>
-            <a:endParaRPr lang="en-US" sz="2000" dirty="0"/>
+              <a:t> indicating the likelihood that any one row of data belongs to any one category.  In the case of target variables with multiple categories each row will get the same number of percent predictions as categories.</a:t>
+            </a:r>
           </a:p>
         </p:txBody>
       </p:sp>
@@ -15215,7 +15446,7 @@
     </p:spTree>
     <p:extLst>
       <p:ext uri="{BB962C8B-B14F-4D97-AF65-F5344CB8AC3E}">
-        <p14:creationId xmlns:p14="http://schemas.microsoft.com/office/powerpoint/2010/main" val="1842587419"/>
+        <p14:creationId xmlns:p14="http://schemas.microsoft.com/office/powerpoint/2010/main" val="3279045861"/>
       </p:ext>
     </p:extLst>
   </p:cSld>
@@ -15527,12 +15758,14 @@
         </p:nvSpPr>
         <p:spPr/>
         <p:txBody>
-          <a:bodyPr/>
+          <a:bodyPr>
+            <a:normAutofit/>
+          </a:bodyPr>
           <a:lstStyle/>
           <a:p>
             <a:r>
               <a:rPr lang="en-US" dirty="0"/>
-              <a:t>Overview of Key ML Methods/Terms: Probabilistic Interpretation </a:t>
+              <a:t>Overview of Key ML Methods/Terms: Classification versus Regression </a:t>
             </a:r>
           </a:p>
         </p:txBody>
@@ -15555,8 +15788,8 @@
         </p:nvSpPr>
         <p:spPr>
           <a:xfrm>
-            <a:off x="80554" y="804930"/>
-            <a:ext cx="10515600" cy="5806490"/>
+            <a:off x="80554" y="599447"/>
+            <a:ext cx="10515600" cy="3320144"/>
           </a:xfrm>
         </p:spPr>
         <p:txBody>
@@ -15566,42 +15799,45 @@
           <a:lstStyle/>
           <a:p>
             <a:r>
-              <a:rPr lang="en-US" dirty="0"/>
-              <a:t> A significant portion of this class will focus on building models for classification. Classification is a much more common machine learning goal versus regression. </a:t>
-            </a:r>
-          </a:p>
-          <a:p>
-            <a:r>
-              <a:rPr lang="en-US" dirty="0"/>
-              <a:t> We all know the range of values for probabilities, 0 to 100, the key to understanding these outputs is to think of them as </a:t>
-            </a:r>
-            <a:r>
-              <a:rPr lang="en-US" b="1" dirty="0"/>
-              <a:t>risk measures</a:t>
-            </a:r>
-            <a:r>
-              <a:rPr lang="en-US" dirty="0"/>
-              <a:t>, with 100 being no risk and 0 being all the risk! </a:t>
-            </a:r>
-          </a:p>
-          <a:p>
-            <a:r>
-              <a:rPr lang="en-US" dirty="0"/>
-              <a:t> How the outputs are used will depend on your question. </a:t>
-            </a:r>
-          </a:p>
-          <a:p>
-            <a:pPr lvl="1"/>
-            <a:r>
-              <a:rPr lang="en-US" dirty="0"/>
-              <a:t> Example: How certain do you want to be that a drug is effective as compared to whether a customer will open a marketing email? The results could both yield 75% probabilities but is that high enough? </a:t>
-            </a:r>
-          </a:p>
-          <a:p>
-            <a:r>
-              <a:rPr lang="en-US" dirty="0"/>
-              <a:t> Could also think of the outputs as a quantification of uncertainty, the question becomes given your problem how much uncertainty are you willing to accept? </a:t>
-            </a:r>
+              <a:rPr lang="en-US" sz="3200" b="1" dirty="0"/>
+              <a:t> Regression</a:t>
+            </a:r>
+            <a:r>
+              <a:rPr lang="en-US" sz="3200" dirty="0"/>
+              <a:t> is the process of developing a model to predict a specific number or range of numbers. This is driven by having a continuous variable as the target variable for the model</a:t>
+            </a:r>
+          </a:p>
+          <a:p>
+            <a:pPr lvl="2"/>
+            <a:r>
+              <a:rPr lang="en-US" sz="2800" dirty="0"/>
+              <a:t> Examples: </a:t>
+            </a:r>
+          </a:p>
+          <a:p>
+            <a:pPr lvl="3"/>
+            <a:r>
+              <a:rPr lang="en-US" sz="2400" dirty="0"/>
+              <a:t> Predicting the score given the players playing a game. </a:t>
+            </a:r>
+          </a:p>
+          <a:p>
+            <a:pPr lvl="3"/>
+            <a:r>
+              <a:rPr lang="en-US" sz="2400" dirty="0"/>
+              <a:t> Predicting an amount of rain given weather conditions </a:t>
+            </a:r>
+          </a:p>
+          <a:p>
+            <a:pPr lvl="3"/>
+            <a:r>
+              <a:rPr lang="en-US" sz="2400" dirty="0"/>
+              <a:t> Predicting a persons weight based on various personal statistics</a:t>
+            </a:r>
+          </a:p>
+          <a:p>
+            <a:pPr lvl="3"/>
+            <a:endParaRPr lang="en-US" sz="2000" dirty="0"/>
           </a:p>
         </p:txBody>
       </p:sp>
@@ -15638,7 +15874,7 @@
     </p:spTree>
     <p:extLst>
       <p:ext uri="{BB962C8B-B14F-4D97-AF65-F5344CB8AC3E}">
-        <p14:creationId xmlns:p14="http://schemas.microsoft.com/office/powerpoint/2010/main" val="3520486681"/>
+        <p14:creationId xmlns:p14="http://schemas.microsoft.com/office/powerpoint/2010/main" val="1842587419"/>
       </p:ext>
     </p:extLst>
   </p:cSld>
@@ -15688,7 +15924,7 @@
           <a:p>
             <a:r>
               <a:rPr lang="en-US" dirty="0"/>
-              <a:t>Overview of Key ML Methods/Terms: Data Brainstorming </a:t>
+              <a:t>Overview of Key ML Methods/Terms: Probabilistic Interpretation </a:t>
             </a:r>
           </a:p>
         </p:txBody>
@@ -15711,102 +15947,52 @@
         </p:nvSpPr>
         <p:spPr>
           <a:xfrm>
-            <a:off x="-37289" y="565779"/>
-            <a:ext cx="10515600" cy="6017901"/>
+            <a:off x="80554" y="804930"/>
+            <a:ext cx="10515600" cy="5806490"/>
           </a:xfrm>
         </p:spPr>
         <p:txBody>
-          <a:bodyPr vert="horz" lIns="91440" tIns="45720" rIns="91440" bIns="45720" rtlCol="0" anchor="ctr">
+          <a:bodyPr>
             <a:normAutofit/>
           </a:bodyPr>
           <a:lstStyle/>
           <a:p>
-            <a:pPr marL="457200" lvl="1" indent="0">
-              <a:buNone/>
-            </a:pPr>
-            <a:endParaRPr lang="en-US" sz="2800" dirty="0"/>
+            <a:r>
+              <a:rPr lang="en-US" dirty="0"/>
+              <a:t> A significant portion of this class will focus on building models for classification. Classification is a much more common machine learning goal versus regression. </a:t>
+            </a:r>
+          </a:p>
+          <a:p>
+            <a:r>
+              <a:rPr lang="en-US" dirty="0"/>
+              <a:t> We all know the range of values for probabilities, 0 to 100, the key to understanding these outputs is to think of them as </a:t>
+            </a:r>
+            <a:r>
+              <a:rPr lang="en-US" b="1" dirty="0"/>
+              <a:t>risk measures</a:t>
+            </a:r>
+            <a:r>
+              <a:rPr lang="en-US" dirty="0"/>
+              <a:t>, with 100 being no risk and 0 being all the risk! </a:t>
+            </a:r>
+          </a:p>
+          <a:p>
+            <a:r>
+              <a:rPr lang="en-US" dirty="0"/>
+              <a:t> How the outputs are used will depend on your question. </a:t>
+            </a:r>
           </a:p>
           <a:p>
             <a:pPr lvl="1"/>
             <a:r>
-              <a:rPr lang="en-US" sz="2800" dirty="0"/>
-              <a:t> Data to Concept – Does the data available support the algo target and goal</a:t>
-            </a:r>
-          </a:p>
-          <a:p>
-            <a:pPr lvl="2"/>
-            <a:r>
-              <a:rPr lang="en-US" sz="2400" dirty="0"/>
-              <a:t> How difficult is the data to gather?</a:t>
-            </a:r>
-          </a:p>
-          <a:p>
-            <a:pPr lvl="2"/>
-            <a:r>
-              <a:rPr lang="en-US" sz="2400" dirty="0"/>
-              <a:t> Is the data large enough? </a:t>
-            </a:r>
-          </a:p>
-          <a:p>
-            <a:pPr lvl="2"/>
-            <a:r>
-              <a:rPr lang="en-US" sz="2400" dirty="0"/>
-              <a:t> What is the rate of change of the data? </a:t>
-            </a:r>
-          </a:p>
-          <a:p>
-            <a:pPr lvl="2"/>
-            <a:r>
-              <a:rPr lang="en-US" sz="2400" dirty="0"/>
-              <a:t> Do we believe this is the correct source and data content to address the problem?</a:t>
-            </a:r>
-          </a:p>
-          <a:p>
-            <a:pPr marL="914400" lvl="2" indent="0">
-              <a:buNone/>
-            </a:pPr>
-            <a:endParaRPr lang="en-US" sz="2400" dirty="0"/>
-          </a:p>
-          <a:p>
-            <a:pPr lvl="1"/>
-            <a:r>
-              <a:rPr lang="en-US" sz="2800" dirty="0"/>
-              <a:t> Learning Difficulty – How complex or vague is the target variable? </a:t>
-            </a:r>
-          </a:p>
-          <a:p>
-            <a:pPr lvl="2"/>
-            <a:r>
-              <a:rPr lang="en-US" sz="2400" dirty="0"/>
-              <a:t> Are there imbalances in the classes?</a:t>
-            </a:r>
-          </a:p>
-          <a:p>
-            <a:pPr lvl="2"/>
-            <a:r>
-              <a:rPr lang="en-US" sz="2400" dirty="0"/>
-              <a:t> Does the data clearly link to the problem? </a:t>
-            </a:r>
-          </a:p>
-          <a:p>
-            <a:pPr lvl="2"/>
-            <a:r>
-              <a:rPr lang="en-US" sz="2400" dirty="0"/>
-              <a:t> Has this data been used in the past, to what success?</a:t>
-            </a:r>
-          </a:p>
-          <a:p>
-            <a:pPr lvl="2"/>
-            <a:r>
-              <a:rPr lang="en-US" sz="2400" dirty="0"/>
-              <a:t> Is the target difficult to measure or break into smaller components?  </a:t>
-            </a:r>
-          </a:p>
-          <a:p>
-            <a:pPr lvl="2"/>
-            <a:r>
-              <a:rPr lang="en-US" sz="2400" dirty="0"/>
-              <a:t> What risk level are you willing to accept given the question?</a:t>
+              <a:rPr lang="en-US" dirty="0"/>
+              <a:t> Example: How certain do you want to be that a drug is effective as compared to whether a customer will open a marketing email? The results could both yield 75% probabilities but is that high enough? </a:t>
+            </a:r>
+          </a:p>
+          <a:p>
+            <a:r>
+              <a:rPr lang="en-US" dirty="0"/>
+              <a:t> Could also think of the outputs as a quantification of uncertainty, the question becomes given your problem how much uncertainty are you willing to accept? </a:t>
             </a:r>
           </a:p>
         </p:txBody>
@@ -15844,7 +16030,7 @@
     </p:spTree>
     <p:extLst>
       <p:ext uri="{BB962C8B-B14F-4D97-AF65-F5344CB8AC3E}">
-        <p14:creationId xmlns:p14="http://schemas.microsoft.com/office/powerpoint/2010/main" val="3363658055"/>
+        <p14:creationId xmlns:p14="http://schemas.microsoft.com/office/powerpoint/2010/main" val="3520486681"/>
       </p:ext>
     </p:extLst>
   </p:cSld>
@@ -15873,10 +16059,156 @@
       </p:grpSpPr>
       <p:sp>
         <p:nvSpPr>
+          <p:cNvPr id="2" name="Title 1">
+            <a:extLst>
+              <a:ext uri="{FF2B5EF4-FFF2-40B4-BE49-F238E27FC236}">
+                <a16:creationId xmlns:a16="http://schemas.microsoft.com/office/drawing/2014/main" id="{00C29119-EB12-4B2B-BF70-415E235B92E2}"/>
+              </a:ext>
+            </a:extLst>
+          </p:cNvPr>
+          <p:cNvSpPr>
+            <a:spLocks noGrp="1"/>
+          </p:cNvSpPr>
+          <p:nvPr>
+            <p:ph type="title"/>
+          </p:nvPr>
+        </p:nvSpPr>
+        <p:spPr/>
+        <p:txBody>
+          <a:bodyPr/>
+          <a:lstStyle/>
+          <a:p>
+            <a:r>
+              <a:rPr lang="en-US" dirty="0"/>
+              <a:t>Overview of Key ML Methods/Terms: Data Brainstorming </a:t>
+            </a:r>
+          </a:p>
+        </p:txBody>
+      </p:sp>
+      <p:sp>
+        <p:nvSpPr>
+          <p:cNvPr id="3" name="Content Placeholder 2">
+            <a:extLst>
+              <a:ext uri="{FF2B5EF4-FFF2-40B4-BE49-F238E27FC236}">
+                <a16:creationId xmlns:a16="http://schemas.microsoft.com/office/drawing/2014/main" id="{7D9C13FB-F3EB-4BC0-B130-143DCC8FEBB4}"/>
+              </a:ext>
+            </a:extLst>
+          </p:cNvPr>
+          <p:cNvSpPr>
+            <a:spLocks noGrp="1"/>
+          </p:cNvSpPr>
+          <p:nvPr>
+            <p:ph idx="1"/>
+          </p:nvPr>
+        </p:nvSpPr>
+        <p:spPr>
+          <a:xfrm>
+            <a:off x="-37289" y="565779"/>
+            <a:ext cx="10515600" cy="6017901"/>
+          </a:xfrm>
+        </p:spPr>
+        <p:txBody>
+          <a:bodyPr vert="horz" lIns="91440" tIns="45720" rIns="91440" bIns="45720" rtlCol="0" anchor="ctr">
+            <a:normAutofit/>
+          </a:bodyPr>
+          <a:lstStyle/>
+          <a:p>
+            <a:pPr marL="457200" lvl="1" indent="0">
+              <a:buNone/>
+            </a:pPr>
+            <a:endParaRPr lang="en-US" sz="2800" dirty="0"/>
+          </a:p>
+          <a:p>
+            <a:pPr lvl="1"/>
+            <a:r>
+              <a:rPr lang="en-US" sz="2800" dirty="0"/>
+              <a:t> Data to Concept – Does the data available support the algo target and goal</a:t>
+            </a:r>
+          </a:p>
+          <a:p>
+            <a:pPr lvl="2"/>
+            <a:r>
+              <a:rPr lang="en-US" sz="2400" dirty="0"/>
+              <a:t> How difficult is the data to gather?</a:t>
+            </a:r>
+          </a:p>
+          <a:p>
+            <a:pPr lvl="2"/>
+            <a:r>
+              <a:rPr lang="en-US" sz="2400" dirty="0"/>
+              <a:t> Is the data large enough? </a:t>
+            </a:r>
+          </a:p>
+          <a:p>
+            <a:pPr lvl="2"/>
+            <a:r>
+              <a:rPr lang="en-US" sz="2400" dirty="0"/>
+              <a:t> What is the rate of change of the data? </a:t>
+            </a:r>
+          </a:p>
+          <a:p>
+            <a:pPr lvl="2"/>
+            <a:r>
+              <a:rPr lang="en-US" sz="2400" dirty="0"/>
+              <a:t> Do we believe this is the correct source and data content to address the problem?</a:t>
+            </a:r>
+          </a:p>
+          <a:p>
+            <a:pPr marL="914400" lvl="2" indent="0">
+              <a:buNone/>
+            </a:pPr>
+            <a:endParaRPr lang="en-US" sz="2400" dirty="0"/>
+          </a:p>
+          <a:p>
+            <a:pPr lvl="1"/>
+            <a:r>
+              <a:rPr lang="en-US" sz="2800" dirty="0"/>
+              <a:t> Learning Difficulty – How complex or vague is the target variable? </a:t>
+            </a:r>
+          </a:p>
+          <a:p>
+            <a:pPr lvl="2"/>
+            <a:r>
+              <a:rPr lang="en-US" sz="2400" dirty="0"/>
+              <a:t> Are there imbalances in the classes?</a:t>
+            </a:r>
+          </a:p>
+          <a:p>
+            <a:pPr lvl="2"/>
+            <a:r>
+              <a:rPr lang="en-US" sz="2400" dirty="0"/>
+              <a:t> Does the data clearly link to the problem? </a:t>
+            </a:r>
+          </a:p>
+          <a:p>
+            <a:pPr lvl="2"/>
+            <a:r>
+              <a:rPr lang="en-US" sz="2400" dirty="0"/>
+              <a:t> Has this data been used in the past, to what success?</a:t>
+            </a:r>
+          </a:p>
+          <a:p>
+            <a:pPr lvl="2"/>
+            <a:r>
+              <a:rPr lang="en-US" sz="2400" dirty="0"/>
+              <a:t> Is the target difficult to measure or break into smaller components?  </a:t>
+            </a:r>
+          </a:p>
+          <a:p>
+            <a:pPr lvl="2"/>
+            <a:r>
+              <a:rPr lang="en-US" sz="2400" dirty="0"/>
+              <a:t> What risk level are you willing to accept given the question?</a:t>
+            </a:r>
+          </a:p>
+        </p:txBody>
+      </p:sp>
+      <p:sp>
+        <p:nvSpPr>
           <p:cNvPr id="4" name="Slide Number Placeholder 3">
             <a:extLst>
               <a:ext uri="{FF2B5EF4-FFF2-40B4-BE49-F238E27FC236}">
-                <a16:creationId xmlns:a16="http://schemas.microsoft.com/office/drawing/2014/main" id="{C667221D-B766-40ED-A03A-19924A4D7306}"/>
+                <a16:creationId xmlns:a16="http://schemas.microsoft.com/office/drawing/2014/main" id="{D92C9808-45ED-4122-BCBD-B3884450838E}"/>
               </a:ext>
             </a:extLst>
           </p:cNvPr>
@@ -15901,65 +16233,10 @@
           </a:p>
         </p:txBody>
       </p:sp>
-      <p:sp>
-        <p:nvSpPr>
-          <p:cNvPr id="6" name="TextBox 5">
-            <a:extLst>
-              <a:ext uri="{FF2B5EF4-FFF2-40B4-BE49-F238E27FC236}">
-                <a16:creationId xmlns:a16="http://schemas.microsoft.com/office/drawing/2014/main" id="{DEBF97E3-23E0-4EDA-8855-C169847AD4CF}"/>
-              </a:ext>
-            </a:extLst>
-          </p:cNvPr>
-          <p:cNvSpPr txBox="1"/>
-          <p:nvPr/>
-        </p:nvSpPr>
-        <p:spPr>
-          <a:xfrm>
-            <a:off x="2507381" y="2331421"/>
-            <a:ext cx="5996539" cy="480131"/>
-          </a:xfrm>
-          <a:prstGeom prst="rect">
-            <a:avLst/>
-          </a:prstGeom>
-        </p:spPr>
-        <p:txBody>
-          <a:bodyPr vert="horz" lIns="91440" tIns="45720" rIns="91440" bIns="45720" rtlCol="0" anchor="ctr">
-            <a:noAutofit/>
-          </a:bodyPr>
-          <a:lstStyle>
-            <a:lvl1pPr>
-              <a:lnSpc>
-                <a:spcPct val="90000"/>
-              </a:lnSpc>
-              <a:spcBef>
-                <a:spcPct val="0"/>
-              </a:spcBef>
-              <a:buNone/>
-              <a:defRPr sz="2800" b="1">
-                <a:solidFill>
-                  <a:schemeClr val="accent1"/>
-                </a:solidFill>
-                <a:latin typeface="+mj-lt"/>
-                <a:ea typeface="+mj-ea"/>
-                <a:cs typeface="+mj-cs"/>
-              </a:defRPr>
-            </a:lvl1pPr>
-          </a:lstStyle>
-          <a:p>
-            <a:pPr algn="ctr"/>
-            <a:r>
-              <a:rPr lang="en-US" sz="4400" dirty="0">
-                <a:latin typeface="+mn-lt"/>
-              </a:rPr>
-              <a:t>Phase II</a:t>
-            </a:r>
-          </a:p>
-        </p:txBody>
-      </p:sp>
     </p:spTree>
     <p:extLst>
       <p:ext uri="{BB962C8B-B14F-4D97-AF65-F5344CB8AC3E}">
-        <p14:creationId xmlns:p14="http://schemas.microsoft.com/office/powerpoint/2010/main" val="1901289011"/>
+        <p14:creationId xmlns:p14="http://schemas.microsoft.com/office/powerpoint/2010/main" val="3363658055"/>
       </p:ext>
     </p:extLst>
   </p:cSld>
@@ -15988,222 +16265,10 @@
       </p:grpSpPr>
       <p:sp>
         <p:nvSpPr>
-          <p:cNvPr id="2" name="Title 1">
-            <a:extLst>
-              <a:ext uri="{FF2B5EF4-FFF2-40B4-BE49-F238E27FC236}">
-                <a16:creationId xmlns:a16="http://schemas.microsoft.com/office/drawing/2014/main" id="{00C29119-EB12-4B2B-BF70-415E235B92E2}"/>
-              </a:ext>
-            </a:extLst>
-          </p:cNvPr>
-          <p:cNvSpPr>
-            <a:spLocks noGrp="1"/>
-          </p:cNvSpPr>
-          <p:nvPr>
-            <p:ph type="title"/>
-          </p:nvPr>
-        </p:nvSpPr>
-        <p:spPr/>
-        <p:txBody>
-          <a:bodyPr/>
-          <a:lstStyle/>
-          <a:p>
-            <a:r>
-              <a:rPr lang="en-US" dirty="0"/>
-              <a:t>Overview of </a:t>
-            </a:r>
-            <a:r>
-              <a:rPr lang="en-US" u="sng" dirty="0"/>
-              <a:t>SOME</a:t>
-            </a:r>
-            <a:r>
-              <a:rPr lang="en-US" dirty="0"/>
-              <a:t> Key ML Methods/Terms </a:t>
-            </a:r>
-          </a:p>
-        </p:txBody>
-      </p:sp>
-      <p:sp>
-        <p:nvSpPr>
-          <p:cNvPr id="3" name="Content Placeholder 2">
-            <a:extLst>
-              <a:ext uri="{FF2B5EF4-FFF2-40B4-BE49-F238E27FC236}">
-                <a16:creationId xmlns:a16="http://schemas.microsoft.com/office/drawing/2014/main" id="{7D9C13FB-F3EB-4BC0-B130-143DCC8FEBB4}"/>
-              </a:ext>
-            </a:extLst>
-          </p:cNvPr>
-          <p:cNvSpPr>
-            <a:spLocks noGrp="1"/>
-          </p:cNvSpPr>
-          <p:nvPr>
-            <p:ph idx="1"/>
-          </p:nvPr>
-        </p:nvSpPr>
-        <p:spPr>
-          <a:xfrm>
-            <a:off x="80554" y="804929"/>
-            <a:ext cx="10515600" cy="5916545"/>
-          </a:xfrm>
-        </p:spPr>
-        <p:txBody>
-          <a:bodyPr>
-            <a:normAutofit fontScale="77500" lnSpcReduction="20000"/>
-          </a:bodyPr>
-          <a:lstStyle/>
-          <a:p>
-            <a:r>
-              <a:rPr lang="en-US" dirty="0"/>
-              <a:t> Phase – 1 Idea Development </a:t>
-            </a:r>
-          </a:p>
-          <a:p>
-            <a:pPr lvl="1"/>
-            <a:r>
-              <a:rPr lang="en-US" dirty="0"/>
-              <a:t> Prediction versus Inference </a:t>
-            </a:r>
-          </a:p>
-          <a:p>
-            <a:pPr lvl="1"/>
-            <a:r>
-              <a:rPr lang="en-US" dirty="0"/>
-              <a:t> Independent Metric for Business Value</a:t>
-            </a:r>
-          </a:p>
-          <a:p>
-            <a:pPr lvl="1"/>
-            <a:r>
-              <a:rPr lang="en-US" dirty="0"/>
-              <a:t> Target Variable and features </a:t>
-            </a:r>
-          </a:p>
-          <a:p>
-            <a:pPr lvl="1"/>
-            <a:r>
-              <a:rPr lang="en-US" dirty="0"/>
-              <a:t> Classification versus Regression</a:t>
-            </a:r>
-          </a:p>
-          <a:p>
-            <a:pPr lvl="1"/>
-            <a:r>
-              <a:rPr lang="en-US" dirty="0"/>
-              <a:t> Probabilistic Interpretation </a:t>
-            </a:r>
-          </a:p>
-          <a:p>
-            <a:pPr lvl="1"/>
-            <a:r>
-              <a:rPr lang="en-US" dirty="0"/>
-              <a:t> Data acquisition/gathering     </a:t>
-            </a:r>
-          </a:p>
-          <a:p>
-            <a:r>
-              <a:rPr lang="en-US" b="1" dirty="0"/>
-              <a:t> Phase – 2 Data Prep and Problem Exploration</a:t>
-            </a:r>
-          </a:p>
-          <a:p>
-            <a:pPr lvl="1"/>
-            <a:r>
-              <a:rPr lang="en-US" b="1" dirty="0"/>
-              <a:t> Variable classes/types</a:t>
-            </a:r>
-          </a:p>
-          <a:p>
-            <a:pPr lvl="1"/>
-            <a:r>
-              <a:rPr lang="en-US" b="1" dirty="0"/>
-              <a:t> Scaling and/or Normalizing Data/One-Hot Encoding</a:t>
-            </a:r>
-          </a:p>
-          <a:p>
-            <a:pPr lvl="1"/>
-            <a:r>
-              <a:rPr lang="en-US" b="1" dirty="0"/>
-              <a:t> Missing Data </a:t>
-            </a:r>
-          </a:p>
-          <a:p>
-            <a:pPr lvl="1"/>
-            <a:r>
-              <a:rPr lang="en-US" b="1" dirty="0"/>
-              <a:t> Baseline – prevalence</a:t>
-            </a:r>
-          </a:p>
-          <a:p>
-            <a:pPr lvl="1"/>
-            <a:r>
-              <a:rPr lang="en-US" b="1" dirty="0"/>
-              <a:t> Data Partitioning/Sampling </a:t>
-            </a:r>
-          </a:p>
-          <a:p>
-            <a:pPr lvl="1"/>
-            <a:r>
-              <a:rPr lang="en-US" b="1" dirty="0"/>
-              <a:t> EDA (Summary Stats and Visuals)</a:t>
-            </a:r>
-          </a:p>
-          <a:p>
-            <a:r>
-              <a:rPr lang="en-US" dirty="0"/>
-              <a:t> Phase – 3 – Solution Model Development</a:t>
-            </a:r>
-          </a:p>
-          <a:p>
-            <a:pPr lvl="1"/>
-            <a:r>
-              <a:rPr lang="en-US" dirty="0"/>
-              <a:t> Parameters versus Hyperparameters</a:t>
-            </a:r>
-          </a:p>
-          <a:p>
-            <a:pPr lvl="1"/>
-            <a:r>
-              <a:rPr lang="en-US" dirty="0"/>
-              <a:t> Thresholding </a:t>
-            </a:r>
-          </a:p>
-          <a:p>
-            <a:pPr lvl="1"/>
-            <a:r>
-              <a:rPr lang="en-US" dirty="0"/>
-              <a:t> Feature Engineering</a:t>
-            </a:r>
-          </a:p>
-          <a:p>
-            <a:pPr lvl="1"/>
-            <a:r>
-              <a:rPr lang="en-US" dirty="0"/>
-              <a:t> Bias versus Variance Tradeoff </a:t>
-            </a:r>
-          </a:p>
-          <a:p>
-            <a:pPr lvl="1"/>
-            <a:r>
-              <a:rPr lang="en-US" dirty="0"/>
-              <a:t> Model Evaluation</a:t>
-            </a:r>
-          </a:p>
-          <a:p>
-            <a:pPr lvl="1"/>
-            <a:r>
-              <a:rPr lang="en-US" dirty="0"/>
-              <a:t>Non-parametric modelling (random state)</a:t>
-            </a:r>
-          </a:p>
-          <a:p>
-            <a:endParaRPr lang="en-US" dirty="0"/>
-          </a:p>
-        </p:txBody>
-      </p:sp>
-      <p:sp>
-        <p:nvSpPr>
           <p:cNvPr id="4" name="Slide Number Placeholder 3">
             <a:extLst>
               <a:ext uri="{FF2B5EF4-FFF2-40B4-BE49-F238E27FC236}">
-                <a16:creationId xmlns:a16="http://schemas.microsoft.com/office/drawing/2014/main" id="{D92C9808-45ED-4122-BCBD-B3884450838E}"/>
+                <a16:creationId xmlns:a16="http://schemas.microsoft.com/office/drawing/2014/main" id="{C667221D-B766-40ED-A03A-19924A4D7306}"/>
               </a:ext>
             </a:extLst>
           </p:cNvPr>
@@ -16228,10 +16293,65 @@
           </a:p>
         </p:txBody>
       </p:sp>
+      <p:sp>
+        <p:nvSpPr>
+          <p:cNvPr id="6" name="TextBox 5">
+            <a:extLst>
+              <a:ext uri="{FF2B5EF4-FFF2-40B4-BE49-F238E27FC236}">
+                <a16:creationId xmlns:a16="http://schemas.microsoft.com/office/drawing/2014/main" id="{DEBF97E3-23E0-4EDA-8855-C169847AD4CF}"/>
+              </a:ext>
+            </a:extLst>
+          </p:cNvPr>
+          <p:cNvSpPr txBox="1"/>
+          <p:nvPr/>
+        </p:nvSpPr>
+        <p:spPr>
+          <a:xfrm>
+            <a:off x="2507381" y="2331421"/>
+            <a:ext cx="5996539" cy="480131"/>
+          </a:xfrm>
+          <a:prstGeom prst="rect">
+            <a:avLst/>
+          </a:prstGeom>
+        </p:spPr>
+        <p:txBody>
+          <a:bodyPr vert="horz" lIns="91440" tIns="45720" rIns="91440" bIns="45720" rtlCol="0" anchor="ctr">
+            <a:noAutofit/>
+          </a:bodyPr>
+          <a:lstStyle>
+            <a:lvl1pPr>
+              <a:lnSpc>
+                <a:spcPct val="90000"/>
+              </a:lnSpc>
+              <a:spcBef>
+                <a:spcPct val="0"/>
+              </a:spcBef>
+              <a:buNone/>
+              <a:defRPr sz="2800" b="1">
+                <a:solidFill>
+                  <a:schemeClr val="accent1"/>
+                </a:solidFill>
+                <a:latin typeface="+mj-lt"/>
+                <a:ea typeface="+mj-ea"/>
+                <a:cs typeface="+mj-cs"/>
+              </a:defRPr>
+            </a:lvl1pPr>
+          </a:lstStyle>
+          <a:p>
+            <a:pPr algn="ctr"/>
+            <a:r>
+              <a:rPr lang="en-US" sz="4400" dirty="0">
+                <a:latin typeface="+mn-lt"/>
+              </a:rPr>
+              <a:t>Phase II</a:t>
+            </a:r>
+          </a:p>
+        </p:txBody>
+      </p:sp>
     </p:spTree>
     <p:extLst>
       <p:ext uri="{BB962C8B-B14F-4D97-AF65-F5344CB8AC3E}">
-        <p14:creationId xmlns:p14="http://schemas.microsoft.com/office/powerpoint/2010/main" val="1767199997"/>
+        <p14:creationId xmlns:p14="http://schemas.microsoft.com/office/powerpoint/2010/main" val="1901289011"/>
       </p:ext>
     </p:extLst>
   </p:cSld>
@@ -16281,7 +16401,15 @@
           <a:p>
             <a:r>
               <a:rPr lang="en-US" dirty="0"/>
-              <a:t>Overview of Key ML Methods/Terms </a:t>
+              <a:t>Overview of </a:t>
+            </a:r>
+            <a:r>
+              <a:rPr lang="en-US" u="sng" dirty="0"/>
+              <a:t>SOME</a:t>
+            </a:r>
+            <a:r>
+              <a:rPr lang="en-US" dirty="0"/>
+              <a:t> Key ML Methods/Terms </a:t>
             </a:r>
           </a:p>
         </p:txBody>
@@ -16304,25 +16432,160 @@
         </p:nvSpPr>
         <p:spPr>
           <a:xfrm>
-            <a:off x="80554" y="804930"/>
-            <a:ext cx="10515600" cy="5248208"/>
+            <a:off x="80554" y="804929"/>
+            <a:ext cx="10515600" cy="5916545"/>
           </a:xfrm>
         </p:spPr>
         <p:txBody>
           <a:bodyPr>
-            <a:normAutofit/>
+            <a:normAutofit fontScale="77500" lnSpcReduction="20000"/>
           </a:bodyPr>
           <a:lstStyle/>
           <a:p>
             <a:r>
               <a:rPr lang="en-US" dirty="0"/>
-              <a:t># Baseline – prevalence </a:t>
-            </a:r>
-          </a:p>
-          <a:p>
-            <a:pPr marL="0" indent="0">
-              <a:buNone/>
-            </a:pPr>
+              <a:t> Phase – 1 Idea Development </a:t>
+            </a:r>
+          </a:p>
+          <a:p>
+            <a:pPr lvl="1"/>
+            <a:r>
+              <a:rPr lang="en-US" dirty="0"/>
+              <a:t> Prediction versus Inference </a:t>
+            </a:r>
+          </a:p>
+          <a:p>
+            <a:pPr lvl="1"/>
+            <a:r>
+              <a:rPr lang="en-US" dirty="0"/>
+              <a:t> Independent Metric for Business Value</a:t>
+            </a:r>
+          </a:p>
+          <a:p>
+            <a:pPr lvl="1"/>
+            <a:r>
+              <a:rPr lang="en-US" dirty="0"/>
+              <a:t> Target Variable and features </a:t>
+            </a:r>
+          </a:p>
+          <a:p>
+            <a:pPr lvl="1"/>
+            <a:r>
+              <a:rPr lang="en-US" dirty="0"/>
+              <a:t> Classification versus Regression</a:t>
+            </a:r>
+          </a:p>
+          <a:p>
+            <a:pPr lvl="1"/>
+            <a:r>
+              <a:rPr lang="en-US" dirty="0"/>
+              <a:t> Probabilistic Interpretation </a:t>
+            </a:r>
+          </a:p>
+          <a:p>
+            <a:pPr lvl="1"/>
+            <a:r>
+              <a:rPr lang="en-US" dirty="0"/>
+              <a:t> Data acquisition/gathering     </a:t>
+            </a:r>
+          </a:p>
+          <a:p>
+            <a:r>
+              <a:rPr lang="en-US" b="1" dirty="0"/>
+              <a:t> Phase – 2 Data Prep and Problem Exploration</a:t>
+            </a:r>
+          </a:p>
+          <a:p>
+            <a:pPr lvl="1"/>
+            <a:r>
+              <a:rPr lang="en-US" b="1" dirty="0"/>
+              <a:t> Variable classes/types</a:t>
+            </a:r>
+          </a:p>
+          <a:p>
+            <a:pPr lvl="1"/>
+            <a:r>
+              <a:rPr lang="en-US" b="1" dirty="0"/>
+              <a:t> Scaling and/or Normalizing Data/One-Hot Encoding</a:t>
+            </a:r>
+          </a:p>
+          <a:p>
+            <a:pPr lvl="1"/>
+            <a:r>
+              <a:rPr lang="en-US" b="1" dirty="0"/>
+              <a:t> Missing Data </a:t>
+            </a:r>
+          </a:p>
+          <a:p>
+            <a:pPr lvl="1"/>
+            <a:r>
+              <a:rPr lang="en-US" b="1" dirty="0"/>
+              <a:t> Baseline – prevalence</a:t>
+            </a:r>
+          </a:p>
+          <a:p>
+            <a:pPr lvl="1"/>
+            <a:r>
+              <a:rPr lang="en-US" b="1" dirty="0"/>
+              <a:t> Data Partitioning/Sampling </a:t>
+            </a:r>
+          </a:p>
+          <a:p>
+            <a:pPr lvl="1"/>
+            <a:r>
+              <a:rPr lang="en-US" b="1" dirty="0"/>
+              <a:t> EDA (Summary Stats and Visuals)</a:t>
+            </a:r>
+          </a:p>
+          <a:p>
+            <a:r>
+              <a:rPr lang="en-US" dirty="0"/>
+              <a:t> Phase – 3 – Solution Model Development</a:t>
+            </a:r>
+          </a:p>
+          <a:p>
+            <a:pPr lvl="1"/>
+            <a:r>
+              <a:rPr lang="en-US" dirty="0"/>
+              <a:t> Parameters versus Hyperparameters</a:t>
+            </a:r>
+          </a:p>
+          <a:p>
+            <a:pPr lvl="1"/>
+            <a:r>
+              <a:rPr lang="en-US" dirty="0"/>
+              <a:t> Thresholding </a:t>
+            </a:r>
+          </a:p>
+          <a:p>
+            <a:pPr lvl="1"/>
+            <a:r>
+              <a:rPr lang="en-US" dirty="0"/>
+              <a:t> Feature Engineering</a:t>
+            </a:r>
+          </a:p>
+          <a:p>
+            <a:pPr lvl="1"/>
+            <a:r>
+              <a:rPr lang="en-US" dirty="0"/>
+              <a:t> Bias versus Variance Tradeoff </a:t>
+            </a:r>
+          </a:p>
+          <a:p>
+            <a:pPr lvl="1"/>
+            <a:r>
+              <a:rPr lang="en-US" dirty="0"/>
+              <a:t> Model Evaluation</a:t>
+            </a:r>
+          </a:p>
+          <a:p>
+            <a:pPr lvl="1"/>
+            <a:r>
+              <a:rPr lang="en-US" dirty="0"/>
+              <a:t>Non-parametric modelling (random state)</a:t>
+            </a:r>
+          </a:p>
+          <a:p>
             <a:endParaRPr lang="en-US" dirty="0"/>
           </a:p>
         </p:txBody>
@@ -16360,7 +16623,7 @@
     </p:spTree>
     <p:extLst>
       <p:ext uri="{BB962C8B-B14F-4D97-AF65-F5344CB8AC3E}">
-        <p14:creationId xmlns:p14="http://schemas.microsoft.com/office/powerpoint/2010/main" val="1229894589"/>
+        <p14:creationId xmlns:p14="http://schemas.microsoft.com/office/powerpoint/2010/main" val="1767199997"/>
       </p:ext>
     </p:extLst>
   </p:cSld>
@@ -16389,10 +16652,79 @@
       </p:grpSpPr>
       <p:sp>
         <p:nvSpPr>
+          <p:cNvPr id="2" name="Title 1">
+            <a:extLst>
+              <a:ext uri="{FF2B5EF4-FFF2-40B4-BE49-F238E27FC236}">
+                <a16:creationId xmlns:a16="http://schemas.microsoft.com/office/drawing/2014/main" id="{00C29119-EB12-4B2B-BF70-415E235B92E2}"/>
+              </a:ext>
+            </a:extLst>
+          </p:cNvPr>
+          <p:cNvSpPr>
+            <a:spLocks noGrp="1"/>
+          </p:cNvSpPr>
+          <p:nvPr>
+            <p:ph type="title"/>
+          </p:nvPr>
+        </p:nvSpPr>
+        <p:spPr/>
+        <p:txBody>
+          <a:bodyPr/>
+          <a:lstStyle/>
+          <a:p>
+            <a:r>
+              <a:rPr lang="en-US" dirty="0"/>
+              <a:t>Overview of Key ML Methods/Terms </a:t>
+            </a:r>
+          </a:p>
+        </p:txBody>
+      </p:sp>
+      <p:sp>
+        <p:nvSpPr>
+          <p:cNvPr id="3" name="Content Placeholder 2">
+            <a:extLst>
+              <a:ext uri="{FF2B5EF4-FFF2-40B4-BE49-F238E27FC236}">
+                <a16:creationId xmlns:a16="http://schemas.microsoft.com/office/drawing/2014/main" id="{7D9C13FB-F3EB-4BC0-B130-143DCC8FEBB4}"/>
+              </a:ext>
+            </a:extLst>
+          </p:cNvPr>
+          <p:cNvSpPr>
+            <a:spLocks noGrp="1"/>
+          </p:cNvSpPr>
+          <p:nvPr>
+            <p:ph idx="1"/>
+          </p:nvPr>
+        </p:nvSpPr>
+        <p:spPr>
+          <a:xfrm>
+            <a:off x="80554" y="804930"/>
+            <a:ext cx="10515600" cy="5248208"/>
+          </a:xfrm>
+        </p:spPr>
+        <p:txBody>
+          <a:bodyPr>
+            <a:normAutofit/>
+          </a:bodyPr>
+          <a:lstStyle/>
+          <a:p>
+            <a:r>
+              <a:rPr lang="en-US" dirty="0"/>
+              <a:t># Baseline – prevalence </a:t>
+            </a:r>
+          </a:p>
+          <a:p>
+            <a:pPr marL="0" indent="0">
+              <a:buNone/>
+            </a:pPr>
+            <a:endParaRPr lang="en-US" dirty="0"/>
+          </a:p>
+        </p:txBody>
+      </p:sp>
+      <p:sp>
+        <p:nvSpPr>
           <p:cNvPr id="4" name="Slide Number Placeholder 3">
             <a:extLst>
               <a:ext uri="{FF2B5EF4-FFF2-40B4-BE49-F238E27FC236}">
-                <a16:creationId xmlns:a16="http://schemas.microsoft.com/office/drawing/2014/main" id="{C667221D-B766-40ED-A03A-19924A4D7306}"/>
+                <a16:creationId xmlns:a16="http://schemas.microsoft.com/office/drawing/2014/main" id="{D92C9808-45ED-4122-BCBD-B3884450838E}"/>
               </a:ext>
             </a:extLst>
           </p:cNvPr>
@@ -16417,65 +16749,10 @@
           </a:p>
         </p:txBody>
       </p:sp>
-      <p:sp>
-        <p:nvSpPr>
-          <p:cNvPr id="5" name="TextBox 4">
-            <a:extLst>
-              <a:ext uri="{FF2B5EF4-FFF2-40B4-BE49-F238E27FC236}">
-                <a16:creationId xmlns:a16="http://schemas.microsoft.com/office/drawing/2014/main" id="{1FD86F04-C8D3-42C5-B690-9A13F1BB5033}"/>
-              </a:ext>
-            </a:extLst>
-          </p:cNvPr>
-          <p:cNvSpPr txBox="1"/>
-          <p:nvPr/>
-        </p:nvSpPr>
-        <p:spPr>
-          <a:xfrm>
-            <a:off x="2507381" y="2329259"/>
-            <a:ext cx="5996539" cy="480131"/>
-          </a:xfrm>
-          <a:prstGeom prst="rect">
-            <a:avLst/>
-          </a:prstGeom>
-        </p:spPr>
-        <p:txBody>
-          <a:bodyPr vert="horz" lIns="91440" tIns="45720" rIns="91440" bIns="45720" rtlCol="0" anchor="ctr">
-            <a:noAutofit/>
-          </a:bodyPr>
-          <a:lstStyle>
-            <a:lvl1pPr>
-              <a:lnSpc>
-                <a:spcPct val="90000"/>
-              </a:lnSpc>
-              <a:spcBef>
-                <a:spcPct val="0"/>
-              </a:spcBef>
-              <a:buNone/>
-              <a:defRPr sz="2800" b="1">
-                <a:solidFill>
-                  <a:schemeClr val="accent1"/>
-                </a:solidFill>
-                <a:latin typeface="+mj-lt"/>
-                <a:ea typeface="+mj-ea"/>
-                <a:cs typeface="+mj-cs"/>
-              </a:defRPr>
-            </a:lvl1pPr>
-          </a:lstStyle>
-          <a:p>
-            <a:pPr algn="ctr"/>
-            <a:r>
-              <a:rPr lang="en-US" sz="4400" dirty="0">
-                <a:latin typeface="+mn-lt"/>
-              </a:rPr>
-              <a:t>Phase III</a:t>
-            </a:r>
-          </a:p>
-        </p:txBody>
-      </p:sp>
     </p:spTree>
     <p:extLst>
       <p:ext uri="{BB962C8B-B14F-4D97-AF65-F5344CB8AC3E}">
-        <p14:creationId xmlns:p14="http://schemas.microsoft.com/office/powerpoint/2010/main" val="382854067"/>
+        <p14:creationId xmlns:p14="http://schemas.microsoft.com/office/powerpoint/2010/main" val="1229894589"/>
       </p:ext>
     </p:extLst>
   </p:cSld>
@@ -16504,222 +16781,10 @@
       </p:grpSpPr>
       <p:sp>
         <p:nvSpPr>
-          <p:cNvPr id="2" name="Title 1">
-            <a:extLst>
-              <a:ext uri="{FF2B5EF4-FFF2-40B4-BE49-F238E27FC236}">
-                <a16:creationId xmlns:a16="http://schemas.microsoft.com/office/drawing/2014/main" id="{00C29119-EB12-4B2B-BF70-415E235B92E2}"/>
-              </a:ext>
-            </a:extLst>
-          </p:cNvPr>
-          <p:cNvSpPr>
-            <a:spLocks noGrp="1"/>
-          </p:cNvSpPr>
-          <p:nvPr>
-            <p:ph type="title"/>
-          </p:nvPr>
-        </p:nvSpPr>
-        <p:spPr/>
-        <p:txBody>
-          <a:bodyPr/>
-          <a:lstStyle/>
-          <a:p>
-            <a:r>
-              <a:rPr lang="en-US" dirty="0"/>
-              <a:t>Overview of </a:t>
-            </a:r>
-            <a:r>
-              <a:rPr lang="en-US" u="sng" dirty="0"/>
-              <a:t>SOME</a:t>
-            </a:r>
-            <a:r>
-              <a:rPr lang="en-US" dirty="0"/>
-              <a:t> Key ML Methods/Terms </a:t>
-            </a:r>
-          </a:p>
-        </p:txBody>
-      </p:sp>
-      <p:sp>
-        <p:nvSpPr>
-          <p:cNvPr id="3" name="Content Placeholder 2">
-            <a:extLst>
-              <a:ext uri="{FF2B5EF4-FFF2-40B4-BE49-F238E27FC236}">
-                <a16:creationId xmlns:a16="http://schemas.microsoft.com/office/drawing/2014/main" id="{7D9C13FB-F3EB-4BC0-B130-143DCC8FEBB4}"/>
-              </a:ext>
-            </a:extLst>
-          </p:cNvPr>
-          <p:cNvSpPr>
-            <a:spLocks noGrp="1"/>
-          </p:cNvSpPr>
-          <p:nvPr>
-            <p:ph idx="1"/>
-          </p:nvPr>
-        </p:nvSpPr>
-        <p:spPr>
-          <a:xfrm>
-            <a:off x="80554" y="804930"/>
-            <a:ext cx="10515600" cy="5955466"/>
-          </a:xfrm>
-        </p:spPr>
-        <p:txBody>
-          <a:bodyPr>
-            <a:normAutofit fontScale="77500" lnSpcReduction="20000"/>
-          </a:bodyPr>
-          <a:lstStyle/>
-          <a:p>
-            <a:r>
-              <a:rPr lang="en-US" dirty="0"/>
-              <a:t> Phase – 1 Idea Development </a:t>
-            </a:r>
-          </a:p>
-          <a:p>
-            <a:pPr lvl="1"/>
-            <a:r>
-              <a:rPr lang="en-US" dirty="0"/>
-              <a:t> Prediction versus Inference </a:t>
-            </a:r>
-          </a:p>
-          <a:p>
-            <a:pPr lvl="1"/>
-            <a:r>
-              <a:rPr lang="en-US" dirty="0"/>
-              <a:t> Independent Metric for Business Value</a:t>
-            </a:r>
-          </a:p>
-          <a:p>
-            <a:pPr lvl="1"/>
-            <a:r>
-              <a:rPr lang="en-US" dirty="0"/>
-              <a:t> Target Variable and features </a:t>
-            </a:r>
-          </a:p>
-          <a:p>
-            <a:pPr lvl="1"/>
-            <a:r>
-              <a:rPr lang="en-US" dirty="0"/>
-              <a:t> Classification versus Regression</a:t>
-            </a:r>
-          </a:p>
-          <a:p>
-            <a:pPr lvl="1"/>
-            <a:r>
-              <a:rPr lang="en-US" dirty="0"/>
-              <a:t> Probabilistic Interpretation</a:t>
-            </a:r>
-          </a:p>
-          <a:p>
-            <a:pPr lvl="1"/>
-            <a:r>
-              <a:rPr lang="en-US" dirty="0"/>
-              <a:t> Data acquisition/gathering      </a:t>
-            </a:r>
-          </a:p>
-          <a:p>
-            <a:r>
-              <a:rPr lang="en-US" dirty="0"/>
-              <a:t> Phase – 2 Data Prep and Problem Exploration</a:t>
-            </a:r>
-          </a:p>
-          <a:p>
-            <a:pPr lvl="1"/>
-            <a:r>
-              <a:rPr lang="en-US" dirty="0"/>
-              <a:t> Variable classes/types</a:t>
-            </a:r>
-          </a:p>
-          <a:p>
-            <a:pPr lvl="1"/>
-            <a:r>
-              <a:rPr lang="en-US" dirty="0"/>
-              <a:t> Scaling and/or Normalizing Data/One-Hot Encoding</a:t>
-            </a:r>
-          </a:p>
-          <a:p>
-            <a:pPr lvl="1"/>
-            <a:r>
-              <a:rPr lang="en-US" dirty="0"/>
-              <a:t> Missing Data </a:t>
-            </a:r>
-          </a:p>
-          <a:p>
-            <a:pPr lvl="1"/>
-            <a:r>
-              <a:rPr lang="en-US" dirty="0"/>
-              <a:t> Baseline – prevalence</a:t>
-            </a:r>
-          </a:p>
-          <a:p>
-            <a:pPr lvl="1"/>
-            <a:r>
-              <a:rPr lang="en-US" dirty="0"/>
-              <a:t> Data Partitioning/Sampling </a:t>
-            </a:r>
-          </a:p>
-          <a:p>
-            <a:pPr lvl="1"/>
-            <a:r>
-              <a:rPr lang="en-US" dirty="0"/>
-              <a:t> EDA (Summary Stats and Visuals)</a:t>
-            </a:r>
-          </a:p>
-          <a:p>
-            <a:r>
-              <a:rPr lang="en-US" b="1" dirty="0"/>
-              <a:t> Phase – 3 – Solution Model Development</a:t>
-            </a:r>
-          </a:p>
-          <a:p>
-            <a:pPr lvl="1"/>
-            <a:r>
-              <a:rPr lang="en-US" b="1" dirty="0"/>
-              <a:t> Parameters versus Hyperparameters</a:t>
-            </a:r>
-          </a:p>
-          <a:p>
-            <a:pPr lvl="1"/>
-            <a:r>
-              <a:rPr lang="en-US" b="1" dirty="0"/>
-              <a:t> Thresholding </a:t>
-            </a:r>
-          </a:p>
-          <a:p>
-            <a:pPr lvl="1"/>
-            <a:r>
-              <a:rPr lang="en-US" b="1" dirty="0"/>
-              <a:t> Feature Engineering</a:t>
-            </a:r>
-          </a:p>
-          <a:p>
-            <a:pPr lvl="1"/>
-            <a:r>
-              <a:rPr lang="en-US" b="1" dirty="0"/>
-              <a:t> Bias versus Variance Tradeoff </a:t>
-            </a:r>
-          </a:p>
-          <a:p>
-            <a:pPr lvl="1"/>
-            <a:r>
-              <a:rPr lang="en-US" b="1" dirty="0"/>
-              <a:t> Model Evaluation </a:t>
-            </a:r>
-          </a:p>
-          <a:p>
-            <a:pPr lvl="1"/>
-            <a:r>
-              <a:rPr lang="en-US" b="1" dirty="0"/>
-              <a:t> Non-parametric modelling (random state) </a:t>
-            </a:r>
-          </a:p>
-          <a:p>
-            <a:endParaRPr lang="en-US" dirty="0"/>
-          </a:p>
-        </p:txBody>
-      </p:sp>
-      <p:sp>
-        <p:nvSpPr>
           <p:cNvPr id="4" name="Slide Number Placeholder 3">
             <a:extLst>
               <a:ext uri="{FF2B5EF4-FFF2-40B4-BE49-F238E27FC236}">
-                <a16:creationId xmlns:a16="http://schemas.microsoft.com/office/drawing/2014/main" id="{D92C9808-45ED-4122-BCBD-B3884450838E}"/>
+                <a16:creationId xmlns:a16="http://schemas.microsoft.com/office/drawing/2014/main" id="{C667221D-B766-40ED-A03A-19924A4D7306}"/>
               </a:ext>
             </a:extLst>
           </p:cNvPr>
@@ -16744,10 +16809,65 @@
           </a:p>
         </p:txBody>
       </p:sp>
+      <p:sp>
+        <p:nvSpPr>
+          <p:cNvPr id="5" name="TextBox 4">
+            <a:extLst>
+              <a:ext uri="{FF2B5EF4-FFF2-40B4-BE49-F238E27FC236}">
+                <a16:creationId xmlns:a16="http://schemas.microsoft.com/office/drawing/2014/main" id="{1FD86F04-C8D3-42C5-B690-9A13F1BB5033}"/>
+              </a:ext>
+            </a:extLst>
+          </p:cNvPr>
+          <p:cNvSpPr txBox="1"/>
+          <p:nvPr/>
+        </p:nvSpPr>
+        <p:spPr>
+          <a:xfrm>
+            <a:off x="2507381" y="2329259"/>
+            <a:ext cx="5996539" cy="480131"/>
+          </a:xfrm>
+          <a:prstGeom prst="rect">
+            <a:avLst/>
+          </a:prstGeom>
+        </p:spPr>
+        <p:txBody>
+          <a:bodyPr vert="horz" lIns="91440" tIns="45720" rIns="91440" bIns="45720" rtlCol="0" anchor="ctr">
+            <a:noAutofit/>
+          </a:bodyPr>
+          <a:lstStyle>
+            <a:lvl1pPr>
+              <a:lnSpc>
+                <a:spcPct val="90000"/>
+              </a:lnSpc>
+              <a:spcBef>
+                <a:spcPct val="0"/>
+              </a:spcBef>
+              <a:buNone/>
+              <a:defRPr sz="2800" b="1">
+                <a:solidFill>
+                  <a:schemeClr val="accent1"/>
+                </a:solidFill>
+                <a:latin typeface="+mj-lt"/>
+                <a:ea typeface="+mj-ea"/>
+                <a:cs typeface="+mj-cs"/>
+              </a:defRPr>
+            </a:lvl1pPr>
+          </a:lstStyle>
+          <a:p>
+            <a:pPr algn="ctr"/>
+            <a:r>
+              <a:rPr lang="en-US" sz="4400" dirty="0">
+                <a:latin typeface="+mn-lt"/>
+              </a:rPr>
+              <a:t>Phase III</a:t>
+            </a:r>
+          </a:p>
+        </p:txBody>
+      </p:sp>
     </p:spTree>
     <p:extLst>
       <p:ext uri="{BB962C8B-B14F-4D97-AF65-F5344CB8AC3E}">
-        <p14:creationId xmlns:p14="http://schemas.microsoft.com/office/powerpoint/2010/main" val="361727140"/>
+        <p14:creationId xmlns:p14="http://schemas.microsoft.com/office/powerpoint/2010/main" val="382854067"/>
       </p:ext>
     </p:extLst>
   </p:cSld>
@@ -16797,7 +16917,15 @@
           <a:p>
             <a:r>
               <a:rPr lang="en-US" dirty="0"/>
-              <a:t>Overview of Key ML Methods/Terms </a:t>
+              <a:t>Overview of </a:t>
+            </a:r>
+            <a:r>
+              <a:rPr lang="en-US" u="sng" dirty="0"/>
+              <a:t>SOME</a:t>
+            </a:r>
+            <a:r>
+              <a:rPr lang="en-US" dirty="0"/>
+              <a:t> Key ML Methods/Terms </a:t>
             </a:r>
           </a:p>
         </p:txBody>
@@ -16821,19 +16949,160 @@
         <p:spPr>
           <a:xfrm>
             <a:off x="80554" y="804930"/>
-            <a:ext cx="10515600" cy="5248208"/>
+            <a:ext cx="10515600" cy="5955466"/>
           </a:xfrm>
         </p:spPr>
         <p:txBody>
           <a:bodyPr>
-            <a:normAutofit/>
+            <a:normAutofit fontScale="77500" lnSpcReduction="20000"/>
           </a:bodyPr>
           <a:lstStyle/>
           <a:p>
             <a:r>
               <a:rPr lang="en-US" dirty="0"/>
-              <a:t># Feature Engineering – Combining or exploring different levels of variable that best work in your model. Likely going to dedicate a week to just this topic.  </a:t>
-            </a:r>
+              <a:t> Phase – 1 Idea Development </a:t>
+            </a:r>
+          </a:p>
+          <a:p>
+            <a:pPr lvl="1"/>
+            <a:r>
+              <a:rPr lang="en-US" dirty="0"/>
+              <a:t> Prediction versus Inference </a:t>
+            </a:r>
+          </a:p>
+          <a:p>
+            <a:pPr lvl="1"/>
+            <a:r>
+              <a:rPr lang="en-US" dirty="0"/>
+              <a:t> Independent Metric for Business Value</a:t>
+            </a:r>
+          </a:p>
+          <a:p>
+            <a:pPr lvl="1"/>
+            <a:r>
+              <a:rPr lang="en-US" dirty="0"/>
+              <a:t> Target Variable and features </a:t>
+            </a:r>
+          </a:p>
+          <a:p>
+            <a:pPr lvl="1"/>
+            <a:r>
+              <a:rPr lang="en-US" dirty="0"/>
+              <a:t> Classification versus Regression</a:t>
+            </a:r>
+          </a:p>
+          <a:p>
+            <a:pPr lvl="1"/>
+            <a:r>
+              <a:rPr lang="en-US" dirty="0"/>
+              <a:t> Probabilistic Interpretation</a:t>
+            </a:r>
+          </a:p>
+          <a:p>
+            <a:pPr lvl="1"/>
+            <a:r>
+              <a:rPr lang="en-US" dirty="0"/>
+              <a:t> Data acquisition/gathering      </a:t>
+            </a:r>
+          </a:p>
+          <a:p>
+            <a:r>
+              <a:rPr lang="en-US" dirty="0"/>
+              <a:t> Phase – 2 Data Prep and Problem Exploration</a:t>
+            </a:r>
+          </a:p>
+          <a:p>
+            <a:pPr lvl="1"/>
+            <a:r>
+              <a:rPr lang="en-US" dirty="0"/>
+              <a:t> Variable classes/types</a:t>
+            </a:r>
+          </a:p>
+          <a:p>
+            <a:pPr lvl="1"/>
+            <a:r>
+              <a:rPr lang="en-US" dirty="0"/>
+              <a:t> Scaling and/or Normalizing Data/One-Hot Encoding</a:t>
+            </a:r>
+          </a:p>
+          <a:p>
+            <a:pPr lvl="1"/>
+            <a:r>
+              <a:rPr lang="en-US" dirty="0"/>
+              <a:t> Missing Data </a:t>
+            </a:r>
+          </a:p>
+          <a:p>
+            <a:pPr lvl="1"/>
+            <a:r>
+              <a:rPr lang="en-US" dirty="0"/>
+              <a:t> Baseline – prevalence</a:t>
+            </a:r>
+          </a:p>
+          <a:p>
+            <a:pPr lvl="1"/>
+            <a:r>
+              <a:rPr lang="en-US" dirty="0"/>
+              <a:t> Data Partitioning/Sampling </a:t>
+            </a:r>
+          </a:p>
+          <a:p>
+            <a:pPr lvl="1"/>
+            <a:r>
+              <a:rPr lang="en-US" dirty="0"/>
+              <a:t> EDA (Summary Stats and Visuals)</a:t>
+            </a:r>
+          </a:p>
+          <a:p>
+            <a:r>
+              <a:rPr lang="en-US" b="1" dirty="0"/>
+              <a:t> Phase – 3 – Solution Model Development</a:t>
+            </a:r>
+          </a:p>
+          <a:p>
+            <a:pPr lvl="1"/>
+            <a:r>
+              <a:rPr lang="en-US" b="1" dirty="0"/>
+              <a:t> Parameters versus Hyperparameters</a:t>
+            </a:r>
+          </a:p>
+          <a:p>
+            <a:pPr lvl="1"/>
+            <a:r>
+              <a:rPr lang="en-US" b="1" dirty="0"/>
+              <a:t> Thresholding </a:t>
+            </a:r>
+          </a:p>
+          <a:p>
+            <a:pPr lvl="1"/>
+            <a:r>
+              <a:rPr lang="en-US" b="1" dirty="0"/>
+              <a:t> Feature Engineering</a:t>
+            </a:r>
+          </a:p>
+          <a:p>
+            <a:pPr lvl="1"/>
+            <a:r>
+              <a:rPr lang="en-US" b="1" dirty="0"/>
+              <a:t> Bias versus Variance Tradeoff </a:t>
+            </a:r>
+          </a:p>
+          <a:p>
+            <a:pPr lvl="1"/>
+            <a:r>
+              <a:rPr lang="en-US" b="1" dirty="0"/>
+              <a:t> Model Evaluation </a:t>
+            </a:r>
+          </a:p>
+          <a:p>
+            <a:pPr lvl="1"/>
+            <a:r>
+              <a:rPr lang="en-US" b="1" dirty="0"/>
+              <a:t> Non-parametric modelling (random state) </a:t>
+            </a:r>
+          </a:p>
+          <a:p>
+            <a:endParaRPr lang="en-US" dirty="0"/>
           </a:p>
         </p:txBody>
       </p:sp>
@@ -16870,7 +17139,7 @@
     </p:spTree>
     <p:extLst>
       <p:ext uri="{BB962C8B-B14F-4D97-AF65-F5344CB8AC3E}">
-        <p14:creationId xmlns:p14="http://schemas.microsoft.com/office/powerpoint/2010/main" val="173245280"/>
+        <p14:creationId xmlns:p14="http://schemas.microsoft.com/office/powerpoint/2010/main" val="361727140"/>
       </p:ext>
     </p:extLst>
   </p:cSld>
@@ -16955,16 +17224,7 @@
           <a:p>
             <a:r>
               <a:rPr lang="en-US" dirty="0"/>
-              <a:t> Thresholding – The percentage point where our models will predict the result to be either a 0 or 1, in the typical binary case. </a:t>
-            </a:r>
-          </a:p>
-          <a:p>
-            <a:endParaRPr lang="en-US" dirty="0"/>
-          </a:p>
-          <a:p>
-            <a:r>
-              <a:rPr lang="en-US" dirty="0"/>
-              <a:t> Adjust the threshold associated with indication of a positive class.  The default is 50%, could be that we want to be extra careful and instead adjust that measure up to 75% or 90%. </a:t>
+              <a:t># Feature Engineering – Combining or exploring different levels of variable that best work in your model. Likely going to dedicate a week to just this topic.  </a:t>
             </a:r>
           </a:p>
         </p:txBody>
@@ -17002,7 +17262,7 @@
     </p:spTree>
     <p:extLst>
       <p:ext uri="{BB962C8B-B14F-4D97-AF65-F5344CB8AC3E}">
-        <p14:creationId xmlns:p14="http://schemas.microsoft.com/office/powerpoint/2010/main" val="3307537858"/>
+        <p14:creationId xmlns:p14="http://schemas.microsoft.com/office/powerpoint/2010/main" val="173245280"/>
       </p:ext>
     </p:extLst>
   </p:cSld>
@@ -17087,7 +17347,16 @@
           <a:p>
             <a:r>
               <a:rPr lang="en-US" dirty="0"/>
-              <a:t> Evaluation – The metrics you use to assess model quality. There are a ton of this measures, and we are dedicating an entire week to the exploring these further.  I’ll show some examples in the code for this week. </a:t>
+              <a:t> Thresholding – The percentage point where our models will predict the result to be either a 0 or 1, in the typical binary case. </a:t>
+            </a:r>
+          </a:p>
+          <a:p>
+            <a:endParaRPr lang="en-US" dirty="0"/>
+          </a:p>
+          <a:p>
+            <a:r>
+              <a:rPr lang="en-US" dirty="0"/>
+              <a:t> Adjust the threshold associated with indication of a positive class.  The default is 50%, could be that we want to be extra careful and instead adjust that measure up to 75% or 90%. </a:t>
             </a:r>
           </a:p>
         </p:txBody>
@@ -17125,7 +17394,7 @@
     </p:spTree>
     <p:extLst>
       <p:ext uri="{BB962C8B-B14F-4D97-AF65-F5344CB8AC3E}">
-        <p14:creationId xmlns:p14="http://schemas.microsoft.com/office/powerpoint/2010/main" val="1353548055"/>
+        <p14:creationId xmlns:p14="http://schemas.microsoft.com/office/powerpoint/2010/main" val="3307537858"/>
       </p:ext>
     </p:extLst>
   </p:cSld>
@@ -19399,6 +19668,129 @@
       </p:grpSpPr>
       <p:sp>
         <p:nvSpPr>
+          <p:cNvPr id="2" name="Title 1">
+            <a:extLst>
+              <a:ext uri="{FF2B5EF4-FFF2-40B4-BE49-F238E27FC236}">
+                <a16:creationId xmlns:a16="http://schemas.microsoft.com/office/drawing/2014/main" id="{00C29119-EB12-4B2B-BF70-415E235B92E2}"/>
+              </a:ext>
+            </a:extLst>
+          </p:cNvPr>
+          <p:cNvSpPr>
+            <a:spLocks noGrp="1"/>
+          </p:cNvSpPr>
+          <p:nvPr>
+            <p:ph type="title"/>
+          </p:nvPr>
+        </p:nvSpPr>
+        <p:spPr/>
+        <p:txBody>
+          <a:bodyPr/>
+          <a:lstStyle/>
+          <a:p>
+            <a:r>
+              <a:rPr lang="en-US" dirty="0"/>
+              <a:t>Overview of Key ML Methods/Terms </a:t>
+            </a:r>
+          </a:p>
+        </p:txBody>
+      </p:sp>
+      <p:sp>
+        <p:nvSpPr>
+          <p:cNvPr id="3" name="Content Placeholder 2">
+            <a:extLst>
+              <a:ext uri="{FF2B5EF4-FFF2-40B4-BE49-F238E27FC236}">
+                <a16:creationId xmlns:a16="http://schemas.microsoft.com/office/drawing/2014/main" id="{7D9C13FB-F3EB-4BC0-B130-143DCC8FEBB4}"/>
+              </a:ext>
+            </a:extLst>
+          </p:cNvPr>
+          <p:cNvSpPr>
+            <a:spLocks noGrp="1"/>
+          </p:cNvSpPr>
+          <p:nvPr>
+            <p:ph idx="1"/>
+          </p:nvPr>
+        </p:nvSpPr>
+        <p:spPr>
+          <a:xfrm>
+            <a:off x="80554" y="804930"/>
+            <a:ext cx="10515600" cy="5248208"/>
+          </a:xfrm>
+        </p:spPr>
+        <p:txBody>
+          <a:bodyPr>
+            <a:normAutofit/>
+          </a:bodyPr>
+          <a:lstStyle/>
+          <a:p>
+            <a:r>
+              <a:rPr lang="en-US" dirty="0"/>
+              <a:t> Evaluation – The metrics you use to assess model quality. There are a ton of this measures, and we are dedicating an entire week to the exploring these further.  I’ll show some examples in the code for this week. </a:t>
+            </a:r>
+          </a:p>
+        </p:txBody>
+      </p:sp>
+      <p:sp>
+        <p:nvSpPr>
+          <p:cNvPr id="4" name="Slide Number Placeholder 3">
+            <a:extLst>
+              <a:ext uri="{FF2B5EF4-FFF2-40B4-BE49-F238E27FC236}">
+                <a16:creationId xmlns:a16="http://schemas.microsoft.com/office/drawing/2014/main" id="{D92C9808-45ED-4122-BCBD-B3884450838E}"/>
+              </a:ext>
+            </a:extLst>
+          </p:cNvPr>
+          <p:cNvSpPr>
+            <a:spLocks noGrp="1"/>
+          </p:cNvSpPr>
+          <p:nvPr>
+            <p:ph type="sldNum" sz="quarter" idx="12"/>
+          </p:nvPr>
+        </p:nvSpPr>
+        <p:spPr/>
+        <p:txBody>
+          <a:bodyPr/>
+          <a:lstStyle/>
+          <a:p>
+            <a:fld id="{5ACD0CF0-90CC-9C41-A77B-2776398A8C8B}" type="slidenum">
+              <a:rPr lang="en-US" smtClean="0"/>
+              <a:pPr/>
+              <a:t>40</a:t>
+            </a:fld>
+            <a:endParaRPr lang="en-US"/>
+          </a:p>
+        </p:txBody>
+      </p:sp>
+    </p:spTree>
+    <p:extLst>
+      <p:ext uri="{BB962C8B-B14F-4D97-AF65-F5344CB8AC3E}">
+        <p14:creationId xmlns:p14="http://schemas.microsoft.com/office/powerpoint/2010/main" val="1353548055"/>
+      </p:ext>
+    </p:extLst>
+  </p:cSld>
+  <p:clrMapOvr>
+    <a:masterClrMapping/>
+  </p:clrMapOvr>
+</p:sld>
+</file>
+
+<file path=ppt/slides/slide41.xml><?xml version="1.0" encoding="utf-8"?>
+<p:sld xmlns:a="http://schemas.openxmlformats.org/drawingml/2006/main" xmlns:r="http://schemas.openxmlformats.org/officeDocument/2006/relationships" xmlns:p="http://schemas.openxmlformats.org/presentationml/2006/main">
+  <p:cSld>
+    <p:spTree>
+      <p:nvGrpSpPr>
+        <p:cNvPr id="1" name=""/>
+        <p:cNvGrpSpPr/>
+        <p:nvPr/>
+      </p:nvGrpSpPr>
+      <p:grpSpPr>
+        <a:xfrm>
+          <a:off x="0" y="0"/>
+          <a:ext cx="0" cy="0"/>
+          <a:chOff x="0" y="0"/>
+          <a:chExt cx="0" cy="0"/>
+        </a:xfrm>
+      </p:grpSpPr>
+      <p:sp>
+        <p:nvSpPr>
           <p:cNvPr id="2" name="Title 1"/>
           <p:cNvSpPr>
             <a:spLocks noGrp="1"/>
@@ -19437,7 +19829,7 @@
             <a:fld id="{5ACD0CF0-90CC-9C41-A77B-2776398A8C8B}" type="slidenum">
               <a:rPr lang="en-US" smtClean="0"/>
               <a:pPr/>
-              <a:t>40</a:t>
+              <a:t>41</a:t>
             </a:fld>
             <a:endParaRPr lang="en-US" dirty="0"/>
           </a:p>
@@ -19538,106 +19930,6 @@
 </p:sld>
 </file>
 
-<file path=ppt/slides/slide41.xml><?xml version="1.0" encoding="utf-8"?>
-<p:sld xmlns:a="http://schemas.openxmlformats.org/drawingml/2006/main" xmlns:r="http://schemas.openxmlformats.org/officeDocument/2006/relationships" xmlns:p="http://schemas.openxmlformats.org/presentationml/2006/main">
-  <p:cSld>
-    <p:spTree>
-      <p:nvGrpSpPr>
-        <p:cNvPr id="1" name=""/>
-        <p:cNvGrpSpPr/>
-        <p:nvPr/>
-      </p:nvGrpSpPr>
-      <p:grpSpPr>
-        <a:xfrm>
-          <a:off x="0" y="0"/>
-          <a:ext cx="0" cy="0"/>
-          <a:chOff x="0" y="0"/>
-          <a:chExt cx="0" cy="0"/>
-        </a:xfrm>
-      </p:grpSpPr>
-      <p:sp>
-        <p:nvSpPr>
-          <p:cNvPr id="4" name="Slide Number Placeholder 3">
-            <a:extLst>
-              <a:ext uri="{FF2B5EF4-FFF2-40B4-BE49-F238E27FC236}">
-                <a16:creationId xmlns:a16="http://schemas.microsoft.com/office/drawing/2014/main" id="{19A27C0B-F6A4-4D93-BA7D-9C1AD70732FD}"/>
-              </a:ext>
-            </a:extLst>
-          </p:cNvPr>
-          <p:cNvSpPr>
-            <a:spLocks noGrp="1"/>
-          </p:cNvSpPr>
-          <p:nvPr>
-            <p:ph type="sldNum" sz="quarter" idx="12"/>
-          </p:nvPr>
-        </p:nvSpPr>
-        <p:spPr/>
-        <p:txBody>
-          <a:bodyPr/>
-          <a:lstStyle/>
-          <a:p>
-            <a:fld id="{5ACD0CF0-90CC-9C41-A77B-2776398A8C8B}" type="slidenum">
-              <a:rPr lang="en-US" smtClean="0"/>
-              <a:pPr/>
-              <a:t>41</a:t>
-            </a:fld>
-            <a:endParaRPr lang="en-US"/>
-          </a:p>
-        </p:txBody>
-      </p:sp>
-      <p:sp>
-        <p:nvSpPr>
-          <p:cNvPr id="5" name="TextBox 4">
-            <a:extLst>
-              <a:ext uri="{FF2B5EF4-FFF2-40B4-BE49-F238E27FC236}">
-                <a16:creationId xmlns:a16="http://schemas.microsoft.com/office/drawing/2014/main" id="{4AA4C0B5-5CE5-4A91-8249-0DE79811D7E7}"/>
-              </a:ext>
-            </a:extLst>
-          </p:cNvPr>
-          <p:cNvSpPr txBox="1"/>
-          <p:nvPr/>
-        </p:nvSpPr>
-        <p:spPr>
-          <a:xfrm>
-            <a:off x="2085654" y="1433245"/>
-            <a:ext cx="8378575" cy="769441"/>
-          </a:xfrm>
-          <a:prstGeom prst="rect">
-            <a:avLst/>
-          </a:prstGeom>
-          <a:noFill/>
-        </p:spPr>
-        <p:txBody>
-          <a:bodyPr wrap="square" rtlCol="0">
-            <a:spAutoFit/>
-          </a:bodyPr>
-          <a:lstStyle/>
-          <a:p>
-            <a:pPr algn="ctr"/>
-            <a:r>
-              <a:rPr lang="en-US" sz="4400" dirty="0">
-                <a:solidFill>
-                  <a:schemeClr val="accent1"/>
-                </a:solidFill>
-              </a:rPr>
-              <a:t>Extra Material </a:t>
-            </a:r>
-          </a:p>
-        </p:txBody>
-      </p:sp>
-    </p:spTree>
-    <p:extLst>
-      <p:ext uri="{BB962C8B-B14F-4D97-AF65-F5344CB8AC3E}">
-        <p14:creationId xmlns:p14="http://schemas.microsoft.com/office/powerpoint/2010/main" val="1516860987"/>
-      </p:ext>
-    </p:extLst>
-  </p:cSld>
-  <p:clrMapOvr>
-    <a:masterClrMapping/>
-  </p:clrMapOvr>
-</p:sld>
-</file>
-
 <file path=ppt/slides/slide42.xml><?xml version="1.0" encoding="utf-8"?>
 <p:sld xmlns:a="http://schemas.openxmlformats.org/drawingml/2006/main" xmlns:r="http://schemas.openxmlformats.org/officeDocument/2006/relationships" xmlns:p="http://schemas.openxmlformats.org/presentationml/2006/main">
   <p:cSld>
@@ -19660,7 +19952,7 @@
           <p:cNvPr id="4" name="Slide Number Placeholder 3">
             <a:extLst>
               <a:ext uri="{FF2B5EF4-FFF2-40B4-BE49-F238E27FC236}">
-                <a16:creationId xmlns:a16="http://schemas.microsoft.com/office/drawing/2014/main" id="{9C9FFE13-F397-4340-AE28-9AE96E56F414}"/>
+                <a16:creationId xmlns:a16="http://schemas.microsoft.com/office/drawing/2014/main" id="{19A27C0B-F6A4-4D93-BA7D-9C1AD70732FD}"/>
               </a:ext>
             </a:extLst>
           </p:cNvPr>
@@ -19687,57 +19979,40 @@
       </p:sp>
       <p:sp>
         <p:nvSpPr>
-          <p:cNvPr id="5" name="Rectangle 4">
+          <p:cNvPr id="5" name="TextBox 4">
             <a:extLst>
               <a:ext uri="{FF2B5EF4-FFF2-40B4-BE49-F238E27FC236}">
-                <a16:creationId xmlns:a16="http://schemas.microsoft.com/office/drawing/2014/main" id="{BBD9ADDE-BA09-449C-A1B4-28422D7C76D2}"/>
+                <a16:creationId xmlns:a16="http://schemas.microsoft.com/office/drawing/2014/main" id="{4AA4C0B5-5CE5-4A91-8249-0DE79811D7E7}"/>
               </a:ext>
             </a:extLst>
           </p:cNvPr>
-          <p:cNvSpPr/>
+          <p:cNvSpPr txBox="1"/>
           <p:nvPr/>
         </p:nvSpPr>
         <p:spPr>
           <a:xfrm>
-            <a:off x="3131672" y="2325968"/>
-            <a:ext cx="6484470" cy="1495425"/>
+            <a:off x="2085654" y="1433245"/>
+            <a:ext cx="8378575" cy="769441"/>
           </a:xfrm>
           <a:prstGeom prst="rect">
             <a:avLst/>
           </a:prstGeom>
+          <a:noFill/>
         </p:spPr>
-        <p:style>
-          <a:lnRef idx="2">
-            <a:schemeClr val="accent1">
-              <a:shade val="50000"/>
-            </a:schemeClr>
-          </a:lnRef>
-          <a:fillRef idx="1">
-            <a:schemeClr val="accent1"/>
-          </a:fillRef>
-          <a:effectRef idx="0">
-            <a:schemeClr val="accent1"/>
-          </a:effectRef>
-          <a:fontRef idx="minor">
-            <a:schemeClr val="lt1"/>
-          </a:fontRef>
-        </p:style>
-        <p:txBody>
-          <a:bodyPr rtlCol="0" anchor="ctr"/>
-          <a:lstStyle/>
-          <a:p>
-            <a:pPr marL="0" indent="0" algn="ctr">
-              <a:buNone/>
-            </a:pPr>
-            <a:r>
-              <a:rPr lang="en-US" sz="3200" b="1" dirty="0">
+        <p:txBody>
+          <a:bodyPr wrap="square" rtlCol="0">
+            <a:spAutoFit/>
+          </a:bodyPr>
+          <a:lstStyle/>
+          <a:p>
+            <a:pPr algn="ctr"/>
+            <a:r>
+              <a:rPr lang="en-US" sz="4400" dirty="0">
                 <a:solidFill>
-                  <a:schemeClr val="bg1"/>
+                  <a:schemeClr val="accent1"/>
                 </a:solidFill>
-                <a:latin typeface="Aharoni" panose="02010803020104030203" pitchFamily="2" charset="-79"/>
-                <a:cs typeface="Aharoni" panose="02010803020104030203" pitchFamily="2" charset="-79"/>
               </a:rPr>
-              <a:t>Bookings.com  </a:t>
+              <a:t>Extra Material </a:t>
             </a:r>
           </a:p>
         </p:txBody>
@@ -19745,7 +20020,7 @@
     </p:spTree>
     <p:extLst>
       <p:ext uri="{BB962C8B-B14F-4D97-AF65-F5344CB8AC3E}">
-        <p14:creationId xmlns:p14="http://schemas.microsoft.com/office/powerpoint/2010/main" val="716264179"/>
+        <p14:creationId xmlns:p14="http://schemas.microsoft.com/office/powerpoint/2010/main" val="1516860987"/>
       </p:ext>
     </p:extLst>
   </p:cSld>
@@ -19777,7 +20052,7 @@
           <p:cNvPr id="4" name="Slide Number Placeholder 3">
             <a:extLst>
               <a:ext uri="{FF2B5EF4-FFF2-40B4-BE49-F238E27FC236}">
-                <a16:creationId xmlns:a16="http://schemas.microsoft.com/office/drawing/2014/main" id="{D63E7B0A-0F6F-407D-B326-5869613FA0C1}"/>
+                <a16:creationId xmlns:a16="http://schemas.microsoft.com/office/drawing/2014/main" id="{9C9FFE13-F397-4340-AE28-9AE96E56F414}"/>
               </a:ext>
             </a:extLst>
           </p:cNvPr>
@@ -19804,44 +20079,57 @@
       </p:sp>
       <p:sp>
         <p:nvSpPr>
-          <p:cNvPr id="5" name="TextBox 4">
+          <p:cNvPr id="5" name="Rectangle 4">
             <a:extLst>
               <a:ext uri="{FF2B5EF4-FFF2-40B4-BE49-F238E27FC236}">
-                <a16:creationId xmlns:a16="http://schemas.microsoft.com/office/drawing/2014/main" id="{008389BF-DB6B-4DE8-9C67-D212F969903D}"/>
+                <a16:creationId xmlns:a16="http://schemas.microsoft.com/office/drawing/2014/main" id="{BBD9ADDE-BA09-449C-A1B4-28422D7C76D2}"/>
               </a:ext>
             </a:extLst>
           </p:cNvPr>
-          <p:cNvSpPr txBox="1"/>
+          <p:cNvSpPr/>
           <p:nvPr/>
         </p:nvSpPr>
         <p:spPr>
           <a:xfrm>
-            <a:off x="2550215" y="1724439"/>
-            <a:ext cx="7091569" cy="646331"/>
+            <a:off x="3131672" y="2325968"/>
+            <a:ext cx="6484470" cy="1495425"/>
           </a:xfrm>
           <a:prstGeom prst="rect">
             <a:avLst/>
           </a:prstGeom>
-          <a:noFill/>
         </p:spPr>
-        <p:txBody>
-          <a:bodyPr wrap="square" rtlCol="0">
-            <a:spAutoFit/>
-          </a:bodyPr>
-          <a:lstStyle/>
-          <a:p>
-            <a:pPr algn="ctr"/>
-            <a:r>
-              <a:rPr lang="en-US" sz="3600" dirty="0">
+        <p:style>
+          <a:lnRef idx="2">
+            <a:schemeClr val="accent1">
+              <a:shade val="50000"/>
+            </a:schemeClr>
+          </a:lnRef>
+          <a:fillRef idx="1">
+            <a:schemeClr val="accent1"/>
+          </a:fillRef>
+          <a:effectRef idx="0">
+            <a:schemeClr val="accent1"/>
+          </a:effectRef>
+          <a:fontRef idx="minor">
+            <a:schemeClr val="lt1"/>
+          </a:fontRef>
+        </p:style>
+        <p:txBody>
+          <a:bodyPr rtlCol="0" anchor="ctr"/>
+          <a:lstStyle/>
+          <a:p>
+            <a:pPr marL="0" indent="0" algn="ctr">
+              <a:buNone/>
+            </a:pPr>
+            <a:r>
+              <a:rPr lang="en-US" sz="3200" b="1" dirty="0">
                 <a:solidFill>
-                  <a:schemeClr val="accent1">
-                    <a:lumMod val="50000"/>
-                  </a:schemeClr>
+                  <a:schemeClr val="bg1"/>
                 </a:solidFill>
-                <a:latin typeface="Times New Roman" panose="02020603050405020304" pitchFamily="18" charset="0"/>
-                <a:cs typeface="Times New Roman" panose="02020603050405020304" pitchFamily="18" charset="0"/>
+                <a:latin typeface="Aharoni" panose="02010803020104030203" pitchFamily="2" charset="-79"/>
+                <a:cs typeface="Aharoni" panose="02010803020104030203" pitchFamily="2" charset="-79"/>
               </a:rPr>
-              <a:t>Lesson Learned: Booking.com</a:t>
+              <a:t>Bookings.com  </a:t>
             </a:r>
           </a:p>
         </p:txBody>
@@ -19849,7 +20137,7 @@
     </p:spTree>
     <p:extLst>
       <p:ext uri="{BB962C8B-B14F-4D97-AF65-F5344CB8AC3E}">
-        <p14:creationId xmlns:p14="http://schemas.microsoft.com/office/powerpoint/2010/main" val="1391280742"/>
+        <p14:creationId xmlns:p14="http://schemas.microsoft.com/office/powerpoint/2010/main" val="716264179"/>
       </p:ext>
     </p:extLst>
   </p:cSld>
@@ -19878,6 +20166,110 @@
       </p:grpSpPr>
       <p:sp>
         <p:nvSpPr>
+          <p:cNvPr id="4" name="Slide Number Placeholder 3">
+            <a:extLst>
+              <a:ext uri="{FF2B5EF4-FFF2-40B4-BE49-F238E27FC236}">
+                <a16:creationId xmlns:a16="http://schemas.microsoft.com/office/drawing/2014/main" id="{D63E7B0A-0F6F-407D-B326-5869613FA0C1}"/>
+              </a:ext>
+            </a:extLst>
+          </p:cNvPr>
+          <p:cNvSpPr>
+            <a:spLocks noGrp="1"/>
+          </p:cNvSpPr>
+          <p:nvPr>
+            <p:ph type="sldNum" sz="quarter" idx="12"/>
+          </p:nvPr>
+        </p:nvSpPr>
+        <p:spPr/>
+        <p:txBody>
+          <a:bodyPr/>
+          <a:lstStyle/>
+          <a:p>
+            <a:fld id="{5ACD0CF0-90CC-9C41-A77B-2776398A8C8B}" type="slidenum">
+              <a:rPr lang="en-US" smtClean="0"/>
+              <a:pPr/>
+              <a:t>44</a:t>
+            </a:fld>
+            <a:endParaRPr lang="en-US"/>
+          </a:p>
+        </p:txBody>
+      </p:sp>
+      <p:sp>
+        <p:nvSpPr>
+          <p:cNvPr id="5" name="TextBox 4">
+            <a:extLst>
+              <a:ext uri="{FF2B5EF4-FFF2-40B4-BE49-F238E27FC236}">
+                <a16:creationId xmlns:a16="http://schemas.microsoft.com/office/drawing/2014/main" id="{008389BF-DB6B-4DE8-9C67-D212F969903D}"/>
+              </a:ext>
+            </a:extLst>
+          </p:cNvPr>
+          <p:cNvSpPr txBox="1"/>
+          <p:nvPr/>
+        </p:nvSpPr>
+        <p:spPr>
+          <a:xfrm>
+            <a:off x="2550215" y="1724439"/>
+            <a:ext cx="7091569" cy="646331"/>
+          </a:xfrm>
+          <a:prstGeom prst="rect">
+            <a:avLst/>
+          </a:prstGeom>
+          <a:noFill/>
+        </p:spPr>
+        <p:txBody>
+          <a:bodyPr wrap="square" rtlCol="0">
+            <a:spAutoFit/>
+          </a:bodyPr>
+          <a:lstStyle/>
+          <a:p>
+            <a:pPr algn="ctr"/>
+            <a:r>
+              <a:rPr lang="en-US" sz="3600" dirty="0">
+                <a:solidFill>
+                  <a:schemeClr val="accent1">
+                    <a:lumMod val="50000"/>
+                  </a:schemeClr>
+                </a:solidFill>
+                <a:latin typeface="Times New Roman" panose="02020603050405020304" pitchFamily="18" charset="0"/>
+                <a:cs typeface="Times New Roman" panose="02020603050405020304" pitchFamily="18" charset="0"/>
+              </a:rPr>
+              <a:t>Lesson Learned: Booking.com</a:t>
+            </a:r>
+          </a:p>
+        </p:txBody>
+      </p:sp>
+    </p:spTree>
+    <p:extLst>
+      <p:ext uri="{BB962C8B-B14F-4D97-AF65-F5344CB8AC3E}">
+        <p14:creationId xmlns:p14="http://schemas.microsoft.com/office/powerpoint/2010/main" val="1391280742"/>
+      </p:ext>
+    </p:extLst>
+  </p:cSld>
+  <p:clrMapOvr>
+    <a:masterClrMapping/>
+  </p:clrMapOvr>
+</p:sld>
+</file>
+
+<file path=ppt/slides/slide45.xml><?xml version="1.0" encoding="utf-8"?>
+<p:sld xmlns:a="http://schemas.openxmlformats.org/drawingml/2006/main" xmlns:r="http://schemas.openxmlformats.org/officeDocument/2006/relationships" xmlns:p="http://schemas.openxmlformats.org/presentationml/2006/main">
+  <p:cSld>
+    <p:spTree>
+      <p:nvGrpSpPr>
+        <p:cNvPr id="1" name=""/>
+        <p:cNvGrpSpPr/>
+        <p:nvPr/>
+      </p:nvGrpSpPr>
+      <p:grpSpPr>
+        <a:xfrm>
+          <a:off x="0" y="0"/>
+          <a:ext cx="0" cy="0"/>
+          <a:chOff x="0" y="0"/>
+          <a:chExt cx="0" cy="0"/>
+        </a:xfrm>
+      </p:grpSpPr>
+      <p:sp>
+        <p:nvSpPr>
           <p:cNvPr id="2" name="Title 1"/>
           <p:cNvSpPr>
             <a:spLocks noGrp="1"/>
@@ -20028,7 +20420,7 @@
                 <a:latin typeface="Times New Roman" panose="02020603050405020304" pitchFamily="18" charset="0"/>
                 <a:cs typeface="Times New Roman" panose="02020603050405020304" pitchFamily="18" charset="0"/>
               </a:rPr>
-              <a:t>44</a:t>
+              <a:t>45</a:t>
             </a:fld>
             <a:endParaRPr lang="en-US" dirty="0">
               <a:latin typeface="Times New Roman" panose="02020603050405020304" pitchFamily="18" charset="0"/>
@@ -20292,7 +20684,7 @@
 </p:sld>
 </file>
 
-<file path=ppt/slides/slide45.xml><?xml version="1.0" encoding="utf-8"?>
+<file path=ppt/slides/slide46.xml><?xml version="1.0" encoding="utf-8"?>
 <p:sld xmlns:a="http://schemas.openxmlformats.org/drawingml/2006/main" xmlns:r="http://schemas.openxmlformats.org/officeDocument/2006/relationships" xmlns:p="http://schemas.openxmlformats.org/presentationml/2006/main">
   <p:cSld>
     <p:spTree>
@@ -20477,7 +20869,7 @@
                 <a:latin typeface="Times New Roman" panose="02020603050405020304" pitchFamily="18" charset="0"/>
                 <a:cs typeface="Times New Roman" panose="02020603050405020304" pitchFamily="18" charset="0"/>
               </a:rPr>
-              <a:t>45</a:t>
+              <a:t>46</a:t>
             </a:fld>
             <a:endParaRPr lang="en-US" dirty="0">
               <a:latin typeface="Times New Roman" panose="02020603050405020304" pitchFamily="18" charset="0"/>
@@ -20741,7 +21133,7 @@
 </p:sld>
 </file>
 
-<file path=ppt/slides/slide46.xml><?xml version="1.0" encoding="utf-8"?>
+<file path=ppt/slides/slide47.xml><?xml version="1.0" encoding="utf-8"?>
 <p:sld xmlns:a="http://schemas.openxmlformats.org/drawingml/2006/main" xmlns:r="http://schemas.openxmlformats.org/officeDocument/2006/relationships" xmlns:p="http://schemas.openxmlformats.org/presentationml/2006/main">
   <p:cSld>
     <p:spTree>
@@ -20948,7 +21340,7 @@
                 <a:latin typeface="Times New Roman" panose="02020603050405020304" pitchFamily="18" charset="0"/>
                 <a:cs typeface="Times New Roman" panose="02020603050405020304" pitchFamily="18" charset="0"/>
               </a:rPr>
-              <a:t>46</a:t>
+              <a:t>47</a:t>
             </a:fld>
             <a:endParaRPr lang="en-US" dirty="0">
               <a:latin typeface="Times New Roman" panose="02020603050405020304" pitchFamily="18" charset="0"/>
@@ -21212,7 +21604,7 @@
 </p:sld>
 </file>
 
-<file path=ppt/slides/slide47.xml><?xml version="1.0" encoding="utf-8"?>
+<file path=ppt/slides/slide48.xml><?xml version="1.0" encoding="utf-8"?>
 <p:sld xmlns:a="http://schemas.openxmlformats.org/drawingml/2006/main" xmlns:r="http://schemas.openxmlformats.org/officeDocument/2006/relationships" xmlns:p="http://schemas.openxmlformats.org/presentationml/2006/main" show="0">
   <p:cSld>
     <p:spTree>
@@ -21253,7 +21645,7 @@
             <a:fld id="{A2644288-DBB5-B146-A4C9-3FE617AA0A71}" type="slidenum">
               <a:rPr lang="en-US" smtClean="0"/>
               <a:pPr/>
-              <a:t>47</a:t>
+              <a:t>48</a:t>
             </a:fld>
             <a:endParaRPr lang="en-US" dirty="0"/>
           </a:p>
@@ -22108,7 +22500,13 @@
   <p:cSld>
     <p:spTree>
       <p:nvGrpSpPr>
-        <p:cNvPr id="1" name=""/>
+        <p:cNvPr id="1" name="">
+          <a:extLst>
+            <a:ext uri="{FF2B5EF4-FFF2-40B4-BE49-F238E27FC236}">
+              <a16:creationId xmlns:a16="http://schemas.microsoft.com/office/drawing/2014/main" id="{4DB76E4B-F4FC-C91E-E830-F9AB353ACCB2}"/>
+            </a:ext>
+          </a:extLst>
+        </p:cNvPr>
         <p:cNvGrpSpPr/>
         <p:nvPr/>
       </p:nvGrpSpPr>
@@ -22122,10 +22520,47 @@
       </p:grpSpPr>
       <p:sp>
         <p:nvSpPr>
+          <p:cNvPr id="2" name="Title 1">
+            <a:extLst>
+              <a:ext uri="{FF2B5EF4-FFF2-40B4-BE49-F238E27FC236}">
+                <a16:creationId xmlns:a16="http://schemas.microsoft.com/office/drawing/2014/main" id="{47471A5C-D3F0-CA3D-7813-6C87540E42F8}"/>
+              </a:ext>
+            </a:extLst>
+          </p:cNvPr>
+          <p:cNvSpPr>
+            <a:spLocks noGrp="1"/>
+          </p:cNvSpPr>
+          <p:nvPr>
+            <p:ph type="title"/>
+          </p:nvPr>
+        </p:nvSpPr>
+        <p:spPr>
+          <a:xfrm>
+            <a:off x="1036708" y="-8394"/>
+            <a:ext cx="9709248" cy="731520"/>
+          </a:xfrm>
+        </p:spPr>
+        <p:txBody>
+          <a:bodyPr/>
+          <a:lstStyle/>
+          <a:p>
+            <a:pPr algn="ctr"/>
+            <a:r>
+              <a:rPr lang="en-US" dirty="0">
+                <a:latin typeface="Aharoni" panose="02010803020104030203" pitchFamily="2" charset="-79"/>
+                <a:cs typeface="Aharoni" panose="02010803020104030203" pitchFamily="2" charset="-79"/>
+              </a:rPr>
+              <a:t>Brian’s Version of Data Science Lifecycle</a:t>
+            </a:r>
+          </a:p>
+        </p:txBody>
+      </p:sp>
+      <p:sp>
+        <p:nvSpPr>
           <p:cNvPr id="4" name="Slide Number Placeholder 3">
             <a:extLst>
               <a:ext uri="{FF2B5EF4-FFF2-40B4-BE49-F238E27FC236}">
-                <a16:creationId xmlns:a16="http://schemas.microsoft.com/office/drawing/2014/main" id="{3C5AA856-BCB8-476B-A754-B50044D29C5D}"/>
+                <a16:creationId xmlns:a16="http://schemas.microsoft.com/office/drawing/2014/main" id="{2EFB881C-BA02-CACD-9481-11EABEA0BBD5}"/>
               </a:ext>
             </a:extLst>
           </p:cNvPr>
@@ -22146,16 +22581,228 @@
               <a:pPr/>
               <a:t>5</a:t>
             </a:fld>
-            <a:endParaRPr lang="en-US"/>
-          </a:p>
-        </p:txBody>
-      </p:sp>
-      <p:sp>
-        <p:nvSpPr>
-          <p:cNvPr id="5" name="Rectangle 4">
+            <a:endParaRPr lang="en-US" dirty="0"/>
+          </a:p>
+        </p:txBody>
+      </p:sp>
+      <p:sp>
+        <p:nvSpPr>
+          <p:cNvPr id="62" name="TextBox 61">
             <a:extLst>
               <a:ext uri="{FF2B5EF4-FFF2-40B4-BE49-F238E27FC236}">
-                <a16:creationId xmlns:a16="http://schemas.microsoft.com/office/drawing/2014/main" id="{B4E86C8C-65F8-4D08-AAB5-F053F4C84415}"/>
+                <a16:creationId xmlns:a16="http://schemas.microsoft.com/office/drawing/2014/main" id="{003C2985-D4C3-FA40-4C00-3092919F15B0}"/>
+              </a:ext>
+            </a:extLst>
+          </p:cNvPr>
+          <p:cNvSpPr txBox="1"/>
+          <p:nvPr/>
+        </p:nvSpPr>
+        <p:spPr>
+          <a:xfrm>
+            <a:off x="485829" y="2701240"/>
+            <a:ext cx="1472423" cy="646331"/>
+          </a:xfrm>
+          <a:prstGeom prst="rect">
+            <a:avLst/>
+          </a:prstGeom>
+          <a:noFill/>
+        </p:spPr>
+        <p:txBody>
+          <a:bodyPr wrap="square" rtlCol="0">
+            <a:spAutoFit/>
+            <a:scene3d>
+              <a:camera prst="orthographicFront"/>
+              <a:lightRig rig="harsh" dir="t"/>
+            </a:scene3d>
+            <a:sp3d extrusionH="57150" prstMaterial="matte">
+              <a:bevelT w="63500" h="12700" prst="angle"/>
+              <a:contourClr>
+                <a:schemeClr val="bg1">
+                  <a:lumMod val="65000"/>
+                </a:schemeClr>
+              </a:contourClr>
+            </a:sp3d>
+          </a:bodyPr>
+          <a:lstStyle/>
+          <a:p>
+            <a:pPr algn="ctr"/>
+            <a:r>
+              <a:rPr lang="en-US" b="1" dirty="0">
+                <a:ln/>
+                <a:solidFill>
+                  <a:schemeClr val="accent3"/>
+                </a:solidFill>
+              </a:rPr>
+              <a:t>Phase 1: Idea Development </a:t>
+            </a:r>
+          </a:p>
+        </p:txBody>
+      </p:sp>
+      <p:sp>
+        <p:nvSpPr>
+          <p:cNvPr id="64" name="TextBox 63">
+            <a:extLst>
+              <a:ext uri="{FF2B5EF4-FFF2-40B4-BE49-F238E27FC236}">
+                <a16:creationId xmlns:a16="http://schemas.microsoft.com/office/drawing/2014/main" id="{DAB0C6A1-3FAE-D446-A60C-D8D698F254A3}"/>
+              </a:ext>
+            </a:extLst>
+          </p:cNvPr>
+          <p:cNvSpPr txBox="1"/>
+          <p:nvPr/>
+        </p:nvSpPr>
+        <p:spPr>
+          <a:xfrm>
+            <a:off x="2305117" y="2699919"/>
+            <a:ext cx="2744403" cy="646331"/>
+          </a:xfrm>
+          <a:prstGeom prst="rect">
+            <a:avLst/>
+          </a:prstGeom>
+          <a:noFill/>
+        </p:spPr>
+        <p:txBody>
+          <a:bodyPr wrap="square" rtlCol="0">
+            <a:spAutoFit/>
+            <a:scene3d>
+              <a:camera prst="orthographicFront"/>
+              <a:lightRig rig="harsh" dir="t"/>
+            </a:scene3d>
+            <a:sp3d extrusionH="57150" prstMaterial="matte">
+              <a:bevelT w="63500" h="12700" prst="angle"/>
+              <a:contourClr>
+                <a:schemeClr val="bg1">
+                  <a:lumMod val="65000"/>
+                </a:schemeClr>
+              </a:contourClr>
+            </a:sp3d>
+          </a:bodyPr>
+          <a:lstStyle/>
+          <a:p>
+            <a:pPr algn="ctr"/>
+            <a:r>
+              <a:rPr lang="en-US" b="1" dirty="0">
+                <a:ln/>
+                <a:solidFill>
+                  <a:schemeClr val="accent3"/>
+                </a:solidFill>
+              </a:rPr>
+              <a:t>Phase 2: Data Prep and Problem Exploration</a:t>
+            </a:r>
+          </a:p>
+        </p:txBody>
+      </p:sp>
+      <p:sp>
+        <p:nvSpPr>
+          <p:cNvPr id="65" name="TextBox 64">
+            <a:extLst>
+              <a:ext uri="{FF2B5EF4-FFF2-40B4-BE49-F238E27FC236}">
+                <a16:creationId xmlns:a16="http://schemas.microsoft.com/office/drawing/2014/main" id="{FB5B9670-22DB-3CAF-1902-313C8498863C}"/>
+              </a:ext>
+            </a:extLst>
+          </p:cNvPr>
+          <p:cNvSpPr txBox="1"/>
+          <p:nvPr/>
+        </p:nvSpPr>
+        <p:spPr>
+          <a:xfrm>
+            <a:off x="8109862" y="2699919"/>
+            <a:ext cx="2428464" cy="646331"/>
+          </a:xfrm>
+          <a:prstGeom prst="rect">
+            <a:avLst/>
+          </a:prstGeom>
+          <a:noFill/>
+        </p:spPr>
+        <p:txBody>
+          <a:bodyPr wrap="square" rtlCol="0">
+            <a:spAutoFit/>
+            <a:scene3d>
+              <a:camera prst="orthographicFront"/>
+              <a:lightRig rig="harsh" dir="t"/>
+            </a:scene3d>
+            <a:sp3d extrusionH="57150" prstMaterial="matte">
+              <a:bevelT w="63500" h="12700" prst="angle"/>
+              <a:contourClr>
+                <a:schemeClr val="bg1">
+                  <a:lumMod val="65000"/>
+                </a:schemeClr>
+              </a:contourClr>
+            </a:sp3d>
+          </a:bodyPr>
+          <a:lstStyle/>
+          <a:p>
+            <a:pPr algn="ctr"/>
+            <a:r>
+              <a:rPr lang="en-US" b="1" dirty="0">
+                <a:ln/>
+                <a:solidFill>
+                  <a:schemeClr val="accent3"/>
+                </a:solidFill>
+              </a:rPr>
+              <a:t>Phase 4: Solution Deployment   </a:t>
+            </a:r>
+          </a:p>
+        </p:txBody>
+      </p:sp>
+      <p:sp>
+        <p:nvSpPr>
+          <p:cNvPr id="3" name="TextBox 2">
+            <a:extLst>
+              <a:ext uri="{FF2B5EF4-FFF2-40B4-BE49-F238E27FC236}">
+                <a16:creationId xmlns:a16="http://schemas.microsoft.com/office/drawing/2014/main" id="{25DA56E3-B440-B2F4-8358-DE63A8CDE9E1}"/>
+              </a:ext>
+            </a:extLst>
+          </p:cNvPr>
+          <p:cNvSpPr txBox="1"/>
+          <p:nvPr/>
+        </p:nvSpPr>
+        <p:spPr>
+          <a:xfrm>
+            <a:off x="5049520" y="2701239"/>
+            <a:ext cx="2744403" cy="646331"/>
+          </a:xfrm>
+          <a:prstGeom prst="rect">
+            <a:avLst/>
+          </a:prstGeom>
+          <a:noFill/>
+        </p:spPr>
+        <p:txBody>
+          <a:bodyPr wrap="square" rtlCol="0">
+            <a:spAutoFit/>
+            <a:scene3d>
+              <a:camera prst="orthographicFront"/>
+              <a:lightRig rig="harsh" dir="t"/>
+            </a:scene3d>
+            <a:sp3d extrusionH="57150" prstMaterial="matte">
+              <a:bevelT w="63500" h="12700" prst="angle"/>
+              <a:contourClr>
+                <a:schemeClr val="bg1">
+                  <a:lumMod val="65000"/>
+                </a:schemeClr>
+              </a:contourClr>
+            </a:sp3d>
+          </a:bodyPr>
+          <a:lstStyle/>
+          <a:p>
+            <a:pPr algn="ctr"/>
+            <a:r>
+              <a:rPr lang="en-US" b="1" dirty="0">
+                <a:ln/>
+                <a:solidFill>
+                  <a:schemeClr val="accent3"/>
+                </a:solidFill>
+              </a:rPr>
+              <a:t>Phase 3: Solution Development</a:t>
+            </a:r>
+          </a:p>
+        </p:txBody>
+      </p:sp>
+      <p:sp>
+        <p:nvSpPr>
+          <p:cNvPr id="5" name="Rectangle: Rounded Corners 4">
+            <a:extLst>
+              <a:ext uri="{FF2B5EF4-FFF2-40B4-BE49-F238E27FC236}">
+                <a16:creationId xmlns:a16="http://schemas.microsoft.com/office/drawing/2014/main" id="{0428FFA3-42F9-E6F9-1D92-31E871126CCA}"/>
               </a:ext>
             </a:extLst>
           </p:cNvPr>
@@ -22164,10 +22811,76 @@
         </p:nvSpPr>
         <p:spPr>
           <a:xfrm>
-            <a:off x="3473450" y="1948644"/>
-            <a:ext cx="4800600" cy="2515406"/>
+            <a:off x="266700" y="3429000"/>
+            <a:ext cx="2125979" cy="1031240"/>
           </a:xfrm>
-          <a:prstGeom prst="rect">
+          <a:prstGeom prst="roundRect">
+            <a:avLst/>
+          </a:prstGeom>
+        </p:spPr>
+        <p:style>
+          <a:lnRef idx="2">
+            <a:schemeClr val="accent1">
+              <a:shade val="15000"/>
+            </a:schemeClr>
+          </a:lnRef>
+          <a:fillRef idx="1">
+            <a:schemeClr val="accent1"/>
+          </a:fillRef>
+          <a:effectRef idx="0">
+            <a:schemeClr val="accent1"/>
+          </a:effectRef>
+          <a:fontRef idx="minor">
+            <a:schemeClr val="lt1"/>
+          </a:fontRef>
+        </p:style>
+        <p:txBody>
+          <a:bodyPr rtlCol="0" anchor="ctr"/>
+          <a:lstStyle/>
+          <a:p>
+            <a:r>
+              <a:rPr lang="en-US" sz="1400" dirty="0"/>
+              <a:t>Problem Development</a:t>
+            </a:r>
+          </a:p>
+          <a:p>
+            <a:r>
+              <a:rPr lang="en-US" sz="1400" dirty="0"/>
+              <a:t>Data Gathering | ETL</a:t>
+            </a:r>
+          </a:p>
+          <a:p>
+            <a:r>
+              <a:rPr lang="en-US" sz="1400" dirty="0"/>
+              <a:t>Analytical Plan</a:t>
+            </a:r>
+          </a:p>
+          <a:p>
+            <a:r>
+              <a:rPr lang="en-US" sz="1400" dirty="0"/>
+              <a:t>Business Understanding</a:t>
+            </a:r>
+          </a:p>
+        </p:txBody>
+      </p:sp>
+      <p:sp>
+        <p:nvSpPr>
+          <p:cNvPr id="14" name="Arrow: Curved Right 13">
+            <a:extLst>
+              <a:ext uri="{FF2B5EF4-FFF2-40B4-BE49-F238E27FC236}">
+                <a16:creationId xmlns:a16="http://schemas.microsoft.com/office/drawing/2014/main" id="{F3405E05-0365-AD56-E243-ED27EB6F1DEF}"/>
+              </a:ext>
+            </a:extLst>
+          </p:cNvPr>
+          <p:cNvSpPr/>
+          <p:nvPr/>
+        </p:nvSpPr>
+        <p:spPr>
+          <a:xfrm rot="5400000">
+            <a:off x="5090354" y="-2057954"/>
+            <a:ext cx="731520" cy="8838815"/>
+          </a:xfrm>
+          <a:prstGeom prst="curvedRightArrow">
             <a:avLst/>
           </a:prstGeom>
         </p:spPr>
@@ -22191,33 +22904,255 @@
           <a:bodyPr rtlCol="0" anchor="ctr"/>
           <a:lstStyle/>
           <a:p>
-            <a:pPr marL="0" indent="0" algn="ctr">
-              <a:buNone/>
-            </a:pPr>
-            <a:r>
-              <a:rPr lang="en-US" sz="4000" b="1" dirty="0">
-                <a:solidFill>
-                  <a:schemeClr val="bg1"/>
-                </a:solidFill>
-                <a:latin typeface="Aharoni" panose="02010803020104030203" pitchFamily="2" charset="-79"/>
-                <a:cs typeface="Aharoni" panose="02010803020104030203" pitchFamily="2" charset="-79"/>
-              </a:rPr>
-              <a:t>Machine Learning Time</a:t>
-            </a:r>
-            <a:endParaRPr lang="en-US" sz="2800" b="1" dirty="0">
+            <a:pPr algn="ctr"/>
+            <a:endParaRPr lang="en-US" b="1">
               <a:solidFill>
-                <a:schemeClr val="bg1"/>
+                <a:schemeClr val="tx1"/>
               </a:solidFill>
-              <a:latin typeface="Aharoni" panose="02010803020104030203" pitchFamily="2" charset="-79"/>
-              <a:cs typeface="Aharoni" panose="02010803020104030203" pitchFamily="2" charset="-79"/>
             </a:endParaRPr>
+          </a:p>
+        </p:txBody>
+      </p:sp>
+      <p:sp>
+        <p:nvSpPr>
+          <p:cNvPr id="20" name="Arrow: Curved Right 19">
+            <a:extLst>
+              <a:ext uri="{FF2B5EF4-FFF2-40B4-BE49-F238E27FC236}">
+                <a16:creationId xmlns:a16="http://schemas.microsoft.com/office/drawing/2014/main" id="{D53D85E1-0889-B779-6CA2-EECC239A754E}"/>
+              </a:ext>
+            </a:extLst>
+          </p:cNvPr>
+          <p:cNvSpPr/>
+          <p:nvPr/>
+        </p:nvSpPr>
+        <p:spPr>
+          <a:xfrm rot="16200000">
+            <a:off x="5234464" y="441381"/>
+            <a:ext cx="646330" cy="8838815"/>
+          </a:xfrm>
+          <a:prstGeom prst="curvedRightArrow">
+            <a:avLst/>
+          </a:prstGeom>
+        </p:spPr>
+        <p:style>
+          <a:lnRef idx="2">
+            <a:schemeClr val="accent1">
+              <a:shade val="50000"/>
+            </a:schemeClr>
+          </a:lnRef>
+          <a:fillRef idx="1">
+            <a:schemeClr val="accent1"/>
+          </a:fillRef>
+          <a:effectRef idx="0">
+            <a:schemeClr val="accent1"/>
+          </a:effectRef>
+          <a:fontRef idx="minor">
+            <a:schemeClr val="lt1"/>
+          </a:fontRef>
+        </p:style>
+        <p:txBody>
+          <a:bodyPr rtlCol="0" anchor="ctr"/>
+          <a:lstStyle/>
+          <a:p>
+            <a:pPr algn="ctr"/>
+            <a:endParaRPr lang="en-US" b="1">
+              <a:solidFill>
+                <a:schemeClr val="tx1"/>
+              </a:solidFill>
+            </a:endParaRPr>
+          </a:p>
+        </p:txBody>
+      </p:sp>
+      <p:sp>
+        <p:nvSpPr>
+          <p:cNvPr id="22" name="Rectangle: Rounded Corners 21">
+            <a:extLst>
+              <a:ext uri="{FF2B5EF4-FFF2-40B4-BE49-F238E27FC236}">
+                <a16:creationId xmlns:a16="http://schemas.microsoft.com/office/drawing/2014/main" id="{A5C2644A-60A4-B3C3-CCE9-22F3DD66B92E}"/>
+              </a:ext>
+            </a:extLst>
+          </p:cNvPr>
+          <p:cNvSpPr/>
+          <p:nvPr/>
+        </p:nvSpPr>
+        <p:spPr>
+          <a:xfrm>
+            <a:off x="2705583" y="3449726"/>
+            <a:ext cx="2125979" cy="1031240"/>
+          </a:xfrm>
+          <a:prstGeom prst="roundRect">
+            <a:avLst/>
+          </a:prstGeom>
+        </p:spPr>
+        <p:style>
+          <a:lnRef idx="2">
+            <a:schemeClr val="accent1">
+              <a:shade val="15000"/>
+            </a:schemeClr>
+          </a:lnRef>
+          <a:fillRef idx="1">
+            <a:schemeClr val="accent1"/>
+          </a:fillRef>
+          <a:effectRef idx="0">
+            <a:schemeClr val="accent1"/>
+          </a:effectRef>
+          <a:fontRef idx="minor">
+            <a:schemeClr val="lt1"/>
+          </a:fontRef>
+        </p:style>
+        <p:txBody>
+          <a:bodyPr rtlCol="0" anchor="ctr"/>
+          <a:lstStyle/>
+          <a:p>
+            <a:r>
+              <a:rPr lang="en-US" sz="1400" dirty="0"/>
+              <a:t>Data Understanding</a:t>
+            </a:r>
+          </a:p>
+          <a:p>
+            <a:r>
+              <a:rPr lang="en-US" sz="1400" dirty="0"/>
+              <a:t>Initial Model Building</a:t>
+            </a:r>
+          </a:p>
+          <a:p>
+            <a:r>
+              <a:rPr lang="en-US" sz="1400" dirty="0"/>
+              <a:t>Initial Model Evaluation</a:t>
+            </a:r>
+          </a:p>
+        </p:txBody>
+      </p:sp>
+      <p:sp>
+        <p:nvSpPr>
+          <p:cNvPr id="24" name="Rectangle: Rounded Corners 23">
+            <a:extLst>
+              <a:ext uri="{FF2B5EF4-FFF2-40B4-BE49-F238E27FC236}">
+                <a16:creationId xmlns:a16="http://schemas.microsoft.com/office/drawing/2014/main" id="{EB3034E8-9560-F4AB-F796-2061841DA694}"/>
+              </a:ext>
+            </a:extLst>
+          </p:cNvPr>
+          <p:cNvSpPr/>
+          <p:nvPr/>
+        </p:nvSpPr>
+        <p:spPr>
+          <a:xfrm>
+            <a:off x="5456114" y="3429000"/>
+            <a:ext cx="2125979" cy="1031240"/>
+          </a:xfrm>
+          <a:prstGeom prst="roundRect">
+            <a:avLst/>
+          </a:prstGeom>
+        </p:spPr>
+        <p:style>
+          <a:lnRef idx="2">
+            <a:schemeClr val="accent1">
+              <a:shade val="15000"/>
+            </a:schemeClr>
+          </a:lnRef>
+          <a:fillRef idx="1">
+            <a:schemeClr val="accent1"/>
+          </a:fillRef>
+          <a:effectRef idx="0">
+            <a:schemeClr val="accent1"/>
+          </a:effectRef>
+          <a:fontRef idx="minor">
+            <a:schemeClr val="lt1"/>
+          </a:fontRef>
+        </p:style>
+        <p:txBody>
+          <a:bodyPr rtlCol="0" anchor="ctr"/>
+          <a:lstStyle/>
+          <a:p>
+            <a:r>
+              <a:rPr lang="en-US" sz="1400" dirty="0"/>
+              <a:t>Model Training and Eval</a:t>
+            </a:r>
+          </a:p>
+          <a:p>
+            <a:r>
+              <a:rPr lang="en-US" sz="1400" dirty="0"/>
+              <a:t>Feature Engineering </a:t>
+            </a:r>
+          </a:p>
+          <a:p>
+            <a:r>
+              <a:rPr lang="en-US" sz="1400" dirty="0"/>
+              <a:t>Final Model Optimization &amp; Evaluation</a:t>
+            </a:r>
+          </a:p>
+        </p:txBody>
+      </p:sp>
+      <p:sp>
+        <p:nvSpPr>
+          <p:cNvPr id="25" name="Rectangle: Rounded Corners 24">
+            <a:extLst>
+              <a:ext uri="{FF2B5EF4-FFF2-40B4-BE49-F238E27FC236}">
+                <a16:creationId xmlns:a16="http://schemas.microsoft.com/office/drawing/2014/main" id="{971E2B1D-3743-B095-1BB2-817AE470E428}"/>
+              </a:ext>
+            </a:extLst>
+          </p:cNvPr>
+          <p:cNvSpPr/>
+          <p:nvPr/>
+        </p:nvSpPr>
+        <p:spPr>
+          <a:xfrm>
+            <a:off x="8206645" y="3403842"/>
+            <a:ext cx="2125979" cy="1031240"/>
+          </a:xfrm>
+          <a:prstGeom prst="roundRect">
+            <a:avLst/>
+          </a:prstGeom>
+        </p:spPr>
+        <p:style>
+          <a:lnRef idx="2">
+            <a:schemeClr val="accent1">
+              <a:shade val="15000"/>
+            </a:schemeClr>
+          </a:lnRef>
+          <a:fillRef idx="1">
+            <a:schemeClr val="accent1"/>
+          </a:fillRef>
+          <a:effectRef idx="0">
+            <a:schemeClr val="accent1"/>
+          </a:effectRef>
+          <a:fontRef idx="minor">
+            <a:schemeClr val="lt1"/>
+          </a:fontRef>
+        </p:style>
+        <p:txBody>
+          <a:bodyPr rtlCol="0" anchor="ctr"/>
+          <a:lstStyle/>
+          <a:p>
+            <a:r>
+              <a:rPr lang="en-US" sz="1400" dirty="0"/>
+              <a:t>Model Deployment</a:t>
+            </a:r>
+          </a:p>
+          <a:p>
+            <a:r>
+              <a:rPr lang="en-US" sz="1400" dirty="0"/>
+              <a:t>Data Drift Analysis</a:t>
+            </a:r>
+          </a:p>
+          <a:p>
+            <a:r>
+              <a:rPr lang="en-US" sz="1400" dirty="0"/>
+              <a:t>Model Drift </a:t>
+            </a:r>
+          </a:p>
+          <a:p>
+            <a:r>
+              <a:rPr lang="en-US" sz="1400" dirty="0"/>
+              <a:t>Business Metric Tracking</a:t>
+            </a:r>
           </a:p>
         </p:txBody>
       </p:sp>
     </p:spTree>
     <p:extLst>
       <p:ext uri="{BB962C8B-B14F-4D97-AF65-F5344CB8AC3E}">
-        <p14:creationId xmlns:p14="http://schemas.microsoft.com/office/powerpoint/2010/main" val="2607541999"/>
+        <p14:creationId xmlns:p14="http://schemas.microsoft.com/office/powerpoint/2010/main" val="1385731347"/>
       </p:ext>
     </p:extLst>
   </p:cSld>
@@ -22249,6 +23184,130 @@
           <p:cNvPr id="4" name="Slide Number Placeholder 3">
             <a:extLst>
               <a:ext uri="{FF2B5EF4-FFF2-40B4-BE49-F238E27FC236}">
+                <a16:creationId xmlns:a16="http://schemas.microsoft.com/office/drawing/2014/main" id="{3C5AA856-BCB8-476B-A754-B50044D29C5D}"/>
+              </a:ext>
+            </a:extLst>
+          </p:cNvPr>
+          <p:cNvSpPr>
+            <a:spLocks noGrp="1"/>
+          </p:cNvSpPr>
+          <p:nvPr>
+            <p:ph type="sldNum" sz="quarter" idx="12"/>
+          </p:nvPr>
+        </p:nvSpPr>
+        <p:spPr/>
+        <p:txBody>
+          <a:bodyPr/>
+          <a:lstStyle/>
+          <a:p>
+            <a:fld id="{5ACD0CF0-90CC-9C41-A77B-2776398A8C8B}" type="slidenum">
+              <a:rPr lang="en-US" smtClean="0"/>
+              <a:pPr/>
+              <a:t>6</a:t>
+            </a:fld>
+            <a:endParaRPr lang="en-US"/>
+          </a:p>
+        </p:txBody>
+      </p:sp>
+      <p:sp>
+        <p:nvSpPr>
+          <p:cNvPr id="5" name="Rectangle 4">
+            <a:extLst>
+              <a:ext uri="{FF2B5EF4-FFF2-40B4-BE49-F238E27FC236}">
+                <a16:creationId xmlns:a16="http://schemas.microsoft.com/office/drawing/2014/main" id="{B4E86C8C-65F8-4D08-AAB5-F053F4C84415}"/>
+              </a:ext>
+            </a:extLst>
+          </p:cNvPr>
+          <p:cNvSpPr/>
+          <p:nvPr/>
+        </p:nvSpPr>
+        <p:spPr>
+          <a:xfrm>
+            <a:off x="3473450" y="1948644"/>
+            <a:ext cx="4800600" cy="2515406"/>
+          </a:xfrm>
+          <a:prstGeom prst="rect">
+            <a:avLst/>
+          </a:prstGeom>
+        </p:spPr>
+        <p:style>
+          <a:lnRef idx="2">
+            <a:schemeClr val="accent1">
+              <a:shade val="50000"/>
+            </a:schemeClr>
+          </a:lnRef>
+          <a:fillRef idx="1">
+            <a:schemeClr val="accent1"/>
+          </a:fillRef>
+          <a:effectRef idx="0">
+            <a:schemeClr val="accent1"/>
+          </a:effectRef>
+          <a:fontRef idx="minor">
+            <a:schemeClr val="lt1"/>
+          </a:fontRef>
+        </p:style>
+        <p:txBody>
+          <a:bodyPr rtlCol="0" anchor="ctr"/>
+          <a:lstStyle/>
+          <a:p>
+            <a:pPr marL="0" indent="0" algn="ctr">
+              <a:buNone/>
+            </a:pPr>
+            <a:r>
+              <a:rPr lang="en-US" sz="4000" b="1" dirty="0">
+                <a:solidFill>
+                  <a:schemeClr val="bg1"/>
+                </a:solidFill>
+                <a:latin typeface="Aharoni" panose="02010803020104030203" pitchFamily="2" charset="-79"/>
+                <a:cs typeface="Aharoni" panose="02010803020104030203" pitchFamily="2" charset="-79"/>
+              </a:rPr>
+              <a:t>Machine Learning Time</a:t>
+            </a:r>
+            <a:endParaRPr lang="en-US" sz="2800" b="1" dirty="0">
+              <a:solidFill>
+                <a:schemeClr val="bg1"/>
+              </a:solidFill>
+              <a:latin typeface="Aharoni" panose="02010803020104030203" pitchFamily="2" charset="-79"/>
+              <a:cs typeface="Aharoni" panose="02010803020104030203" pitchFamily="2" charset="-79"/>
+            </a:endParaRPr>
+          </a:p>
+        </p:txBody>
+      </p:sp>
+    </p:spTree>
+    <p:extLst>
+      <p:ext uri="{BB962C8B-B14F-4D97-AF65-F5344CB8AC3E}">
+        <p14:creationId xmlns:p14="http://schemas.microsoft.com/office/powerpoint/2010/main" val="2607541999"/>
+      </p:ext>
+    </p:extLst>
+  </p:cSld>
+  <p:clrMapOvr>
+    <a:masterClrMapping/>
+  </p:clrMapOvr>
+</p:sld>
+</file>
+
+<file path=ppt/slides/slide7.xml><?xml version="1.0" encoding="utf-8"?>
+<p:sld xmlns:a="http://schemas.openxmlformats.org/drawingml/2006/main" xmlns:r="http://schemas.openxmlformats.org/officeDocument/2006/relationships" xmlns:p="http://schemas.openxmlformats.org/presentationml/2006/main">
+  <p:cSld>
+    <p:spTree>
+      <p:nvGrpSpPr>
+        <p:cNvPr id="1" name=""/>
+        <p:cNvGrpSpPr/>
+        <p:nvPr/>
+      </p:nvGrpSpPr>
+      <p:grpSpPr>
+        <a:xfrm>
+          <a:off x="0" y="0"/>
+          <a:ext cx="0" cy="0"/>
+          <a:chOff x="0" y="0"/>
+          <a:chExt cx="0" cy="0"/>
+        </a:xfrm>
+      </p:grpSpPr>
+      <p:sp>
+        <p:nvSpPr>
+          <p:cNvPr id="4" name="Slide Number Placeholder 3">
+            <a:extLst>
+              <a:ext uri="{FF2B5EF4-FFF2-40B4-BE49-F238E27FC236}">
                 <a16:creationId xmlns:a16="http://schemas.microsoft.com/office/drawing/2014/main" id="{59B18519-A688-4544-84E3-FCF48DCD77C9}"/>
               </a:ext>
             </a:extLst>
@@ -22268,7 +23327,7 @@
             <a:fld id="{5ACD0CF0-90CC-9C41-A77B-2776398A8C8B}" type="slidenum">
               <a:rPr lang="en-US" smtClean="0"/>
               <a:pPr/>
-              <a:t>6</a:t>
+              <a:t>7</a:t>
             </a:fld>
             <a:endParaRPr lang="en-US"/>
           </a:p>
@@ -23262,7 +24321,7 @@
 </p:sld>
 </file>
 
-<file path=ppt/slides/slide7.xml><?xml version="1.0" encoding="utf-8"?>
+<file path=ppt/slides/slide8.xml><?xml version="1.0" encoding="utf-8"?>
 <p:sld xmlns:a="http://schemas.openxmlformats.org/drawingml/2006/main" xmlns:r="http://schemas.openxmlformats.org/officeDocument/2006/relationships" xmlns:p="http://schemas.openxmlformats.org/presentationml/2006/main">
   <p:cSld>
     <p:spTree>
@@ -24266,7 +25325,7 @@
             <a:fld id="{A2644288-DBB5-B146-A4C9-3FE617AA0A71}" type="slidenum">
               <a:rPr lang="en-US" smtClean="0"/>
               <a:pPr algn="r"/>
-              <a:t>7</a:t>
+              <a:t>8</a:t>
             </a:fld>
             <a:endParaRPr lang="en-US" dirty="0">
               <a:latin typeface="Lato Light"/>
@@ -24288,7 +25347,7 @@
 </p:sld>
 </file>
 
-<file path=ppt/slides/slide8.xml><?xml version="1.0" encoding="utf-8"?>
+<file path=ppt/slides/slide9.xml><?xml version="1.0" encoding="utf-8"?>
 <p:sld xmlns:a="http://schemas.openxmlformats.org/drawingml/2006/main" xmlns:r="http://schemas.openxmlformats.org/officeDocument/2006/relationships" xmlns:p="http://schemas.openxmlformats.org/presentationml/2006/main">
   <p:cSld>
     <p:spTree>
@@ -24347,397 +25406,6 @@
     <p:extLst>
       <p:ext uri="{BB962C8B-B14F-4D97-AF65-F5344CB8AC3E}">
         <p14:creationId xmlns:p14="http://schemas.microsoft.com/office/powerpoint/2010/main" val="2408203351"/>
-      </p:ext>
-    </p:extLst>
-  </p:cSld>
-  <p:clrMapOvr>
-    <a:masterClrMapping/>
-  </p:clrMapOvr>
-</p:sld>
-</file>
-
-<file path=ppt/slides/slide9.xml><?xml version="1.0" encoding="utf-8"?>
-<p:sld xmlns:a="http://schemas.openxmlformats.org/drawingml/2006/main" xmlns:r="http://schemas.openxmlformats.org/officeDocument/2006/relationships" xmlns:p="http://schemas.openxmlformats.org/presentationml/2006/main">
-  <p:cSld>
-    <p:spTree>
-      <p:nvGrpSpPr>
-        <p:cNvPr id="1" name=""/>
-        <p:cNvGrpSpPr/>
-        <p:nvPr/>
-      </p:nvGrpSpPr>
-      <p:grpSpPr>
-        <a:xfrm>
-          <a:off x="0" y="0"/>
-          <a:ext cx="0" cy="0"/>
-          <a:chOff x="0" y="0"/>
-          <a:chExt cx="0" cy="0"/>
-        </a:xfrm>
-      </p:grpSpPr>
-      <p:sp>
-        <p:nvSpPr>
-          <p:cNvPr id="2" name="Text Placeholder 1"/>
-          <p:cNvSpPr>
-            <a:spLocks noGrp="1"/>
-          </p:cNvSpPr>
-          <p:nvPr>
-            <p:ph type="body" sz="quarter" idx="15"/>
-          </p:nvPr>
-        </p:nvSpPr>
-        <p:spPr/>
-        <p:txBody>
-          <a:bodyPr/>
-          <a:lstStyle/>
-          <a:p>
-            <a:r>
-              <a:rPr lang="en-US" b="1" dirty="0">
-                <a:latin typeface="Lato Bold"/>
-                <a:cs typeface="Lato Bold"/>
-              </a:rPr>
-              <a:t>Pattern discovery when inputs (x) and outputs (y) are known</a:t>
-            </a:r>
-          </a:p>
-        </p:txBody>
-      </p:sp>
-      <p:sp>
-        <p:nvSpPr>
-          <p:cNvPr id="3" name="Title 2"/>
-          <p:cNvSpPr>
-            <a:spLocks noGrp="1"/>
-          </p:cNvSpPr>
-          <p:nvPr>
-            <p:ph type="title"/>
-          </p:nvPr>
-        </p:nvSpPr>
-        <p:spPr/>
-        <p:txBody>
-          <a:bodyPr/>
-          <a:lstStyle/>
-          <a:p>
-            <a:r>
-              <a:rPr lang="en-US" dirty="0"/>
-              <a:t>Supervised machine learning</a:t>
-            </a:r>
-          </a:p>
-        </p:txBody>
-      </p:sp>
-      <p:cxnSp>
-        <p:nvCxnSpPr>
-          <p:cNvPr id="7" name="Shape 67"/>
-          <p:cNvCxnSpPr/>
-          <p:nvPr/>
-        </p:nvCxnSpPr>
-        <p:spPr>
-          <a:xfrm>
-            <a:off x="4763852" y="3912367"/>
-            <a:ext cx="1396907" cy="0"/>
-          </a:xfrm>
-          <a:prstGeom prst="straightConnector1">
-            <a:avLst/>
-          </a:prstGeom>
-          <a:noFill/>
-          <a:ln w="127000" cap="flat">
-            <a:solidFill>
-              <a:srgbClr val="000000"/>
-            </a:solidFill>
-            <a:prstDash val="solid"/>
-            <a:round/>
-            <a:headEnd type="none" w="lg" len="lg"/>
-            <a:tailEnd type="stealth" w="lg" len="lg"/>
-          </a:ln>
-        </p:spPr>
-      </p:cxnSp>
-      <p:sp>
-        <p:nvSpPr>
-          <p:cNvPr id="23" name="Shape 63"/>
-          <p:cNvSpPr txBox="1"/>
-          <p:nvPr/>
-        </p:nvSpPr>
-        <p:spPr>
-          <a:xfrm>
-            <a:off x="165343" y="3222780"/>
-            <a:ext cx="1908212" cy="830983"/>
-          </a:xfrm>
-          <a:prstGeom prst="rect">
-            <a:avLst/>
-          </a:prstGeom>
-          <a:noFill/>
-          <a:ln>
-            <a:noFill/>
-          </a:ln>
-        </p:spPr>
-        <p:txBody>
-          <a:bodyPr wrap="square" lIns="45713" tIns="45713" rIns="45713" bIns="45713" anchor="ctr" anchorCtr="0">
-            <a:spAutoFit/>
-          </a:bodyPr>
-          <a:lstStyle/>
-          <a:p>
-            <a:pPr algn="ctr"/>
-            <a:r>
-              <a:rPr lang="en" sz="2400" u="sng" dirty="0">
-                <a:solidFill>
-                  <a:schemeClr val="dk1"/>
-                </a:solidFill>
-                <a:latin typeface="Lato Light" panose="020F0502020204030203" pitchFamily="34" charset="0"/>
-                <a:ea typeface="Lato Light" panose="020F0502020204030203" pitchFamily="34" charset="0"/>
-                <a:cs typeface="Lato Light" panose="020F0502020204030203" pitchFamily="34" charset="0"/>
-                <a:sym typeface="Roboto Condensed"/>
-              </a:rPr>
-              <a:t>Input </a:t>
-            </a:r>
-            <a:r>
-              <a:rPr lang="en" sz="2400" i="1" u="sng" dirty="0">
-                <a:solidFill>
-                  <a:schemeClr val="dk1"/>
-                </a:solidFill>
-                <a:latin typeface="Lato Light" panose="020F0502020204030203" pitchFamily="34" charset="0"/>
-                <a:ea typeface="Lato Light" panose="020F0502020204030203" pitchFamily="34" charset="0"/>
-                <a:cs typeface="Lato Light" panose="020F0502020204030203" pitchFamily="34" charset="0"/>
-                <a:sym typeface="Georgia"/>
-              </a:rPr>
-              <a:t>x:</a:t>
-            </a:r>
-          </a:p>
-          <a:p>
-            <a:pPr algn="ctr"/>
-            <a:r>
-              <a:rPr lang="en-US" sz="2400" dirty="0">
-                <a:solidFill>
-                  <a:schemeClr val="dk1"/>
-                </a:solidFill>
-                <a:latin typeface="Lato Light" panose="020F0502020204030203" pitchFamily="34" charset="0"/>
-                <a:ea typeface="Lato Light" panose="020F0502020204030203" pitchFamily="34" charset="0"/>
-                <a:cs typeface="Lato Light" panose="020F0502020204030203" pitchFamily="34" charset="0"/>
-                <a:sym typeface="Roboto Condensed"/>
-              </a:rPr>
-              <a:t>Voter</a:t>
-            </a:r>
-            <a:endParaRPr lang="en" sz="2400" dirty="0">
-              <a:solidFill>
-                <a:schemeClr val="dk1"/>
-              </a:solidFill>
-              <a:latin typeface="Lato Light" panose="020F0502020204030203" pitchFamily="34" charset="0"/>
-              <a:ea typeface="Lato Light" panose="020F0502020204030203" pitchFamily="34" charset="0"/>
-              <a:cs typeface="Lato Light" panose="020F0502020204030203" pitchFamily="34" charset="0"/>
-              <a:sym typeface="Roboto Condensed"/>
-            </a:endParaRPr>
-          </a:p>
-        </p:txBody>
-      </p:sp>
-      <p:sp>
-        <p:nvSpPr>
-          <p:cNvPr id="24" name="Shape 64"/>
-          <p:cNvSpPr txBox="1"/>
-          <p:nvPr/>
-        </p:nvSpPr>
-        <p:spPr>
-          <a:xfrm>
-            <a:off x="9624392" y="3038115"/>
-            <a:ext cx="2124236" cy="1200314"/>
-          </a:xfrm>
-          <a:prstGeom prst="rect">
-            <a:avLst/>
-          </a:prstGeom>
-          <a:noFill/>
-          <a:ln>
-            <a:noFill/>
-          </a:ln>
-        </p:spPr>
-        <p:txBody>
-          <a:bodyPr wrap="square" lIns="45713" tIns="45713" rIns="45713" bIns="45713" anchor="ctr" anchorCtr="0">
-            <a:spAutoFit/>
-          </a:bodyPr>
-          <a:lstStyle/>
-          <a:p>
-            <a:pPr algn="ctr"/>
-            <a:r>
-              <a:rPr lang="en" sz="2400" u="sng" dirty="0">
-                <a:solidFill>
-                  <a:schemeClr val="dk1"/>
-                </a:solidFill>
-                <a:latin typeface="Lato Light" panose="020F0502020204030203" pitchFamily="34" charset="0"/>
-                <a:ea typeface="Lato Light" panose="020F0502020204030203" pitchFamily="34" charset="0"/>
-                <a:cs typeface="Lato Light" panose="020F0502020204030203" pitchFamily="34" charset="0"/>
-                <a:sym typeface="Roboto Condensed"/>
-              </a:rPr>
-              <a:t>Output </a:t>
-            </a:r>
-            <a:r>
-              <a:rPr lang="en" sz="2400" i="1" u="sng" dirty="0">
-                <a:solidFill>
-                  <a:schemeClr val="dk1"/>
-                </a:solidFill>
-                <a:latin typeface="Lato Light" panose="020F0502020204030203" pitchFamily="34" charset="0"/>
-                <a:ea typeface="Lato Light" panose="020F0502020204030203" pitchFamily="34" charset="0"/>
-                <a:cs typeface="Lato Light" panose="020F0502020204030203" pitchFamily="34" charset="0"/>
-                <a:sym typeface="Georgia"/>
-              </a:rPr>
-              <a:t>y:</a:t>
-            </a:r>
-            <a:endParaRPr lang="en" sz="2400" dirty="0">
-              <a:solidFill>
-                <a:schemeClr val="dk1"/>
-              </a:solidFill>
-              <a:latin typeface="Lato Light" panose="020F0502020204030203" pitchFamily="34" charset="0"/>
-              <a:ea typeface="Lato Light" panose="020F0502020204030203" pitchFamily="34" charset="0"/>
-              <a:cs typeface="Lato Light" panose="020F0502020204030203" pitchFamily="34" charset="0"/>
-              <a:sym typeface="Roboto Condensed"/>
-            </a:endParaRPr>
-          </a:p>
-          <a:p>
-            <a:pPr algn="ctr"/>
-            <a:r>
-              <a:rPr lang="en-US" sz="2400" dirty="0">
-                <a:solidFill>
-                  <a:schemeClr val="dk1"/>
-                </a:solidFill>
-                <a:latin typeface="Lato Light" panose="020F0502020204030203" pitchFamily="34" charset="0"/>
-                <a:ea typeface="Lato Light" panose="020F0502020204030203" pitchFamily="34" charset="0"/>
-                <a:cs typeface="Lato Light" panose="020F0502020204030203" pitchFamily="34" charset="0"/>
-                <a:sym typeface="Roboto Condensed"/>
-              </a:rPr>
-              <a:t>Political affiliation</a:t>
-            </a:r>
-            <a:endParaRPr lang="en" sz="2400" dirty="0">
-              <a:solidFill>
-                <a:schemeClr val="dk1"/>
-              </a:solidFill>
-              <a:latin typeface="Lato Light" panose="020F0502020204030203" pitchFamily="34" charset="0"/>
-              <a:ea typeface="Lato Light" panose="020F0502020204030203" pitchFamily="34" charset="0"/>
-              <a:cs typeface="Lato Light" panose="020F0502020204030203" pitchFamily="34" charset="0"/>
-              <a:sym typeface="Georgia"/>
-            </a:endParaRPr>
-          </a:p>
-        </p:txBody>
-      </p:sp>
-      <p:sp>
-        <p:nvSpPr>
-          <p:cNvPr id="25" name="Rectangle 24"/>
-          <p:cNvSpPr/>
-          <p:nvPr/>
-        </p:nvSpPr>
-        <p:spPr>
-          <a:xfrm>
-            <a:off x="623392" y="5481228"/>
-            <a:ext cx="11229716" cy="230832"/>
-          </a:xfrm>
-          <a:prstGeom prst="rect">
-            <a:avLst/>
-          </a:prstGeom>
-        </p:spPr>
-        <p:txBody>
-          <a:bodyPr wrap="square">
-            <a:spAutoFit/>
-          </a:bodyPr>
-          <a:lstStyle/>
-          <a:p>
-            <a:r>
-              <a:rPr lang="en-US" sz="900" u="sng" dirty="0">
-                <a:latin typeface="Lato Light" panose="020F0502020204030203" pitchFamily="34" charset="0"/>
-                <a:ea typeface="Lato Light" panose="020F0502020204030203" pitchFamily="34" charset="0"/>
-                <a:cs typeface="Lato Light" panose="020F0502020204030203" pitchFamily="34" charset="0"/>
-              </a:rPr>
-              <a:t>Examples:</a:t>
-            </a:r>
-            <a:r>
-              <a:rPr lang="en-US" sz="900" dirty="0">
-                <a:latin typeface="Lato Light" panose="020F0502020204030203" pitchFamily="34" charset="0"/>
-                <a:ea typeface="Lato Light" panose="020F0502020204030203" pitchFamily="34" charset="0"/>
-                <a:cs typeface="Lato Light" panose="020F0502020204030203" pitchFamily="34" charset="0"/>
-              </a:rPr>
-              <a:t>  Classification and regression are supervised machine learning </a:t>
-            </a:r>
-            <a:endParaRPr lang="en-US" sz="900" u="sng" dirty="0">
-              <a:latin typeface="Lato Light" panose="020F0502020204030203" pitchFamily="34" charset="0"/>
-              <a:ea typeface="Lato Light" panose="020F0502020204030203" pitchFamily="34" charset="0"/>
-              <a:cs typeface="Lato Light" panose="020F0502020204030203" pitchFamily="34" charset="0"/>
-            </a:endParaRPr>
-          </a:p>
-        </p:txBody>
-      </p:sp>
-      <p:pic>
-        <p:nvPicPr>
-          <p:cNvPr id="4" name="Picture 3"/>
-          <p:cNvPicPr>
-            <a:picLocks noChangeAspect="1"/>
-          </p:cNvPicPr>
-          <p:nvPr/>
-        </p:nvPicPr>
-        <p:blipFill>
-          <a:blip r:embed="rId3"/>
-          <a:stretch>
-            <a:fillRect/>
-          </a:stretch>
-        </p:blipFill>
-        <p:spPr>
-          <a:xfrm>
-            <a:off x="6312024" y="2924944"/>
-            <a:ext cx="3651250" cy="1727200"/>
-          </a:xfrm>
-          <a:prstGeom prst="rect">
-            <a:avLst/>
-          </a:prstGeom>
-        </p:spPr>
-      </p:pic>
-      <p:pic>
-        <p:nvPicPr>
-          <p:cNvPr id="14" name="Picture 13"/>
-          <p:cNvPicPr>
-            <a:picLocks noChangeAspect="1"/>
-          </p:cNvPicPr>
-          <p:nvPr/>
-        </p:nvPicPr>
-        <p:blipFill rotWithShape="1">
-          <a:blip r:embed="rId4"/>
-          <a:srcRect b="12548"/>
-          <a:stretch/>
-        </p:blipFill>
-        <p:spPr>
-          <a:xfrm>
-            <a:off x="2351584" y="3032956"/>
-            <a:ext cx="1800200" cy="1784230"/>
-          </a:xfrm>
-          <a:prstGeom prst="rect">
-            <a:avLst/>
-          </a:prstGeom>
-        </p:spPr>
-      </p:pic>
-      <p:sp>
-        <p:nvSpPr>
-          <p:cNvPr id="13" name="Slide Number Placeholder 2"/>
-          <p:cNvSpPr>
-            <a:spLocks noGrp="1"/>
-          </p:cNvSpPr>
-          <p:nvPr>
-            <p:ph type="sldNum" sz="quarter" idx="4"/>
-          </p:nvPr>
-        </p:nvSpPr>
-        <p:spPr>
-          <a:xfrm>
-            <a:off x="9331106" y="6494594"/>
-            <a:ext cx="2844800" cy="365125"/>
-          </a:xfrm>
-          <a:prstGeom prst="rect">
-            <a:avLst/>
-          </a:prstGeom>
-        </p:spPr>
-        <p:txBody>
-          <a:bodyPr/>
-          <a:lstStyle/>
-          <a:p>
-            <a:pPr algn="r"/>
-            <a:fld id="{A2644288-DBB5-B146-A4C9-3FE617AA0A71}" type="slidenum">
-              <a:rPr lang="en-US"/>
-              <a:pPr algn="r"/>
-              <a:t>9</a:t>
-            </a:fld>
-            <a:endParaRPr lang="en-US" dirty="0"/>
-          </a:p>
-        </p:txBody>
-      </p:sp>
-    </p:spTree>
-    <p:extLst>
-      <p:ext uri="{BB962C8B-B14F-4D97-AF65-F5344CB8AC3E}">
-        <p14:creationId xmlns:p14="http://schemas.microsoft.com/office/powerpoint/2010/main" val="1587074856"/>
       </p:ext>
     </p:extLst>
   </p:cSld>
